--- a/samples/fr.opensagres.xdocreport.samples.pptxandvelocity/src/fr/opensagres/xdocreport/samples/pptxandvelocity/PPTXProjectWithVelocity.pptx
+++ b/samples/fr.opensagres.xdocreport.samples.pptxandvelocity/src/fr/opensagres/xdocreport/samples/pptxandvelocity/PPTXProjectWithVelocity.pptx
@@ -2,10 +2,11 @@
 <file path=ppt/presentation.xml><?xml version="1.0" encoding="utf-8"?>
 <p:presentation xmlns:a="http://schemas.openxmlformats.org/drawingml/2006/main" xmlns:r="http://schemas.openxmlformats.org/officeDocument/2006/relationships" xmlns:p="http://schemas.openxmlformats.org/presentationml/2006/main" saveSubsetFonts="1">
   <p:sldMasterIdLst>
-    <p:sldMasterId id="2147483648" r:id="rId1"/>
+    <p:sldMasterId id="2147483720" r:id="rId1"/>
   </p:sldMasterIdLst>
   <p:sldIdLst>
     <p:sldId id="256" r:id="rId2"/>
+    <p:sldId id="257" r:id="rId3"/>
   </p:sldIdLst>
   <p:sldSz cx="9144000" cy="6858000" type="screen4x3"/>
   <p:notesSz cx="6858000" cy="9144000"/>
@@ -108,8 +109,13 @@
 </file>
 
 <file path=ppt/slideLayouts/slideLayout1.xml><?xml version="1.0" encoding="utf-8"?>
-<p:sldLayout xmlns:a="http://schemas.openxmlformats.org/drawingml/2006/main" xmlns:r="http://schemas.openxmlformats.org/officeDocument/2006/relationships" xmlns:p="http://schemas.openxmlformats.org/presentationml/2006/main" type="title" preserve="1">
+<p:sldLayout xmlns:a="http://schemas.openxmlformats.org/drawingml/2006/main" xmlns:r="http://schemas.openxmlformats.org/officeDocument/2006/relationships" xmlns:p="http://schemas.openxmlformats.org/presentationml/2006/main" showMasterSp="0" type="title" preserve="1">
   <p:cSld name="Diapositive de titre">
+    <p:bg>
+      <p:bgRef idx="1001">
+        <a:schemeClr val="bg1"/>
+      </p:bgRef>
+    </p:bg>
     <p:spTree>
       <p:nvGrpSpPr>
         <p:cNvPr id="1" name=""/>
@@ -126,7 +132,7 @@
       </p:grpSpPr>
       <p:sp>
         <p:nvSpPr>
-          <p:cNvPr id="2" name="Titre 1"/>
+          <p:cNvPr id="8" name="Titre 7"/>
           <p:cNvSpPr>
             <a:spLocks noGrp="1"/>
           </p:cNvSpPr>
@@ -136,144 +142,90 @@
         </p:nvSpPr>
         <p:spPr>
           <a:xfrm>
-            <a:off x="685800" y="2130425"/>
-            <a:ext cx="7772400" cy="1470025"/>
-          </a:xfrm>
-        </p:spPr>
-        <p:txBody>
-          <a:bodyPr/>
-          <a:lstStyle/>
-          <a:p>
-            <a:r>
-              <a:rPr lang="fr-FR" smtClean="0"/>
-              <a:t>Cliquez pour modifier le style du titre</a:t>
-            </a:r>
-            <a:endParaRPr lang="fr-FR"/>
-          </a:p>
-        </p:txBody>
-      </p:sp>
-      <p:sp>
-        <p:nvSpPr>
-          <p:cNvPr id="3" name="Sous-titre 2"/>
-          <p:cNvSpPr>
-            <a:spLocks noGrp="1"/>
-          </p:cNvSpPr>
-          <p:nvPr>
-            <p:ph type="subTitle" idx="1"/>
-          </p:nvPr>
-        </p:nvSpPr>
-        <p:spPr>
-          <a:xfrm>
-            <a:off x="1371600" y="3886200"/>
-            <a:ext cx="6400800" cy="1752600"/>
+            <a:off x="2286000" y="3124200"/>
+            <a:ext cx="6172200" cy="1894362"/>
           </a:xfrm>
         </p:spPr>
         <p:txBody>
           <a:bodyPr/>
           <a:lstStyle>
-            <a:lvl1pPr marL="0" indent="0" algn="ctr">
+            <a:lvl1pPr>
+              <a:defRPr b="1"/>
+            </a:lvl1pPr>
+          </a:lstStyle>
+          <a:p>
+            <a:r>
+              <a:rPr kumimoji="0" lang="fr-FR" smtClean="0"/>
+              <a:t>Cliquez pour modifier le style du titre</a:t>
+            </a:r>
+            <a:endParaRPr kumimoji="0" lang="en-US"/>
+          </a:p>
+        </p:txBody>
+      </p:sp>
+      <p:sp>
+        <p:nvSpPr>
+          <p:cNvPr id="9" name="Sous-titre 8"/>
+          <p:cNvSpPr>
+            <a:spLocks noGrp="1"/>
+          </p:cNvSpPr>
+          <p:nvPr>
+            <p:ph type="subTitle" idx="1"/>
+          </p:nvPr>
+        </p:nvSpPr>
+        <p:spPr>
+          <a:xfrm>
+            <a:off x="2286000" y="5003322"/>
+            <a:ext cx="6172200" cy="1371600"/>
+          </a:xfrm>
+        </p:spPr>
+        <p:txBody>
+          <a:bodyPr/>
+          <a:lstStyle>
+            <a:lvl1pPr marL="0" indent="0" algn="l">
               <a:buNone/>
-              <a:defRPr>
+              <a:defRPr sz="1800" b="1">
                 <a:solidFill>
-                  <a:schemeClr val="tx1">
-                    <a:tint val="75000"/>
-                  </a:schemeClr>
+                  <a:schemeClr val="tx2"/>
                 </a:solidFill>
               </a:defRPr>
             </a:lvl1pPr>
             <a:lvl2pPr marL="457200" indent="0" algn="ctr">
               <a:buNone/>
-              <a:defRPr>
-                <a:solidFill>
-                  <a:schemeClr val="tx1">
-                    <a:tint val="75000"/>
-                  </a:schemeClr>
-                </a:solidFill>
-              </a:defRPr>
             </a:lvl2pPr>
             <a:lvl3pPr marL="914400" indent="0" algn="ctr">
               <a:buNone/>
-              <a:defRPr>
-                <a:solidFill>
-                  <a:schemeClr val="tx1">
-                    <a:tint val="75000"/>
-                  </a:schemeClr>
-                </a:solidFill>
-              </a:defRPr>
             </a:lvl3pPr>
             <a:lvl4pPr marL="1371600" indent="0" algn="ctr">
               <a:buNone/>
-              <a:defRPr>
-                <a:solidFill>
-                  <a:schemeClr val="tx1">
-                    <a:tint val="75000"/>
-                  </a:schemeClr>
-                </a:solidFill>
-              </a:defRPr>
             </a:lvl4pPr>
             <a:lvl5pPr marL="1828800" indent="0" algn="ctr">
               <a:buNone/>
-              <a:defRPr>
-                <a:solidFill>
-                  <a:schemeClr val="tx1">
-                    <a:tint val="75000"/>
-                  </a:schemeClr>
-                </a:solidFill>
-              </a:defRPr>
             </a:lvl5pPr>
             <a:lvl6pPr marL="2286000" indent="0" algn="ctr">
               <a:buNone/>
-              <a:defRPr>
-                <a:solidFill>
-                  <a:schemeClr val="tx1">
-                    <a:tint val="75000"/>
-                  </a:schemeClr>
-                </a:solidFill>
-              </a:defRPr>
             </a:lvl6pPr>
             <a:lvl7pPr marL="2743200" indent="0" algn="ctr">
               <a:buNone/>
-              <a:defRPr>
-                <a:solidFill>
-                  <a:schemeClr val="tx1">
-                    <a:tint val="75000"/>
-                  </a:schemeClr>
-                </a:solidFill>
-              </a:defRPr>
             </a:lvl7pPr>
             <a:lvl8pPr marL="3200400" indent="0" algn="ctr">
               <a:buNone/>
-              <a:defRPr>
-                <a:solidFill>
-                  <a:schemeClr val="tx1">
-                    <a:tint val="75000"/>
-                  </a:schemeClr>
-                </a:solidFill>
-              </a:defRPr>
             </a:lvl8pPr>
             <a:lvl9pPr marL="3657600" indent="0" algn="ctr">
               <a:buNone/>
-              <a:defRPr>
-                <a:solidFill>
-                  <a:schemeClr val="tx1">
-                    <a:tint val="75000"/>
-                  </a:schemeClr>
-                </a:solidFill>
-              </a:defRPr>
             </a:lvl9pPr>
           </a:lstStyle>
           <a:p>
             <a:r>
-              <a:rPr lang="fr-FR" smtClean="0"/>
+              <a:rPr kumimoji="0" lang="fr-FR" smtClean="0"/>
               <a:t>Cliquez pour modifier le style des sous-titres du masque</a:t>
             </a:r>
-            <a:endParaRPr lang="fr-FR"/>
-          </a:p>
-        </p:txBody>
-      </p:sp>
-      <p:sp>
-        <p:nvSpPr>
-          <p:cNvPr id="4" name="Espace réservé de la date 3"/>
+            <a:endParaRPr kumimoji="0" lang="en-US"/>
+          </a:p>
+        </p:txBody>
+      </p:sp>
+      <p:sp>
+        <p:nvSpPr>
+          <p:cNvPr id="28" name="Espace réservé de la date 27"/>
           <p:cNvSpPr>
             <a:spLocks noGrp="1"/>
           </p:cNvSpPr>
@@ -281,15 +233,20 @@
             <p:ph type="dt" sz="half" idx="10"/>
           </p:nvPr>
         </p:nvSpPr>
-        <p:spPr/>
+        <p:spPr bwMode="auto">
+          <a:xfrm rot="5400000">
+            <a:off x="7764621" y="1174097"/>
+            <a:ext cx="2286000" cy="381000"/>
+          </a:xfrm>
+        </p:spPr>
         <p:txBody>
           <a:bodyPr/>
           <a:lstStyle/>
           <a:p>
-            <a:fld id="{36258642-65C3-41EF-884A-8F6A386A9351}" type="datetimeFigureOut">
+            <a:fld id="{B1D767F1-309E-4781-B4BB-C1833E5B5858}" type="datetimeFigureOut">
               <a:rPr lang="fr-FR" smtClean="0"/>
               <a:pPr/>
-              <a:t>28/05/2011</a:t>
+              <a:t>07/01/2012</a:t>
             </a:fld>
             <a:endParaRPr lang="fr-FR"/>
           </a:p>
@@ -297,7 +254,7 @@
       </p:sp>
       <p:sp>
         <p:nvSpPr>
-          <p:cNvPr id="5" name="Espace réservé du pied de page 4"/>
+          <p:cNvPr id="17" name="Espace réservé du pied de page 16"/>
           <p:cNvSpPr>
             <a:spLocks noGrp="1"/>
           </p:cNvSpPr>
@@ -305,7 +262,12 @@
             <p:ph type="ftr" sz="quarter" idx="11"/>
           </p:nvPr>
         </p:nvSpPr>
-        <p:spPr/>
+        <p:spPr bwMode="auto">
+          <a:xfrm rot="5400000">
+            <a:off x="7077269" y="4181669"/>
+            <a:ext cx="3657600" cy="384048"/>
+          </a:xfrm>
+        </p:spPr>
         <p:txBody>
           <a:bodyPr/>
           <a:lstStyle/>
@@ -316,7 +278,701 @@
       </p:sp>
       <p:sp>
         <p:nvSpPr>
-          <p:cNvPr id="6" name="Espace réservé du numéro de diapositive 5"/>
+          <p:cNvPr id="10" name="Rectangle 9"/>
+          <p:cNvSpPr/>
+          <p:nvPr/>
+        </p:nvSpPr>
+        <p:spPr bwMode="auto">
+          <a:xfrm>
+            <a:off x="381000" y="0"/>
+            <a:ext cx="609600" cy="6858000"/>
+          </a:xfrm>
+          <a:prstGeom prst="rect">
+            <a:avLst/>
+          </a:prstGeom>
+          <a:solidFill>
+            <a:schemeClr val="accent1">
+              <a:tint val="60000"/>
+              <a:alpha val="54000"/>
+            </a:schemeClr>
+          </a:solidFill>
+          <a:ln w="38100" cap="rnd" cmpd="sng" algn="ctr">
+            <a:noFill/>
+            <a:prstDash val="solid"/>
+          </a:ln>
+          <a:effectLst/>
+        </p:spPr>
+        <p:style>
+          <a:lnRef idx="3">
+            <a:schemeClr val="lt1"/>
+          </a:lnRef>
+          <a:fillRef idx="1">
+            <a:schemeClr val="accent1"/>
+          </a:fillRef>
+          <a:effectRef idx="1">
+            <a:schemeClr val="accent1"/>
+          </a:effectRef>
+          <a:fontRef idx="minor">
+            <a:schemeClr val="lt1"/>
+          </a:fontRef>
+        </p:style>
+        <p:txBody>
+          <a:bodyPr anchor="ctr"/>
+          <a:lstStyle/>
+          <a:p>
+            <a:pPr algn="ctr" eaLnBrk="1" latinLnBrk="0" hangingPunct="1"/>
+            <a:endParaRPr kumimoji="0" lang="en-US"/>
+          </a:p>
+        </p:txBody>
+      </p:sp>
+      <p:sp>
+        <p:nvSpPr>
+          <p:cNvPr id="12" name="Rectangle 11"/>
+          <p:cNvSpPr/>
+          <p:nvPr/>
+        </p:nvSpPr>
+        <p:spPr bwMode="auto">
+          <a:xfrm>
+            <a:off x="276336" y="0"/>
+            <a:ext cx="104664" cy="6858000"/>
+          </a:xfrm>
+          <a:prstGeom prst="rect">
+            <a:avLst/>
+          </a:prstGeom>
+          <a:solidFill>
+            <a:schemeClr val="accent1">
+              <a:tint val="40000"/>
+              <a:alpha val="36000"/>
+            </a:schemeClr>
+          </a:solidFill>
+          <a:ln w="38100" cap="rnd" cmpd="sng" algn="ctr">
+            <a:noFill/>
+            <a:prstDash val="solid"/>
+          </a:ln>
+          <a:effectLst/>
+        </p:spPr>
+        <p:style>
+          <a:lnRef idx="3">
+            <a:schemeClr val="lt1"/>
+          </a:lnRef>
+          <a:fillRef idx="1">
+            <a:schemeClr val="accent1"/>
+          </a:fillRef>
+          <a:effectRef idx="1">
+            <a:schemeClr val="accent1"/>
+          </a:effectRef>
+          <a:fontRef idx="minor">
+            <a:schemeClr val="lt1"/>
+          </a:fontRef>
+        </p:style>
+        <p:txBody>
+          <a:bodyPr anchor="ctr"/>
+          <a:lstStyle/>
+          <a:p>
+            <a:pPr algn="ctr" eaLnBrk="1" latinLnBrk="0" hangingPunct="1"/>
+            <a:endParaRPr kumimoji="0" lang="en-US"/>
+          </a:p>
+        </p:txBody>
+      </p:sp>
+      <p:sp>
+        <p:nvSpPr>
+          <p:cNvPr id="14" name="Rectangle 13"/>
+          <p:cNvSpPr/>
+          <p:nvPr/>
+        </p:nvSpPr>
+        <p:spPr bwMode="auto">
+          <a:xfrm>
+            <a:off x="990600" y="0"/>
+            <a:ext cx="181872" cy="6858000"/>
+          </a:xfrm>
+          <a:prstGeom prst="rect">
+            <a:avLst/>
+          </a:prstGeom>
+          <a:solidFill>
+            <a:schemeClr val="accent1">
+              <a:tint val="40000"/>
+              <a:alpha val="70000"/>
+            </a:schemeClr>
+          </a:solidFill>
+          <a:ln w="38100" cap="rnd" cmpd="sng" algn="ctr">
+            <a:noFill/>
+            <a:prstDash val="solid"/>
+          </a:ln>
+          <a:effectLst/>
+        </p:spPr>
+        <p:style>
+          <a:lnRef idx="3">
+            <a:schemeClr val="lt1"/>
+          </a:lnRef>
+          <a:fillRef idx="1">
+            <a:schemeClr val="accent1"/>
+          </a:fillRef>
+          <a:effectRef idx="1">
+            <a:schemeClr val="accent1"/>
+          </a:effectRef>
+          <a:fontRef idx="minor">
+            <a:schemeClr val="lt1"/>
+          </a:fontRef>
+        </p:style>
+        <p:txBody>
+          <a:bodyPr anchor="ctr"/>
+          <a:lstStyle/>
+          <a:p>
+            <a:pPr algn="ctr" eaLnBrk="1" latinLnBrk="0" hangingPunct="1"/>
+            <a:endParaRPr kumimoji="0" lang="en-US"/>
+          </a:p>
+        </p:txBody>
+      </p:sp>
+      <p:sp>
+        <p:nvSpPr>
+          <p:cNvPr id="19" name="Rectangle 18"/>
+          <p:cNvSpPr/>
+          <p:nvPr/>
+        </p:nvSpPr>
+        <p:spPr bwMode="auto">
+          <a:xfrm>
+            <a:off x="1141320" y="0"/>
+            <a:ext cx="230280" cy="6858000"/>
+          </a:xfrm>
+          <a:prstGeom prst="rect">
+            <a:avLst/>
+          </a:prstGeom>
+          <a:solidFill>
+            <a:schemeClr val="accent1">
+              <a:tint val="20000"/>
+              <a:alpha val="71000"/>
+            </a:schemeClr>
+          </a:solidFill>
+          <a:ln w="38100" cap="rnd" cmpd="sng" algn="ctr">
+            <a:noFill/>
+            <a:prstDash val="solid"/>
+          </a:ln>
+          <a:effectLst/>
+        </p:spPr>
+        <p:style>
+          <a:lnRef idx="3">
+            <a:schemeClr val="lt1"/>
+          </a:lnRef>
+          <a:fillRef idx="1">
+            <a:schemeClr val="accent1"/>
+          </a:fillRef>
+          <a:effectRef idx="1">
+            <a:schemeClr val="accent1"/>
+          </a:effectRef>
+          <a:fontRef idx="minor">
+            <a:schemeClr val="lt1"/>
+          </a:fontRef>
+        </p:style>
+        <p:txBody>
+          <a:bodyPr anchor="ctr"/>
+          <a:lstStyle/>
+          <a:p>
+            <a:pPr algn="ctr" eaLnBrk="1" latinLnBrk="0" hangingPunct="1"/>
+            <a:endParaRPr kumimoji="0" lang="en-US"/>
+          </a:p>
+        </p:txBody>
+      </p:sp>
+      <p:sp>
+        <p:nvSpPr>
+          <p:cNvPr id="11" name="Connecteur droit 10"/>
+          <p:cNvSpPr>
+            <a:spLocks noChangeShapeType="1"/>
+          </p:cNvSpPr>
+          <p:nvPr/>
+        </p:nvSpPr>
+        <p:spPr bwMode="auto">
+          <a:xfrm>
+            <a:off x="106344" y="0"/>
+            <a:ext cx="0" cy="6858000"/>
+          </a:xfrm>
+          <a:prstGeom prst="line">
+            <a:avLst/>
+          </a:prstGeom>
+          <a:noFill/>
+          <a:ln w="57150" cap="flat" cmpd="sng" algn="ctr">
+            <a:solidFill>
+              <a:schemeClr val="accent1">
+                <a:tint val="60000"/>
+                <a:alpha val="73000"/>
+              </a:schemeClr>
+            </a:solidFill>
+            <a:prstDash val="solid"/>
+            <a:round/>
+            <a:headEnd type="none" w="med" len="med"/>
+            <a:tailEnd type="none" w="med" len="med"/>
+          </a:ln>
+          <a:effectLst/>
+        </p:spPr>
+        <p:txBody>
+          <a:bodyPr vert="horz" wrap="square" lIns="91440" tIns="45720" rIns="91440" bIns="45720" anchor="t" compatLnSpc="1"/>
+          <a:lstStyle/>
+          <a:p>
+            <a:endParaRPr kumimoji="0" lang="en-US"/>
+          </a:p>
+        </p:txBody>
+      </p:sp>
+      <p:sp>
+        <p:nvSpPr>
+          <p:cNvPr id="18" name="Connecteur droit 17"/>
+          <p:cNvSpPr>
+            <a:spLocks noChangeShapeType="1"/>
+          </p:cNvSpPr>
+          <p:nvPr/>
+        </p:nvSpPr>
+        <p:spPr bwMode="auto">
+          <a:xfrm>
+            <a:off x="914400" y="0"/>
+            <a:ext cx="0" cy="6858000"/>
+          </a:xfrm>
+          <a:prstGeom prst="line">
+            <a:avLst/>
+          </a:prstGeom>
+          <a:noFill/>
+          <a:ln w="57150" cap="flat" cmpd="sng" algn="ctr">
+            <a:solidFill>
+              <a:schemeClr val="accent1">
+                <a:tint val="20000"/>
+                <a:alpha val="83000"/>
+              </a:schemeClr>
+            </a:solidFill>
+            <a:prstDash val="solid"/>
+            <a:round/>
+            <a:headEnd type="none" w="med" len="med"/>
+            <a:tailEnd type="none" w="med" len="med"/>
+          </a:ln>
+          <a:effectLst/>
+        </p:spPr>
+        <p:txBody>
+          <a:bodyPr vert="horz" wrap="square" lIns="91440" tIns="45720" rIns="91440" bIns="45720" anchor="t" compatLnSpc="1"/>
+          <a:lstStyle/>
+          <a:p>
+            <a:endParaRPr kumimoji="0" lang="en-US"/>
+          </a:p>
+        </p:txBody>
+      </p:sp>
+      <p:sp>
+        <p:nvSpPr>
+          <p:cNvPr id="20" name="Connecteur droit 19"/>
+          <p:cNvSpPr>
+            <a:spLocks noChangeShapeType="1"/>
+          </p:cNvSpPr>
+          <p:nvPr/>
+        </p:nvSpPr>
+        <p:spPr bwMode="auto">
+          <a:xfrm>
+            <a:off x="854112" y="0"/>
+            <a:ext cx="0" cy="6858000"/>
+          </a:xfrm>
+          <a:prstGeom prst="line">
+            <a:avLst/>
+          </a:prstGeom>
+          <a:noFill/>
+          <a:ln w="57150" cap="flat" cmpd="sng" algn="ctr">
+            <a:solidFill>
+              <a:schemeClr val="accent1">
+                <a:tint val="60000"/>
+              </a:schemeClr>
+            </a:solidFill>
+            <a:prstDash val="solid"/>
+            <a:round/>
+            <a:headEnd type="none" w="med" len="med"/>
+            <a:tailEnd type="none" w="med" len="med"/>
+          </a:ln>
+          <a:effectLst/>
+        </p:spPr>
+        <p:txBody>
+          <a:bodyPr vert="horz" wrap="square" lIns="91440" tIns="45720" rIns="91440" bIns="45720" anchor="t" compatLnSpc="1"/>
+          <a:lstStyle/>
+          <a:p>
+            <a:endParaRPr kumimoji="0" lang="en-US"/>
+          </a:p>
+        </p:txBody>
+      </p:sp>
+      <p:sp>
+        <p:nvSpPr>
+          <p:cNvPr id="16" name="Connecteur droit 15"/>
+          <p:cNvSpPr>
+            <a:spLocks noChangeShapeType="1"/>
+          </p:cNvSpPr>
+          <p:nvPr/>
+        </p:nvSpPr>
+        <p:spPr bwMode="auto">
+          <a:xfrm>
+            <a:off x="1726640" y="0"/>
+            <a:ext cx="0" cy="6858000"/>
+          </a:xfrm>
+          <a:prstGeom prst="line">
+            <a:avLst/>
+          </a:prstGeom>
+          <a:noFill/>
+          <a:ln w="28575" cap="flat" cmpd="sng" algn="ctr">
+            <a:solidFill>
+              <a:schemeClr val="accent1">
+                <a:tint val="60000"/>
+                <a:alpha val="82000"/>
+              </a:schemeClr>
+            </a:solidFill>
+            <a:prstDash val="solid"/>
+            <a:round/>
+            <a:headEnd type="none" w="med" len="med"/>
+            <a:tailEnd type="none" w="med" len="med"/>
+          </a:ln>
+          <a:effectLst/>
+        </p:spPr>
+        <p:txBody>
+          <a:bodyPr vert="horz" wrap="square" lIns="91440" tIns="45720" rIns="91440" bIns="45720" anchor="t" compatLnSpc="1"/>
+          <a:lstStyle/>
+          <a:p>
+            <a:endParaRPr kumimoji="0" lang="en-US"/>
+          </a:p>
+        </p:txBody>
+      </p:sp>
+      <p:sp>
+        <p:nvSpPr>
+          <p:cNvPr id="15" name="Connecteur droit 14"/>
+          <p:cNvSpPr>
+            <a:spLocks noChangeShapeType="1"/>
+          </p:cNvSpPr>
+          <p:nvPr/>
+        </p:nvSpPr>
+        <p:spPr bwMode="auto">
+          <a:xfrm>
+            <a:off x="1066800" y="0"/>
+            <a:ext cx="0" cy="6858000"/>
+          </a:xfrm>
+          <a:prstGeom prst="line">
+            <a:avLst/>
+          </a:prstGeom>
+          <a:noFill/>
+          <a:ln w="9525" cap="flat" cmpd="sng" algn="ctr">
+            <a:solidFill>
+              <a:schemeClr val="accent1">
+                <a:tint val="60000"/>
+              </a:schemeClr>
+            </a:solidFill>
+            <a:prstDash val="solid"/>
+            <a:round/>
+            <a:headEnd type="none" w="med" len="med"/>
+            <a:tailEnd type="none" w="med" len="med"/>
+          </a:ln>
+          <a:effectLst/>
+        </p:spPr>
+        <p:txBody>
+          <a:bodyPr vert="horz" wrap="square" lIns="91440" tIns="45720" rIns="91440" bIns="45720" anchor="t" compatLnSpc="1"/>
+          <a:lstStyle/>
+          <a:p>
+            <a:endParaRPr kumimoji="0" lang="en-US"/>
+          </a:p>
+        </p:txBody>
+      </p:sp>
+      <p:sp>
+        <p:nvSpPr>
+          <p:cNvPr id="22" name="Connecteur droit 21"/>
+          <p:cNvSpPr>
+            <a:spLocks noChangeShapeType="1"/>
+          </p:cNvSpPr>
+          <p:nvPr/>
+        </p:nvSpPr>
+        <p:spPr bwMode="auto">
+          <a:xfrm>
+            <a:off x="9113856" y="0"/>
+            <a:ext cx="0" cy="6858000"/>
+          </a:xfrm>
+          <a:prstGeom prst="line">
+            <a:avLst/>
+          </a:prstGeom>
+          <a:noFill/>
+          <a:ln w="57150" cap="flat" cmpd="thickThin" algn="ctr">
+            <a:solidFill>
+              <a:schemeClr val="accent1">
+                <a:tint val="60000"/>
+              </a:schemeClr>
+            </a:solidFill>
+            <a:prstDash val="solid"/>
+            <a:round/>
+            <a:headEnd type="none" w="med" len="med"/>
+            <a:tailEnd type="none" w="med" len="med"/>
+          </a:ln>
+          <a:effectLst/>
+        </p:spPr>
+        <p:txBody>
+          <a:bodyPr vert="horz" wrap="square" lIns="91440" tIns="45720" rIns="91440" bIns="45720" anchor="t" compatLnSpc="1"/>
+          <a:lstStyle/>
+          <a:p>
+            <a:endParaRPr kumimoji="0" lang="en-US"/>
+          </a:p>
+        </p:txBody>
+      </p:sp>
+      <p:sp>
+        <p:nvSpPr>
+          <p:cNvPr id="27" name="Rectangle 26"/>
+          <p:cNvSpPr/>
+          <p:nvPr/>
+        </p:nvSpPr>
+        <p:spPr bwMode="auto">
+          <a:xfrm>
+            <a:off x="1219200" y="0"/>
+            <a:ext cx="76200" cy="6858000"/>
+          </a:xfrm>
+          <a:prstGeom prst="rect">
+            <a:avLst/>
+          </a:prstGeom>
+          <a:solidFill>
+            <a:schemeClr val="accent1">
+              <a:tint val="60000"/>
+              <a:alpha val="51000"/>
+            </a:schemeClr>
+          </a:solidFill>
+          <a:ln w="38100" cap="rnd" cmpd="sng" algn="ctr">
+            <a:noFill/>
+            <a:prstDash val="solid"/>
+          </a:ln>
+          <a:effectLst/>
+        </p:spPr>
+        <p:style>
+          <a:lnRef idx="3">
+            <a:schemeClr val="lt1"/>
+          </a:lnRef>
+          <a:fillRef idx="1">
+            <a:schemeClr val="accent1"/>
+          </a:fillRef>
+          <a:effectRef idx="1">
+            <a:schemeClr val="accent1"/>
+          </a:effectRef>
+          <a:fontRef idx="minor">
+            <a:schemeClr val="lt1"/>
+          </a:fontRef>
+        </p:style>
+        <p:txBody>
+          <a:bodyPr anchor="ctr"/>
+          <a:lstStyle/>
+          <a:p>
+            <a:pPr algn="ctr" eaLnBrk="1" latinLnBrk="0" hangingPunct="1"/>
+            <a:endParaRPr kumimoji="0" lang="en-US" dirty="0"/>
+          </a:p>
+        </p:txBody>
+      </p:sp>
+      <p:sp>
+        <p:nvSpPr>
+          <p:cNvPr id="21" name="Ellipse 20"/>
+          <p:cNvSpPr/>
+          <p:nvPr/>
+        </p:nvSpPr>
+        <p:spPr bwMode="auto">
+          <a:xfrm>
+            <a:off x="609600" y="3429000"/>
+            <a:ext cx="1295400" cy="1295400"/>
+          </a:xfrm>
+          <a:prstGeom prst="ellipse">
+            <a:avLst/>
+          </a:prstGeom>
+          <a:solidFill>
+            <a:schemeClr val="accent1"/>
+          </a:solidFill>
+          <a:ln w="38100" cap="rnd" cmpd="sng" algn="ctr">
+            <a:noFill/>
+            <a:prstDash val="solid"/>
+          </a:ln>
+          <a:effectLst/>
+        </p:spPr>
+        <p:style>
+          <a:lnRef idx="3">
+            <a:schemeClr val="lt1"/>
+          </a:lnRef>
+          <a:fillRef idx="1">
+            <a:schemeClr val="accent1"/>
+          </a:fillRef>
+          <a:effectRef idx="1">
+            <a:schemeClr val="accent1"/>
+          </a:effectRef>
+          <a:fontRef idx="minor">
+            <a:schemeClr val="lt1"/>
+          </a:fontRef>
+        </p:style>
+        <p:txBody>
+          <a:bodyPr anchor="ctr"/>
+          <a:lstStyle/>
+          <a:p>
+            <a:pPr algn="ctr" eaLnBrk="1" latinLnBrk="0" hangingPunct="1"/>
+            <a:endParaRPr kumimoji="0" lang="en-US" dirty="0"/>
+          </a:p>
+        </p:txBody>
+      </p:sp>
+      <p:sp>
+        <p:nvSpPr>
+          <p:cNvPr id="23" name="Ellipse 22"/>
+          <p:cNvSpPr/>
+          <p:nvPr/>
+        </p:nvSpPr>
+        <p:spPr bwMode="auto">
+          <a:xfrm>
+            <a:off x="1309632" y="4866752"/>
+            <a:ext cx="641424" cy="641424"/>
+          </a:xfrm>
+          <a:prstGeom prst="ellipse">
+            <a:avLst/>
+          </a:prstGeom>
+          <a:ln w="28575" cap="rnd" cmpd="sng" algn="ctr">
+            <a:noFill/>
+            <a:prstDash val="solid"/>
+          </a:ln>
+          <a:effectLst/>
+        </p:spPr>
+        <p:style>
+          <a:lnRef idx="3">
+            <a:schemeClr val="lt1"/>
+          </a:lnRef>
+          <a:fillRef idx="1">
+            <a:schemeClr val="accent1"/>
+          </a:fillRef>
+          <a:effectRef idx="1">
+            <a:schemeClr val="accent1"/>
+          </a:effectRef>
+          <a:fontRef idx="minor">
+            <a:schemeClr val="lt1"/>
+          </a:fontRef>
+        </p:style>
+        <p:txBody>
+          <a:bodyPr anchor="ctr"/>
+          <a:lstStyle/>
+          <a:p>
+            <a:pPr algn="ctr" eaLnBrk="1" latinLnBrk="0" hangingPunct="1"/>
+            <a:endParaRPr kumimoji="0" lang="en-US" dirty="0"/>
+          </a:p>
+        </p:txBody>
+      </p:sp>
+      <p:sp>
+        <p:nvSpPr>
+          <p:cNvPr id="24" name="Ellipse 23"/>
+          <p:cNvSpPr/>
+          <p:nvPr/>
+        </p:nvSpPr>
+        <p:spPr bwMode="auto">
+          <a:xfrm>
+            <a:off x="1091080" y="5500632"/>
+            <a:ext cx="137160" cy="137160"/>
+          </a:xfrm>
+          <a:prstGeom prst="ellipse">
+            <a:avLst/>
+          </a:prstGeom>
+          <a:ln w="12700" cap="rnd" cmpd="sng" algn="ctr">
+            <a:noFill/>
+            <a:prstDash val="solid"/>
+          </a:ln>
+          <a:effectLst/>
+        </p:spPr>
+        <p:style>
+          <a:lnRef idx="3">
+            <a:schemeClr val="lt1"/>
+          </a:lnRef>
+          <a:fillRef idx="1">
+            <a:schemeClr val="accent1"/>
+          </a:fillRef>
+          <a:effectRef idx="1">
+            <a:schemeClr val="accent1"/>
+          </a:effectRef>
+          <a:fontRef idx="minor">
+            <a:schemeClr val="lt1"/>
+          </a:fontRef>
+        </p:style>
+        <p:txBody>
+          <a:bodyPr anchor="ctr"/>
+          <a:lstStyle/>
+          <a:p>
+            <a:pPr algn="ctr" eaLnBrk="1" latinLnBrk="0" hangingPunct="1"/>
+            <a:endParaRPr kumimoji="0" lang="en-US" dirty="0"/>
+          </a:p>
+        </p:txBody>
+      </p:sp>
+      <p:sp>
+        <p:nvSpPr>
+          <p:cNvPr id="26" name="Ellipse 25"/>
+          <p:cNvSpPr/>
+          <p:nvPr/>
+        </p:nvSpPr>
+        <p:spPr bwMode="auto">
+          <a:xfrm>
+            <a:off x="1664208" y="5788152"/>
+            <a:ext cx="274320" cy="274320"/>
+          </a:xfrm>
+          <a:prstGeom prst="ellipse">
+            <a:avLst/>
+          </a:prstGeom>
+          <a:ln w="12700" cap="rnd" cmpd="sng" algn="ctr">
+            <a:noFill/>
+            <a:prstDash val="solid"/>
+          </a:ln>
+          <a:effectLst/>
+        </p:spPr>
+        <p:style>
+          <a:lnRef idx="3">
+            <a:schemeClr val="lt1"/>
+          </a:lnRef>
+          <a:fillRef idx="1">
+            <a:schemeClr val="accent1"/>
+          </a:fillRef>
+          <a:effectRef idx="1">
+            <a:schemeClr val="accent1"/>
+          </a:effectRef>
+          <a:fontRef idx="minor">
+            <a:schemeClr val="lt1"/>
+          </a:fontRef>
+        </p:style>
+        <p:txBody>
+          <a:bodyPr anchor="ctr"/>
+          <a:lstStyle/>
+          <a:p>
+            <a:pPr algn="ctr" eaLnBrk="1" latinLnBrk="0" hangingPunct="1"/>
+            <a:endParaRPr kumimoji="0" lang="en-US" dirty="0"/>
+          </a:p>
+        </p:txBody>
+      </p:sp>
+      <p:sp>
+        <p:nvSpPr>
+          <p:cNvPr id="25" name="Ellipse 24"/>
+          <p:cNvSpPr/>
+          <p:nvPr/>
+        </p:nvSpPr>
+        <p:spPr>
+          <a:xfrm>
+            <a:off x="1905000" y="4495800"/>
+            <a:ext cx="365760" cy="365760"/>
+          </a:xfrm>
+          <a:prstGeom prst="ellipse">
+            <a:avLst/>
+          </a:prstGeom>
+          <a:ln w="28575" cap="rnd" cmpd="sng" algn="ctr">
+            <a:noFill/>
+            <a:prstDash val="solid"/>
+          </a:ln>
+          <a:effectLst/>
+        </p:spPr>
+        <p:style>
+          <a:lnRef idx="3">
+            <a:schemeClr val="lt1"/>
+          </a:lnRef>
+          <a:fillRef idx="1">
+            <a:schemeClr val="accent1"/>
+          </a:fillRef>
+          <a:effectRef idx="1">
+            <a:schemeClr val="accent1"/>
+          </a:effectRef>
+          <a:fontRef idx="minor">
+            <a:schemeClr val="lt1"/>
+          </a:fontRef>
+        </p:style>
+        <p:txBody>
+          <a:bodyPr anchor="ctr"/>
+          <a:lstStyle/>
+          <a:p>
+            <a:pPr algn="ctr" eaLnBrk="1" latinLnBrk="0" hangingPunct="1"/>
+            <a:endParaRPr kumimoji="0" lang="en-US" dirty="0"/>
+          </a:p>
+        </p:txBody>
+      </p:sp>
+      <p:sp>
+        <p:nvSpPr>
+          <p:cNvPr id="29" name="Espace réservé du numéro de diapositive 28"/>
           <p:cNvSpPr>
             <a:spLocks noGrp="1"/>
           </p:cNvSpPr>
@@ -324,12 +980,17 @@
             <p:ph type="sldNum" sz="quarter" idx="12"/>
           </p:nvPr>
         </p:nvSpPr>
-        <p:spPr/>
+        <p:spPr bwMode="auto">
+          <a:xfrm>
+            <a:off x="1325544" y="4928702"/>
+            <a:ext cx="609600" cy="517524"/>
+          </a:xfrm>
+        </p:spPr>
         <p:txBody>
           <a:bodyPr/>
           <a:lstStyle/>
           <a:p>
-            <a:fld id="{C9321179-DB1E-415A-8C3F-F752D573826F}" type="slidenum">
+            <a:fld id="{F7140DD7-9DBB-47E2-84A7-EC4AE225665C}" type="slidenum">
               <a:rPr lang="fr-FR" smtClean="0"/>
               <a:pPr/>
               <a:t>‹N°›</a:t>
@@ -341,7 +1002,7 @@
     </p:spTree>
   </p:cSld>
   <p:clrMapOvr>
-    <a:masterClrMapping/>
+    <a:overrideClrMapping bg1="lt1" tx1="dk1" bg2="lt2" tx2="dk2" accent1="accent1" accent2="accent2" accent3="accent3" accent4="accent4" accent5="accent5" accent6="accent6" hlink="hlink" folHlink="folHlink"/>
   </p:clrMapOvr>
 </p:sldLayout>
 </file>
@@ -379,10 +1040,10 @@
           <a:lstStyle/>
           <a:p>
             <a:r>
-              <a:rPr lang="fr-FR" smtClean="0"/>
+              <a:rPr kumimoji="0" lang="fr-FR" smtClean="0"/>
               <a:t>Cliquez pour modifier le style du titre</a:t>
             </a:r>
-            <a:endParaRPr lang="fr-FR"/>
+            <a:endParaRPr kumimoji="0" lang="en-US"/>
           </a:p>
         </p:txBody>
       </p:sp>
@@ -401,40 +1062,40 @@
           <a:bodyPr vert="eaVert"/>
           <a:lstStyle/>
           <a:p>
-            <a:pPr lvl="0"/>
+            <a:pPr lvl="0" eaLnBrk="1" latinLnBrk="0" hangingPunct="1"/>
             <a:r>
               <a:rPr lang="fr-FR" smtClean="0"/>
               <a:t>Cliquez pour modifier les styles du texte du masque</a:t>
             </a:r>
           </a:p>
           <a:p>
-            <a:pPr lvl="1"/>
+            <a:pPr lvl="1" eaLnBrk="1" latinLnBrk="0" hangingPunct="1"/>
             <a:r>
               <a:rPr lang="fr-FR" smtClean="0"/>
               <a:t>Deuxième niveau</a:t>
             </a:r>
           </a:p>
           <a:p>
-            <a:pPr lvl="2"/>
+            <a:pPr lvl="2" eaLnBrk="1" latinLnBrk="0" hangingPunct="1"/>
             <a:r>
               <a:rPr lang="fr-FR" smtClean="0"/>
               <a:t>Troisième niveau</a:t>
             </a:r>
           </a:p>
           <a:p>
-            <a:pPr lvl="3"/>
+            <a:pPr lvl="3" eaLnBrk="1" latinLnBrk="0" hangingPunct="1"/>
             <a:r>
               <a:rPr lang="fr-FR" smtClean="0"/>
               <a:t>Quatrième niveau</a:t>
             </a:r>
           </a:p>
           <a:p>
-            <a:pPr lvl="4"/>
+            <a:pPr lvl="4" eaLnBrk="1" latinLnBrk="0" hangingPunct="1"/>
             <a:r>
               <a:rPr lang="fr-FR" smtClean="0"/>
               <a:t>Cinquième niveau</a:t>
             </a:r>
-            <a:endParaRPr lang="fr-FR"/>
+            <a:endParaRPr kumimoji="0" lang="en-US"/>
           </a:p>
         </p:txBody>
       </p:sp>
@@ -453,10 +1114,10 @@
           <a:bodyPr/>
           <a:lstStyle/>
           <a:p>
-            <a:fld id="{36258642-65C3-41EF-884A-8F6A386A9351}" type="datetimeFigureOut">
+            <a:fld id="{B1D767F1-309E-4781-B4BB-C1833E5B5858}" type="datetimeFigureOut">
               <a:rPr lang="fr-FR" smtClean="0"/>
               <a:pPr/>
-              <a:t>28/05/2011</a:t>
+              <a:t>07/01/2012</a:t>
             </a:fld>
             <a:endParaRPr lang="fr-FR"/>
           </a:p>
@@ -496,7 +1157,7 @@
           <a:bodyPr/>
           <a:lstStyle/>
           <a:p>
-            <a:fld id="{C9321179-DB1E-415A-8C3F-F752D573826F}" type="slidenum">
+            <a:fld id="{F7140DD7-9DBB-47E2-84A7-EC4AE225665C}" type="slidenum">
               <a:rPr lang="fr-FR" smtClean="0"/>
               <a:pPr/>
               <a:t>‹N°›</a:t>
@@ -542,8 +1203,8 @@
         </p:nvSpPr>
         <p:spPr>
           <a:xfrm>
-            <a:off x="6629400" y="274638"/>
-            <a:ext cx="2057400" cy="5851525"/>
+            <a:off x="6629400" y="274639"/>
+            <a:ext cx="1676400" cy="5851525"/>
           </a:xfrm>
         </p:spPr>
         <p:txBody>
@@ -551,10 +1212,10 @@
           <a:lstStyle/>
           <a:p>
             <a:r>
-              <a:rPr lang="fr-FR" smtClean="0"/>
+              <a:rPr kumimoji="0" lang="fr-FR" smtClean="0"/>
               <a:t>Cliquez pour modifier le style du titre</a:t>
             </a:r>
-            <a:endParaRPr lang="fr-FR"/>
+            <a:endParaRPr kumimoji="0" lang="en-US"/>
           </a:p>
         </p:txBody>
       </p:sp>
@@ -578,40 +1239,40 @@
           <a:bodyPr vert="eaVert"/>
           <a:lstStyle/>
           <a:p>
-            <a:pPr lvl="0"/>
+            <a:pPr lvl="0" eaLnBrk="1" latinLnBrk="0" hangingPunct="1"/>
             <a:r>
               <a:rPr lang="fr-FR" smtClean="0"/>
               <a:t>Cliquez pour modifier les styles du texte du masque</a:t>
             </a:r>
           </a:p>
           <a:p>
-            <a:pPr lvl="1"/>
+            <a:pPr lvl="1" eaLnBrk="1" latinLnBrk="0" hangingPunct="1"/>
             <a:r>
               <a:rPr lang="fr-FR" smtClean="0"/>
               <a:t>Deuxième niveau</a:t>
             </a:r>
           </a:p>
           <a:p>
-            <a:pPr lvl="2"/>
+            <a:pPr lvl="2" eaLnBrk="1" latinLnBrk="0" hangingPunct="1"/>
             <a:r>
               <a:rPr lang="fr-FR" smtClean="0"/>
               <a:t>Troisième niveau</a:t>
             </a:r>
           </a:p>
           <a:p>
-            <a:pPr lvl="3"/>
+            <a:pPr lvl="3" eaLnBrk="1" latinLnBrk="0" hangingPunct="1"/>
             <a:r>
               <a:rPr lang="fr-FR" smtClean="0"/>
               <a:t>Quatrième niveau</a:t>
             </a:r>
           </a:p>
           <a:p>
-            <a:pPr lvl="4"/>
+            <a:pPr lvl="4" eaLnBrk="1" latinLnBrk="0" hangingPunct="1"/>
             <a:r>
               <a:rPr lang="fr-FR" smtClean="0"/>
               <a:t>Cinquième niveau</a:t>
             </a:r>
-            <a:endParaRPr lang="fr-FR"/>
+            <a:endParaRPr kumimoji="0" lang="en-US"/>
           </a:p>
         </p:txBody>
       </p:sp>
@@ -630,10 +1291,10 @@
           <a:bodyPr/>
           <a:lstStyle/>
           <a:p>
-            <a:fld id="{36258642-65C3-41EF-884A-8F6A386A9351}" type="datetimeFigureOut">
+            <a:fld id="{B1D767F1-309E-4781-B4BB-C1833E5B5858}" type="datetimeFigureOut">
               <a:rPr lang="fr-FR" smtClean="0"/>
               <a:pPr/>
-              <a:t>28/05/2011</a:t>
+              <a:t>07/01/2012</a:t>
             </a:fld>
             <a:endParaRPr lang="fr-FR"/>
           </a:p>
@@ -673,7 +1334,7 @@
           <a:bodyPr/>
           <a:lstStyle/>
           <a:p>
-            <a:fld id="{C9321179-DB1E-415A-8C3F-F752D573826F}" type="slidenum">
+            <a:fld id="{F7140DD7-9DBB-47E2-84A7-EC4AE225665C}" type="slidenum">
               <a:rPr lang="fr-FR" smtClean="0"/>
               <a:pPr/>
               <a:t>‹N°›</a:t>
@@ -723,84 +1384,89 @@
           <a:lstStyle/>
           <a:p>
             <a:r>
-              <a:rPr lang="fr-FR" smtClean="0"/>
+              <a:rPr kumimoji="0" lang="fr-FR" smtClean="0"/>
               <a:t>Cliquez pour modifier le style du titre</a:t>
             </a:r>
-            <a:endParaRPr lang="fr-FR"/>
-          </a:p>
-        </p:txBody>
-      </p:sp>
-      <p:sp>
-        <p:nvSpPr>
-          <p:cNvPr id="3" name="Espace réservé du contenu 2"/>
-          <p:cNvSpPr>
-            <a:spLocks noGrp="1"/>
-          </p:cNvSpPr>
-          <p:nvPr>
-            <p:ph idx="1"/>
+            <a:endParaRPr kumimoji="0" lang="en-US"/>
+          </a:p>
+        </p:txBody>
+      </p:sp>
+      <p:sp>
+        <p:nvSpPr>
+          <p:cNvPr id="8" name="Espace réservé du contenu 7"/>
+          <p:cNvSpPr>
+            <a:spLocks noGrp="1"/>
+          </p:cNvSpPr>
+          <p:nvPr>
+            <p:ph sz="quarter" idx="1"/>
+          </p:nvPr>
+        </p:nvSpPr>
+        <p:spPr>
+          <a:xfrm>
+            <a:off x="457200" y="1600200"/>
+            <a:ext cx="7467600" cy="4873752"/>
+          </a:xfrm>
+        </p:spPr>
+        <p:txBody>
+          <a:bodyPr/>
+          <a:lstStyle/>
+          <a:p>
+            <a:pPr lvl="0" eaLnBrk="1" latinLnBrk="0" hangingPunct="1"/>
+            <a:r>
+              <a:rPr lang="fr-FR" smtClean="0"/>
+              <a:t>Cliquez pour modifier les styles du texte du masque</a:t>
+            </a:r>
+          </a:p>
+          <a:p>
+            <a:pPr lvl="1" eaLnBrk="1" latinLnBrk="0" hangingPunct="1"/>
+            <a:r>
+              <a:rPr lang="fr-FR" smtClean="0"/>
+              <a:t>Deuxième niveau</a:t>
+            </a:r>
+          </a:p>
+          <a:p>
+            <a:pPr lvl="2" eaLnBrk="1" latinLnBrk="0" hangingPunct="1"/>
+            <a:r>
+              <a:rPr lang="fr-FR" smtClean="0"/>
+              <a:t>Troisième niveau</a:t>
+            </a:r>
+          </a:p>
+          <a:p>
+            <a:pPr lvl="3" eaLnBrk="1" latinLnBrk="0" hangingPunct="1"/>
+            <a:r>
+              <a:rPr lang="fr-FR" smtClean="0"/>
+              <a:t>Quatrième niveau</a:t>
+            </a:r>
+          </a:p>
+          <a:p>
+            <a:pPr lvl="4" eaLnBrk="1" latinLnBrk="0" hangingPunct="1"/>
+            <a:r>
+              <a:rPr lang="fr-FR" smtClean="0"/>
+              <a:t>Cinquième niveau</a:t>
+            </a:r>
+            <a:endParaRPr kumimoji="0" lang="en-US"/>
+          </a:p>
+        </p:txBody>
+      </p:sp>
+      <p:sp>
+        <p:nvSpPr>
+          <p:cNvPr id="7" name="Espace réservé de la date 6"/>
+          <p:cNvSpPr>
+            <a:spLocks noGrp="1"/>
+          </p:cNvSpPr>
+          <p:nvPr>
+            <p:ph type="dt" sz="half" idx="14"/>
           </p:nvPr>
         </p:nvSpPr>
         <p:spPr/>
         <p:txBody>
-          <a:bodyPr/>
-          <a:lstStyle/>
-          <a:p>
-            <a:pPr lvl="0"/>
-            <a:r>
-              <a:rPr lang="fr-FR" smtClean="0"/>
-              <a:t>Cliquez pour modifier les styles du texte du masque</a:t>
-            </a:r>
-          </a:p>
-          <a:p>
-            <a:pPr lvl="1"/>
-            <a:r>
-              <a:rPr lang="fr-FR" smtClean="0"/>
-              <a:t>Deuxième niveau</a:t>
-            </a:r>
-          </a:p>
-          <a:p>
-            <a:pPr lvl="2"/>
-            <a:r>
-              <a:rPr lang="fr-FR" smtClean="0"/>
-              <a:t>Troisième niveau</a:t>
-            </a:r>
-          </a:p>
-          <a:p>
-            <a:pPr lvl="3"/>
-            <a:r>
-              <a:rPr lang="fr-FR" smtClean="0"/>
-              <a:t>Quatrième niveau</a:t>
-            </a:r>
-          </a:p>
-          <a:p>
-            <a:pPr lvl="4"/>
-            <a:r>
-              <a:rPr lang="fr-FR" smtClean="0"/>
-              <a:t>Cinquième niveau</a:t>
-            </a:r>
-            <a:endParaRPr lang="fr-FR"/>
-          </a:p>
-        </p:txBody>
-      </p:sp>
-      <p:sp>
-        <p:nvSpPr>
-          <p:cNvPr id="4" name="Espace réservé de la date 3"/>
-          <p:cNvSpPr>
-            <a:spLocks noGrp="1"/>
-          </p:cNvSpPr>
-          <p:nvPr>
-            <p:ph type="dt" sz="half" idx="10"/>
-          </p:nvPr>
-        </p:nvSpPr>
-        <p:spPr/>
-        <p:txBody>
-          <a:bodyPr/>
-          <a:lstStyle/>
-          <a:p>
-            <a:fld id="{36258642-65C3-41EF-884A-8F6A386A9351}" type="datetimeFigureOut">
+          <a:bodyPr rtlCol="0"/>
+          <a:lstStyle/>
+          <a:p>
+            <a:fld id="{B1D767F1-309E-4781-B4BB-C1833E5B5858}" type="datetimeFigureOut">
               <a:rPr lang="fr-FR" smtClean="0"/>
               <a:pPr/>
-              <a:t>28/05/2011</a:t>
+              <a:t>07/01/2012</a:t>
             </a:fld>
             <a:endParaRPr lang="fr-FR"/>
           </a:p>
@@ -808,43 +1474,43 @@
       </p:sp>
       <p:sp>
         <p:nvSpPr>
-          <p:cNvPr id="5" name="Espace réservé du pied de page 4"/>
-          <p:cNvSpPr>
-            <a:spLocks noGrp="1"/>
-          </p:cNvSpPr>
-          <p:nvPr>
-            <p:ph type="ftr" sz="quarter" idx="11"/>
+          <p:cNvPr id="9" name="Espace réservé du numéro de diapositive 8"/>
+          <p:cNvSpPr>
+            <a:spLocks noGrp="1"/>
+          </p:cNvSpPr>
+          <p:nvPr>
+            <p:ph type="sldNum" sz="quarter" idx="15"/>
           </p:nvPr>
         </p:nvSpPr>
         <p:spPr/>
         <p:txBody>
-          <a:bodyPr/>
-          <a:lstStyle/>
-          <a:p>
-            <a:endParaRPr lang="fr-FR"/>
-          </a:p>
-        </p:txBody>
-      </p:sp>
-      <p:sp>
-        <p:nvSpPr>
-          <p:cNvPr id="6" name="Espace réservé du numéro de diapositive 5"/>
-          <p:cNvSpPr>
-            <a:spLocks noGrp="1"/>
-          </p:cNvSpPr>
-          <p:nvPr>
-            <p:ph type="sldNum" sz="quarter" idx="12"/>
-          </p:nvPr>
-        </p:nvSpPr>
-        <p:spPr/>
-        <p:txBody>
-          <a:bodyPr/>
-          <a:lstStyle/>
-          <a:p>
-            <a:fld id="{C9321179-DB1E-415A-8C3F-F752D573826F}" type="slidenum">
+          <a:bodyPr rtlCol="0"/>
+          <a:lstStyle/>
+          <a:p>
+            <a:fld id="{F7140DD7-9DBB-47E2-84A7-EC4AE225665C}" type="slidenum">
               <a:rPr lang="fr-FR" smtClean="0"/>
               <a:pPr/>
               <a:t>‹N°›</a:t>
             </a:fld>
+            <a:endParaRPr lang="fr-FR"/>
+          </a:p>
+        </p:txBody>
+      </p:sp>
+      <p:sp>
+        <p:nvSpPr>
+          <p:cNvPr id="10" name="Espace réservé du pied de page 9"/>
+          <p:cNvSpPr>
+            <a:spLocks noGrp="1"/>
+          </p:cNvSpPr>
+          <p:nvPr>
+            <p:ph type="ftr" sz="quarter" idx="16"/>
+          </p:nvPr>
+        </p:nvSpPr>
+        <p:spPr/>
+        <p:txBody>
+          <a:bodyPr rtlCol="0"/>
+          <a:lstStyle/>
+          <a:p>
             <a:endParaRPr lang="fr-FR"/>
           </a:p>
         </p:txBody>
@@ -858,8 +1524,13 @@
 </file>
 
 <file path=ppt/slideLayouts/slideLayout3.xml><?xml version="1.0" encoding="utf-8"?>
-<p:sldLayout xmlns:a="http://schemas.openxmlformats.org/drawingml/2006/main" xmlns:r="http://schemas.openxmlformats.org/officeDocument/2006/relationships" xmlns:p="http://schemas.openxmlformats.org/presentationml/2006/main" type="secHead" preserve="1">
+<p:sldLayout xmlns:a="http://schemas.openxmlformats.org/drawingml/2006/main" xmlns:r="http://schemas.openxmlformats.org/officeDocument/2006/relationships" xmlns:p="http://schemas.openxmlformats.org/presentationml/2006/main" showMasterSp="0" type="secHead" preserve="1">
   <p:cSld name="Titre de section">
+    <p:bg>
+      <p:bgRef idx="1001">
+        <a:schemeClr val="bg2"/>
+      </p:bgRef>
+    </p:bg>
     <p:spTree>
       <p:nvGrpSpPr>
         <p:cNvPr id="1" name=""/>
@@ -886,23 +1557,24 @@
         </p:nvSpPr>
         <p:spPr>
           <a:xfrm>
-            <a:off x="722313" y="4406900"/>
-            <a:ext cx="7772400" cy="1362075"/>
-          </a:xfrm>
-        </p:spPr>
-        <p:txBody>
-          <a:bodyPr anchor="t"/>
+            <a:off x="2286000" y="2895600"/>
+            <a:ext cx="6172200" cy="2053590"/>
+          </a:xfrm>
+        </p:spPr>
+        <p:txBody>
+          <a:bodyPr/>
           <a:lstStyle>
             <a:lvl1pPr algn="l">
-              <a:defRPr sz="4000" b="1" cap="all"/>
+              <a:buNone/>
+              <a:defRPr sz="3000" b="1" cap="small" baseline="0"/>
             </a:lvl1pPr>
           </a:lstStyle>
           <a:p>
             <a:r>
-              <a:rPr lang="fr-FR" smtClean="0"/>
+              <a:rPr kumimoji="0" lang="fr-FR" smtClean="0"/>
               <a:t>Cliquez pour modifier le style du titre</a:t>
             </a:r>
-            <a:endParaRPr lang="fr-FR"/>
+            <a:endParaRPr kumimoji="0" lang="en-US"/>
           </a:p>
         </p:txBody>
       </p:sp>
@@ -918,24 +1590,22 @@
         </p:nvSpPr>
         <p:spPr>
           <a:xfrm>
-            <a:off x="722313" y="2906713"/>
-            <a:ext cx="7772400" cy="1500187"/>
-          </a:xfrm>
-        </p:spPr>
-        <p:txBody>
-          <a:bodyPr anchor="b"/>
+            <a:off x="2286000" y="5010150"/>
+            <a:ext cx="6172200" cy="1371600"/>
+          </a:xfrm>
+        </p:spPr>
+        <p:txBody>
+          <a:bodyPr anchor="t"/>
           <a:lstStyle>
             <a:lvl1pPr marL="0" indent="0">
               <a:buNone/>
-              <a:defRPr sz="2000">
+              <a:defRPr sz="1800" b="1">
                 <a:solidFill>
-                  <a:schemeClr val="tx1">
-                    <a:tint val="75000"/>
-                  </a:schemeClr>
+                  <a:schemeClr val="tx2"/>
                 </a:solidFill>
               </a:defRPr>
             </a:lvl1pPr>
-            <a:lvl2pPr marL="457200" indent="0">
+            <a:lvl2pPr>
               <a:buNone/>
               <a:defRPr sz="1800">
                 <a:solidFill>
@@ -945,7 +1615,7 @@
                 </a:solidFill>
               </a:defRPr>
             </a:lvl2pPr>
-            <a:lvl3pPr marL="914400" indent="0">
+            <a:lvl3pPr>
               <a:buNone/>
               <a:defRPr sz="1600">
                 <a:solidFill>
@@ -955,7 +1625,7 @@
                 </a:solidFill>
               </a:defRPr>
             </a:lvl3pPr>
-            <a:lvl4pPr marL="1371600" indent="0">
+            <a:lvl4pPr>
               <a:buNone/>
               <a:defRPr sz="1400">
                 <a:solidFill>
@@ -965,7 +1635,7 @@
                 </a:solidFill>
               </a:defRPr>
             </a:lvl4pPr>
-            <a:lvl5pPr marL="1828800" indent="0">
+            <a:lvl5pPr>
               <a:buNone/>
               <a:defRPr sz="1400">
                 <a:solidFill>
@@ -975,51 +1645,11 @@
                 </a:solidFill>
               </a:defRPr>
             </a:lvl5pPr>
-            <a:lvl6pPr marL="2286000" indent="0">
-              <a:buNone/>
-              <a:defRPr sz="1400">
-                <a:solidFill>
-                  <a:schemeClr val="tx1">
-                    <a:tint val="75000"/>
-                  </a:schemeClr>
-                </a:solidFill>
-              </a:defRPr>
-            </a:lvl6pPr>
-            <a:lvl7pPr marL="2743200" indent="0">
-              <a:buNone/>
-              <a:defRPr sz="1400">
-                <a:solidFill>
-                  <a:schemeClr val="tx1">
-                    <a:tint val="75000"/>
-                  </a:schemeClr>
-                </a:solidFill>
-              </a:defRPr>
-            </a:lvl7pPr>
-            <a:lvl8pPr marL="3200400" indent="0">
-              <a:buNone/>
-              <a:defRPr sz="1400">
-                <a:solidFill>
-                  <a:schemeClr val="tx1">
-                    <a:tint val="75000"/>
-                  </a:schemeClr>
-                </a:solidFill>
-              </a:defRPr>
-            </a:lvl8pPr>
-            <a:lvl9pPr marL="3657600" indent="0">
-              <a:buNone/>
-              <a:defRPr sz="1400">
-                <a:solidFill>
-                  <a:schemeClr val="tx1">
-                    <a:tint val="75000"/>
-                  </a:schemeClr>
-                </a:solidFill>
-              </a:defRPr>
-            </a:lvl9pPr>
           </a:lstStyle>
           <a:p>
-            <a:pPr lvl="0"/>
-            <a:r>
-              <a:rPr lang="fr-FR" smtClean="0"/>
+            <a:pPr lvl="0" eaLnBrk="1" latinLnBrk="0" hangingPunct="1"/>
+            <a:r>
+              <a:rPr kumimoji="0" lang="fr-FR" smtClean="0"/>
               <a:t>Cliquez pour modifier les styles du texte du masque</a:t>
             </a:r>
           </a:p>
@@ -1035,15 +1665,20 @@
             <p:ph type="dt" sz="half" idx="10"/>
           </p:nvPr>
         </p:nvSpPr>
-        <p:spPr/>
+        <p:spPr bwMode="auto">
+          <a:xfrm rot="5400000">
+            <a:off x="7763256" y="1170432"/>
+            <a:ext cx="2286000" cy="381000"/>
+          </a:xfrm>
+        </p:spPr>
         <p:txBody>
           <a:bodyPr/>
           <a:lstStyle/>
           <a:p>
-            <a:fld id="{36258642-65C3-41EF-884A-8F6A386A9351}" type="datetimeFigureOut">
+            <a:fld id="{B1D767F1-309E-4781-B4BB-C1833E5B5858}" type="datetimeFigureOut">
               <a:rPr lang="fr-FR" smtClean="0"/>
               <a:pPr/>
-              <a:t>28/05/2011</a:t>
+              <a:t>07/01/2012</a:t>
             </a:fld>
             <a:endParaRPr lang="fr-FR"/>
           </a:p>
@@ -1059,7 +1694,12 @@
             <p:ph type="ftr" sz="quarter" idx="11"/>
           </p:nvPr>
         </p:nvSpPr>
-        <p:spPr/>
+        <p:spPr bwMode="auto">
+          <a:xfrm rot="5400000">
+            <a:off x="7077456" y="4178808"/>
+            <a:ext cx="3657600" cy="384048"/>
+          </a:xfrm>
+        </p:spPr>
         <p:txBody>
           <a:bodyPr/>
           <a:lstStyle/>
@@ -1070,6 +1710,697 @@
       </p:sp>
       <p:sp>
         <p:nvSpPr>
+          <p:cNvPr id="9" name="Rectangle 8"/>
+          <p:cNvSpPr/>
+          <p:nvPr/>
+        </p:nvSpPr>
+        <p:spPr bwMode="auto">
+          <a:xfrm>
+            <a:off x="381000" y="0"/>
+            <a:ext cx="609600" cy="6858000"/>
+          </a:xfrm>
+          <a:prstGeom prst="rect">
+            <a:avLst/>
+          </a:prstGeom>
+          <a:solidFill>
+            <a:schemeClr val="accent1">
+              <a:tint val="60000"/>
+              <a:alpha val="54000"/>
+            </a:schemeClr>
+          </a:solidFill>
+          <a:ln w="38100" cap="rnd" cmpd="sng" algn="ctr">
+            <a:noFill/>
+            <a:prstDash val="solid"/>
+          </a:ln>
+          <a:effectLst/>
+        </p:spPr>
+        <p:style>
+          <a:lnRef idx="3">
+            <a:schemeClr val="lt1"/>
+          </a:lnRef>
+          <a:fillRef idx="1">
+            <a:schemeClr val="accent1"/>
+          </a:fillRef>
+          <a:effectRef idx="1">
+            <a:schemeClr val="accent1"/>
+          </a:effectRef>
+          <a:fontRef idx="minor">
+            <a:schemeClr val="lt1"/>
+          </a:fontRef>
+        </p:style>
+        <p:txBody>
+          <a:bodyPr anchor="ctr"/>
+          <a:lstStyle/>
+          <a:p>
+            <a:pPr algn="ctr" eaLnBrk="1" latinLnBrk="0" hangingPunct="1"/>
+            <a:endParaRPr kumimoji="0" lang="en-US"/>
+          </a:p>
+        </p:txBody>
+      </p:sp>
+      <p:sp>
+        <p:nvSpPr>
+          <p:cNvPr id="10" name="Rectangle 9"/>
+          <p:cNvSpPr/>
+          <p:nvPr/>
+        </p:nvSpPr>
+        <p:spPr bwMode="auto">
+          <a:xfrm>
+            <a:off x="276336" y="0"/>
+            <a:ext cx="104664" cy="6858000"/>
+          </a:xfrm>
+          <a:prstGeom prst="rect">
+            <a:avLst/>
+          </a:prstGeom>
+          <a:solidFill>
+            <a:schemeClr val="accent1">
+              <a:tint val="40000"/>
+              <a:alpha val="36000"/>
+            </a:schemeClr>
+          </a:solidFill>
+          <a:ln w="38100" cap="rnd" cmpd="sng" algn="ctr">
+            <a:noFill/>
+            <a:prstDash val="solid"/>
+          </a:ln>
+          <a:effectLst/>
+        </p:spPr>
+        <p:style>
+          <a:lnRef idx="3">
+            <a:schemeClr val="lt1"/>
+          </a:lnRef>
+          <a:fillRef idx="1">
+            <a:schemeClr val="accent1"/>
+          </a:fillRef>
+          <a:effectRef idx="1">
+            <a:schemeClr val="accent1"/>
+          </a:effectRef>
+          <a:fontRef idx="minor">
+            <a:schemeClr val="lt1"/>
+          </a:fontRef>
+        </p:style>
+        <p:txBody>
+          <a:bodyPr anchor="ctr"/>
+          <a:lstStyle/>
+          <a:p>
+            <a:pPr algn="ctr" eaLnBrk="1" latinLnBrk="0" hangingPunct="1"/>
+            <a:endParaRPr kumimoji="0" lang="en-US"/>
+          </a:p>
+        </p:txBody>
+      </p:sp>
+      <p:sp>
+        <p:nvSpPr>
+          <p:cNvPr id="11" name="Rectangle 10"/>
+          <p:cNvSpPr/>
+          <p:nvPr/>
+        </p:nvSpPr>
+        <p:spPr bwMode="auto">
+          <a:xfrm>
+            <a:off x="990600" y="0"/>
+            <a:ext cx="181872" cy="6858000"/>
+          </a:xfrm>
+          <a:prstGeom prst="rect">
+            <a:avLst/>
+          </a:prstGeom>
+          <a:solidFill>
+            <a:schemeClr val="accent1">
+              <a:tint val="40000"/>
+              <a:alpha val="70000"/>
+            </a:schemeClr>
+          </a:solidFill>
+          <a:ln w="38100" cap="rnd" cmpd="sng" algn="ctr">
+            <a:noFill/>
+            <a:prstDash val="solid"/>
+          </a:ln>
+          <a:effectLst/>
+        </p:spPr>
+        <p:style>
+          <a:lnRef idx="3">
+            <a:schemeClr val="lt1"/>
+          </a:lnRef>
+          <a:fillRef idx="1">
+            <a:schemeClr val="accent1"/>
+          </a:fillRef>
+          <a:effectRef idx="1">
+            <a:schemeClr val="accent1"/>
+          </a:effectRef>
+          <a:fontRef idx="minor">
+            <a:schemeClr val="lt1"/>
+          </a:fontRef>
+        </p:style>
+        <p:txBody>
+          <a:bodyPr anchor="ctr"/>
+          <a:lstStyle/>
+          <a:p>
+            <a:pPr algn="ctr" eaLnBrk="1" latinLnBrk="0" hangingPunct="1"/>
+            <a:endParaRPr kumimoji="0" lang="en-US"/>
+          </a:p>
+        </p:txBody>
+      </p:sp>
+      <p:sp>
+        <p:nvSpPr>
+          <p:cNvPr id="12" name="Rectangle 11"/>
+          <p:cNvSpPr/>
+          <p:nvPr/>
+        </p:nvSpPr>
+        <p:spPr bwMode="auto">
+          <a:xfrm>
+            <a:off x="1141320" y="0"/>
+            <a:ext cx="230280" cy="6858000"/>
+          </a:xfrm>
+          <a:prstGeom prst="rect">
+            <a:avLst/>
+          </a:prstGeom>
+          <a:solidFill>
+            <a:schemeClr val="accent1">
+              <a:tint val="20000"/>
+              <a:alpha val="71000"/>
+            </a:schemeClr>
+          </a:solidFill>
+          <a:ln w="38100" cap="rnd" cmpd="sng" algn="ctr">
+            <a:noFill/>
+            <a:prstDash val="solid"/>
+          </a:ln>
+          <a:effectLst/>
+        </p:spPr>
+        <p:style>
+          <a:lnRef idx="3">
+            <a:schemeClr val="lt1"/>
+          </a:lnRef>
+          <a:fillRef idx="1">
+            <a:schemeClr val="accent1"/>
+          </a:fillRef>
+          <a:effectRef idx="1">
+            <a:schemeClr val="accent1"/>
+          </a:effectRef>
+          <a:fontRef idx="minor">
+            <a:schemeClr val="lt1"/>
+          </a:fontRef>
+        </p:style>
+        <p:txBody>
+          <a:bodyPr anchor="ctr"/>
+          <a:lstStyle/>
+          <a:p>
+            <a:pPr algn="ctr" eaLnBrk="1" latinLnBrk="0" hangingPunct="1"/>
+            <a:endParaRPr kumimoji="0" lang="en-US"/>
+          </a:p>
+        </p:txBody>
+      </p:sp>
+      <p:sp>
+        <p:nvSpPr>
+          <p:cNvPr id="13" name="Connecteur droit 12"/>
+          <p:cNvSpPr>
+            <a:spLocks noChangeShapeType="1"/>
+          </p:cNvSpPr>
+          <p:nvPr/>
+        </p:nvSpPr>
+        <p:spPr bwMode="auto">
+          <a:xfrm>
+            <a:off x="106344" y="0"/>
+            <a:ext cx="0" cy="6858000"/>
+          </a:xfrm>
+          <a:prstGeom prst="line">
+            <a:avLst/>
+          </a:prstGeom>
+          <a:noFill/>
+          <a:ln w="57150" cap="flat" cmpd="sng" algn="ctr">
+            <a:solidFill>
+              <a:schemeClr val="accent1">
+                <a:tint val="60000"/>
+                <a:alpha val="73000"/>
+              </a:schemeClr>
+            </a:solidFill>
+            <a:prstDash val="solid"/>
+            <a:round/>
+            <a:headEnd type="none" w="med" len="med"/>
+            <a:tailEnd type="none" w="med" len="med"/>
+          </a:ln>
+          <a:effectLst/>
+        </p:spPr>
+        <p:txBody>
+          <a:bodyPr vert="horz" wrap="square" lIns="91440" tIns="45720" rIns="91440" bIns="45720" anchor="t" compatLnSpc="1"/>
+          <a:lstStyle/>
+          <a:p>
+            <a:endParaRPr kumimoji="0" lang="en-US"/>
+          </a:p>
+        </p:txBody>
+      </p:sp>
+      <p:sp>
+        <p:nvSpPr>
+          <p:cNvPr id="14" name="Connecteur droit 13"/>
+          <p:cNvSpPr>
+            <a:spLocks noChangeShapeType="1"/>
+          </p:cNvSpPr>
+          <p:nvPr/>
+        </p:nvSpPr>
+        <p:spPr bwMode="auto">
+          <a:xfrm>
+            <a:off x="914400" y="0"/>
+            <a:ext cx="0" cy="6858000"/>
+          </a:xfrm>
+          <a:prstGeom prst="line">
+            <a:avLst/>
+          </a:prstGeom>
+          <a:noFill/>
+          <a:ln w="57150" cap="flat" cmpd="sng" algn="ctr">
+            <a:solidFill>
+              <a:schemeClr val="accent1">
+                <a:tint val="20000"/>
+                <a:alpha val="83000"/>
+              </a:schemeClr>
+            </a:solidFill>
+            <a:prstDash val="solid"/>
+            <a:round/>
+            <a:headEnd type="none" w="med" len="med"/>
+            <a:tailEnd type="none" w="med" len="med"/>
+          </a:ln>
+          <a:effectLst/>
+        </p:spPr>
+        <p:txBody>
+          <a:bodyPr vert="horz" wrap="square" lIns="91440" tIns="45720" rIns="91440" bIns="45720" anchor="t" compatLnSpc="1"/>
+          <a:lstStyle/>
+          <a:p>
+            <a:endParaRPr kumimoji="0" lang="en-US"/>
+          </a:p>
+        </p:txBody>
+      </p:sp>
+      <p:sp>
+        <p:nvSpPr>
+          <p:cNvPr id="15" name="Connecteur droit 14"/>
+          <p:cNvSpPr>
+            <a:spLocks noChangeShapeType="1"/>
+          </p:cNvSpPr>
+          <p:nvPr/>
+        </p:nvSpPr>
+        <p:spPr bwMode="auto">
+          <a:xfrm>
+            <a:off x="854112" y="0"/>
+            <a:ext cx="0" cy="6858000"/>
+          </a:xfrm>
+          <a:prstGeom prst="line">
+            <a:avLst/>
+          </a:prstGeom>
+          <a:noFill/>
+          <a:ln w="57150" cap="flat" cmpd="sng" algn="ctr">
+            <a:solidFill>
+              <a:schemeClr val="accent1">
+                <a:tint val="60000"/>
+              </a:schemeClr>
+            </a:solidFill>
+            <a:prstDash val="solid"/>
+            <a:round/>
+            <a:headEnd type="none" w="med" len="med"/>
+            <a:tailEnd type="none" w="med" len="med"/>
+          </a:ln>
+          <a:effectLst/>
+        </p:spPr>
+        <p:txBody>
+          <a:bodyPr vert="horz" wrap="square" lIns="91440" tIns="45720" rIns="91440" bIns="45720" anchor="t" compatLnSpc="1"/>
+          <a:lstStyle/>
+          <a:p>
+            <a:endParaRPr kumimoji="0" lang="en-US"/>
+          </a:p>
+        </p:txBody>
+      </p:sp>
+      <p:sp>
+        <p:nvSpPr>
+          <p:cNvPr id="16" name="Connecteur droit 15"/>
+          <p:cNvSpPr>
+            <a:spLocks noChangeShapeType="1"/>
+          </p:cNvSpPr>
+          <p:nvPr/>
+        </p:nvSpPr>
+        <p:spPr bwMode="auto">
+          <a:xfrm>
+            <a:off x="1726640" y="0"/>
+            <a:ext cx="0" cy="6858000"/>
+          </a:xfrm>
+          <a:prstGeom prst="line">
+            <a:avLst/>
+          </a:prstGeom>
+          <a:noFill/>
+          <a:ln w="28575" cap="flat" cmpd="sng" algn="ctr">
+            <a:solidFill>
+              <a:schemeClr val="accent1">
+                <a:tint val="60000"/>
+                <a:alpha val="82000"/>
+              </a:schemeClr>
+            </a:solidFill>
+            <a:prstDash val="solid"/>
+            <a:round/>
+            <a:headEnd type="none" w="med" len="med"/>
+            <a:tailEnd type="none" w="med" len="med"/>
+          </a:ln>
+          <a:effectLst/>
+        </p:spPr>
+        <p:txBody>
+          <a:bodyPr vert="horz" wrap="square" lIns="91440" tIns="45720" rIns="91440" bIns="45720" anchor="t" compatLnSpc="1"/>
+          <a:lstStyle/>
+          <a:p>
+            <a:endParaRPr kumimoji="0" lang="en-US"/>
+          </a:p>
+        </p:txBody>
+      </p:sp>
+      <p:sp>
+        <p:nvSpPr>
+          <p:cNvPr id="17" name="Connecteur droit 16"/>
+          <p:cNvSpPr>
+            <a:spLocks noChangeShapeType="1"/>
+          </p:cNvSpPr>
+          <p:nvPr/>
+        </p:nvSpPr>
+        <p:spPr bwMode="auto">
+          <a:xfrm>
+            <a:off x="1066800" y="0"/>
+            <a:ext cx="0" cy="6858000"/>
+          </a:xfrm>
+          <a:prstGeom prst="line">
+            <a:avLst/>
+          </a:prstGeom>
+          <a:noFill/>
+          <a:ln w="9525" cap="flat" cmpd="sng" algn="ctr">
+            <a:solidFill>
+              <a:schemeClr val="accent1">
+                <a:tint val="60000"/>
+              </a:schemeClr>
+            </a:solidFill>
+            <a:prstDash val="solid"/>
+            <a:round/>
+            <a:headEnd type="none" w="med" len="med"/>
+            <a:tailEnd type="none" w="med" len="med"/>
+          </a:ln>
+          <a:effectLst/>
+        </p:spPr>
+        <p:txBody>
+          <a:bodyPr vert="horz" wrap="square" lIns="91440" tIns="45720" rIns="91440" bIns="45720" anchor="t" compatLnSpc="1"/>
+          <a:lstStyle/>
+          <a:p>
+            <a:endParaRPr kumimoji="0" lang="en-US"/>
+          </a:p>
+        </p:txBody>
+      </p:sp>
+      <p:sp>
+        <p:nvSpPr>
+          <p:cNvPr id="18" name="Rectangle 17"/>
+          <p:cNvSpPr/>
+          <p:nvPr/>
+        </p:nvSpPr>
+        <p:spPr bwMode="auto">
+          <a:xfrm>
+            <a:off x="1219200" y="0"/>
+            <a:ext cx="76200" cy="6858000"/>
+          </a:xfrm>
+          <a:prstGeom prst="rect">
+            <a:avLst/>
+          </a:prstGeom>
+          <a:solidFill>
+            <a:schemeClr val="accent1">
+              <a:tint val="60000"/>
+              <a:alpha val="51000"/>
+            </a:schemeClr>
+          </a:solidFill>
+          <a:ln w="38100" cap="rnd" cmpd="sng" algn="ctr">
+            <a:noFill/>
+            <a:prstDash val="solid"/>
+          </a:ln>
+          <a:effectLst/>
+        </p:spPr>
+        <p:style>
+          <a:lnRef idx="3">
+            <a:schemeClr val="lt1"/>
+          </a:lnRef>
+          <a:fillRef idx="1">
+            <a:schemeClr val="accent1"/>
+          </a:fillRef>
+          <a:effectRef idx="1">
+            <a:schemeClr val="accent1"/>
+          </a:effectRef>
+          <a:fontRef idx="minor">
+            <a:schemeClr val="lt1"/>
+          </a:fontRef>
+        </p:style>
+        <p:txBody>
+          <a:bodyPr anchor="ctr"/>
+          <a:lstStyle/>
+          <a:p>
+            <a:pPr algn="ctr" eaLnBrk="1" latinLnBrk="0" hangingPunct="1"/>
+            <a:endParaRPr kumimoji="0" lang="en-US" dirty="0"/>
+          </a:p>
+        </p:txBody>
+      </p:sp>
+      <p:sp>
+        <p:nvSpPr>
+          <p:cNvPr id="19" name="Ellipse 18"/>
+          <p:cNvSpPr/>
+          <p:nvPr/>
+        </p:nvSpPr>
+        <p:spPr bwMode="auto">
+          <a:xfrm>
+            <a:off x="609600" y="3429000"/>
+            <a:ext cx="1295400" cy="1295400"/>
+          </a:xfrm>
+          <a:prstGeom prst="ellipse">
+            <a:avLst/>
+          </a:prstGeom>
+          <a:ln w="38100" cap="rnd" cmpd="sng" algn="ctr">
+            <a:noFill/>
+            <a:prstDash val="solid"/>
+          </a:ln>
+          <a:effectLst/>
+        </p:spPr>
+        <p:style>
+          <a:lnRef idx="3">
+            <a:schemeClr val="lt1"/>
+          </a:lnRef>
+          <a:fillRef idx="1">
+            <a:schemeClr val="accent1"/>
+          </a:fillRef>
+          <a:effectRef idx="1">
+            <a:schemeClr val="accent1"/>
+          </a:effectRef>
+          <a:fontRef idx="minor">
+            <a:schemeClr val="lt1"/>
+          </a:fontRef>
+        </p:style>
+        <p:txBody>
+          <a:bodyPr anchor="ctr"/>
+          <a:lstStyle/>
+          <a:p>
+            <a:pPr algn="ctr" eaLnBrk="1" latinLnBrk="0" hangingPunct="1"/>
+            <a:endParaRPr kumimoji="0" lang="en-US" dirty="0"/>
+          </a:p>
+        </p:txBody>
+      </p:sp>
+      <p:sp>
+        <p:nvSpPr>
+          <p:cNvPr id="20" name="Ellipse 19"/>
+          <p:cNvSpPr/>
+          <p:nvPr/>
+        </p:nvSpPr>
+        <p:spPr bwMode="auto">
+          <a:xfrm>
+            <a:off x="1324704" y="4866752"/>
+            <a:ext cx="641424" cy="641424"/>
+          </a:xfrm>
+          <a:prstGeom prst="ellipse">
+            <a:avLst/>
+          </a:prstGeom>
+          <a:ln w="28575" cap="rnd" cmpd="sng" algn="ctr">
+            <a:noFill/>
+            <a:prstDash val="solid"/>
+          </a:ln>
+          <a:effectLst/>
+        </p:spPr>
+        <p:style>
+          <a:lnRef idx="3">
+            <a:schemeClr val="lt1"/>
+          </a:lnRef>
+          <a:fillRef idx="1">
+            <a:schemeClr val="accent1"/>
+          </a:fillRef>
+          <a:effectRef idx="1">
+            <a:schemeClr val="accent1"/>
+          </a:effectRef>
+          <a:fontRef idx="minor">
+            <a:schemeClr val="lt1"/>
+          </a:fontRef>
+        </p:style>
+        <p:txBody>
+          <a:bodyPr anchor="ctr"/>
+          <a:lstStyle/>
+          <a:p>
+            <a:pPr algn="ctr" eaLnBrk="1" latinLnBrk="0" hangingPunct="1"/>
+            <a:endParaRPr kumimoji="0" lang="en-US" dirty="0"/>
+          </a:p>
+        </p:txBody>
+      </p:sp>
+      <p:sp>
+        <p:nvSpPr>
+          <p:cNvPr id="21" name="Ellipse 20"/>
+          <p:cNvSpPr/>
+          <p:nvPr/>
+        </p:nvSpPr>
+        <p:spPr bwMode="auto">
+          <a:xfrm>
+            <a:off x="1091080" y="5500632"/>
+            <a:ext cx="137160" cy="137160"/>
+          </a:xfrm>
+          <a:prstGeom prst="ellipse">
+            <a:avLst/>
+          </a:prstGeom>
+          <a:ln w="12700" cap="rnd" cmpd="sng" algn="ctr">
+            <a:noFill/>
+            <a:prstDash val="solid"/>
+          </a:ln>
+          <a:effectLst/>
+        </p:spPr>
+        <p:style>
+          <a:lnRef idx="3">
+            <a:schemeClr val="lt1"/>
+          </a:lnRef>
+          <a:fillRef idx="1">
+            <a:schemeClr val="accent1"/>
+          </a:fillRef>
+          <a:effectRef idx="1">
+            <a:schemeClr val="accent1"/>
+          </a:effectRef>
+          <a:fontRef idx="minor">
+            <a:schemeClr val="lt1"/>
+          </a:fontRef>
+        </p:style>
+        <p:txBody>
+          <a:bodyPr anchor="ctr"/>
+          <a:lstStyle/>
+          <a:p>
+            <a:pPr algn="ctr" eaLnBrk="1" latinLnBrk="0" hangingPunct="1"/>
+            <a:endParaRPr kumimoji="0" lang="en-US" dirty="0"/>
+          </a:p>
+        </p:txBody>
+      </p:sp>
+      <p:sp>
+        <p:nvSpPr>
+          <p:cNvPr id="22" name="Ellipse 21"/>
+          <p:cNvSpPr/>
+          <p:nvPr/>
+        </p:nvSpPr>
+        <p:spPr bwMode="auto">
+          <a:xfrm>
+            <a:off x="1664208" y="5791200"/>
+            <a:ext cx="274320" cy="274320"/>
+          </a:xfrm>
+          <a:prstGeom prst="ellipse">
+            <a:avLst/>
+          </a:prstGeom>
+          <a:ln w="12700" cap="rnd" cmpd="sng" algn="ctr">
+            <a:noFill/>
+            <a:prstDash val="solid"/>
+          </a:ln>
+          <a:effectLst/>
+        </p:spPr>
+        <p:style>
+          <a:lnRef idx="3">
+            <a:schemeClr val="lt1"/>
+          </a:lnRef>
+          <a:fillRef idx="1">
+            <a:schemeClr val="accent1"/>
+          </a:fillRef>
+          <a:effectRef idx="1">
+            <a:schemeClr val="accent1"/>
+          </a:effectRef>
+          <a:fontRef idx="minor">
+            <a:schemeClr val="lt1"/>
+          </a:fontRef>
+        </p:style>
+        <p:txBody>
+          <a:bodyPr anchor="ctr"/>
+          <a:lstStyle/>
+          <a:p>
+            <a:pPr algn="ctr" eaLnBrk="1" latinLnBrk="0" hangingPunct="1"/>
+            <a:endParaRPr kumimoji="0" lang="en-US" dirty="0"/>
+          </a:p>
+        </p:txBody>
+      </p:sp>
+      <p:sp>
+        <p:nvSpPr>
+          <p:cNvPr id="23" name="Ellipse 22"/>
+          <p:cNvSpPr/>
+          <p:nvPr/>
+        </p:nvSpPr>
+        <p:spPr bwMode="auto">
+          <a:xfrm>
+            <a:off x="1879040" y="4479888"/>
+            <a:ext cx="365760" cy="365760"/>
+          </a:xfrm>
+          <a:prstGeom prst="ellipse">
+            <a:avLst/>
+          </a:prstGeom>
+          <a:ln w="28575" cap="rnd" cmpd="sng" algn="ctr">
+            <a:noFill/>
+            <a:prstDash val="solid"/>
+          </a:ln>
+          <a:effectLst/>
+        </p:spPr>
+        <p:style>
+          <a:lnRef idx="3">
+            <a:schemeClr val="lt1"/>
+          </a:lnRef>
+          <a:fillRef idx="1">
+            <a:schemeClr val="accent1"/>
+          </a:fillRef>
+          <a:effectRef idx="1">
+            <a:schemeClr val="accent1"/>
+          </a:effectRef>
+          <a:fontRef idx="minor">
+            <a:schemeClr val="lt1"/>
+          </a:fontRef>
+        </p:style>
+        <p:txBody>
+          <a:bodyPr anchor="ctr"/>
+          <a:lstStyle/>
+          <a:p>
+            <a:pPr algn="ctr" eaLnBrk="1" latinLnBrk="0" hangingPunct="1"/>
+            <a:endParaRPr kumimoji="0" lang="en-US" dirty="0"/>
+          </a:p>
+        </p:txBody>
+      </p:sp>
+      <p:sp>
+        <p:nvSpPr>
+          <p:cNvPr id="26" name="Connecteur droit 25"/>
+          <p:cNvSpPr>
+            <a:spLocks noChangeShapeType="1"/>
+          </p:cNvSpPr>
+          <p:nvPr/>
+        </p:nvSpPr>
+        <p:spPr bwMode="auto">
+          <a:xfrm>
+            <a:off x="9097944" y="0"/>
+            <a:ext cx="0" cy="6858000"/>
+          </a:xfrm>
+          <a:prstGeom prst="line">
+            <a:avLst/>
+          </a:prstGeom>
+          <a:noFill/>
+          <a:ln w="57150" cap="flat" cmpd="thickThin" algn="ctr">
+            <a:solidFill>
+              <a:schemeClr val="accent1">
+                <a:tint val="60000"/>
+              </a:schemeClr>
+            </a:solidFill>
+            <a:prstDash val="solid"/>
+            <a:round/>
+            <a:headEnd type="none" w="med" len="med"/>
+            <a:tailEnd type="none" w="med" len="med"/>
+          </a:ln>
+          <a:effectLst/>
+        </p:spPr>
+        <p:txBody>
+          <a:bodyPr vert="horz" wrap="square" lIns="91440" tIns="45720" rIns="91440" bIns="45720" anchor="t" compatLnSpc="1"/>
+          <a:lstStyle/>
+          <a:p>
+            <a:endParaRPr kumimoji="0" lang="en-US"/>
+          </a:p>
+        </p:txBody>
+      </p:sp>
+      <p:sp>
+        <p:nvSpPr>
           <p:cNvPr id="6" name="Espace réservé du numéro de diapositive 5"/>
           <p:cNvSpPr>
             <a:spLocks noGrp="1"/>
@@ -1078,12 +2409,17 @@
             <p:ph type="sldNum" sz="quarter" idx="12"/>
           </p:nvPr>
         </p:nvSpPr>
-        <p:spPr/>
+        <p:spPr bwMode="auto">
+          <a:xfrm>
+            <a:off x="1340616" y="4928702"/>
+            <a:ext cx="609600" cy="517524"/>
+          </a:xfrm>
+        </p:spPr>
         <p:txBody>
           <a:bodyPr/>
           <a:lstStyle/>
           <a:p>
-            <a:fld id="{C9321179-DB1E-415A-8C3F-F752D573826F}" type="slidenum">
+            <a:fld id="{F7140DD7-9DBB-47E2-84A7-EC4AE225665C}" type="slidenum">
               <a:rPr lang="fr-FR" smtClean="0"/>
               <a:pPr/>
               <a:t>‹N°›</a:t>
@@ -1095,7 +2431,7 @@
     </p:spTree>
   </p:cSld>
   <p:clrMapOvr>
-    <a:masterClrMapping/>
+    <a:overrideClrMapping bg1="dk1" tx1="lt1" bg2="dk2" tx2="lt2" accent1="accent1" accent2="accent2" accent3="accent3" accent4="accent4" accent5="accent5" accent6="accent6" hlink="hlink" folHlink="folHlink"/>
   </p:clrMapOvr>
 </p:sldLayout>
 </file>
@@ -1133,202 +2469,32 @@
           <a:lstStyle/>
           <a:p>
             <a:r>
-              <a:rPr lang="fr-FR" smtClean="0"/>
+              <a:rPr kumimoji="0" lang="fr-FR" smtClean="0"/>
               <a:t>Cliquez pour modifier le style du titre</a:t>
             </a:r>
-            <a:endParaRPr lang="fr-FR"/>
-          </a:p>
-        </p:txBody>
-      </p:sp>
-      <p:sp>
-        <p:nvSpPr>
-          <p:cNvPr id="3" name="Espace réservé du contenu 2"/>
-          <p:cNvSpPr>
-            <a:spLocks noGrp="1"/>
-          </p:cNvSpPr>
-          <p:nvPr>
-            <p:ph sz="half" idx="1"/>
-          </p:nvPr>
-        </p:nvSpPr>
-        <p:spPr>
-          <a:xfrm>
-            <a:off x="457200" y="1600200"/>
-            <a:ext cx="4038600" cy="4525963"/>
-          </a:xfrm>
-        </p:spPr>
+            <a:endParaRPr kumimoji="0" lang="en-US"/>
+          </a:p>
+        </p:txBody>
+      </p:sp>
+      <p:sp>
+        <p:nvSpPr>
+          <p:cNvPr id="5" name="Espace réservé de la date 4"/>
+          <p:cNvSpPr>
+            <a:spLocks noGrp="1"/>
+          </p:cNvSpPr>
+          <p:nvPr>
+            <p:ph type="dt" sz="half" idx="10"/>
+          </p:nvPr>
+        </p:nvSpPr>
+        <p:spPr/>
         <p:txBody>
           <a:bodyPr/>
-          <a:lstStyle>
-            <a:lvl1pPr>
-              <a:defRPr sz="2800"/>
-            </a:lvl1pPr>
-            <a:lvl2pPr>
-              <a:defRPr sz="2400"/>
-            </a:lvl2pPr>
-            <a:lvl3pPr>
-              <a:defRPr sz="2000"/>
-            </a:lvl3pPr>
-            <a:lvl4pPr>
-              <a:defRPr sz="1800"/>
-            </a:lvl4pPr>
-            <a:lvl5pPr>
-              <a:defRPr sz="1800"/>
-            </a:lvl5pPr>
-            <a:lvl6pPr>
-              <a:defRPr sz="1800"/>
-            </a:lvl6pPr>
-            <a:lvl7pPr>
-              <a:defRPr sz="1800"/>
-            </a:lvl7pPr>
-            <a:lvl8pPr>
-              <a:defRPr sz="1800"/>
-            </a:lvl8pPr>
-            <a:lvl9pPr>
-              <a:defRPr sz="1800"/>
-            </a:lvl9pPr>
-          </a:lstStyle>
-          <a:p>
-            <a:pPr lvl="0"/>
-            <a:r>
-              <a:rPr lang="fr-FR" smtClean="0"/>
-              <a:t>Cliquez pour modifier les styles du texte du masque</a:t>
-            </a:r>
-          </a:p>
-          <a:p>
-            <a:pPr lvl="1"/>
-            <a:r>
-              <a:rPr lang="fr-FR" smtClean="0"/>
-              <a:t>Deuxième niveau</a:t>
-            </a:r>
-          </a:p>
-          <a:p>
-            <a:pPr lvl="2"/>
-            <a:r>
-              <a:rPr lang="fr-FR" smtClean="0"/>
-              <a:t>Troisième niveau</a:t>
-            </a:r>
-          </a:p>
-          <a:p>
-            <a:pPr lvl="3"/>
-            <a:r>
-              <a:rPr lang="fr-FR" smtClean="0"/>
-              <a:t>Quatrième niveau</a:t>
-            </a:r>
-          </a:p>
-          <a:p>
-            <a:pPr lvl="4"/>
-            <a:r>
-              <a:rPr lang="fr-FR" smtClean="0"/>
-              <a:t>Cinquième niveau</a:t>
-            </a:r>
-            <a:endParaRPr lang="fr-FR"/>
-          </a:p>
-        </p:txBody>
-      </p:sp>
-      <p:sp>
-        <p:nvSpPr>
-          <p:cNvPr id="4" name="Espace réservé du contenu 3"/>
-          <p:cNvSpPr>
-            <a:spLocks noGrp="1"/>
-          </p:cNvSpPr>
-          <p:nvPr>
-            <p:ph sz="half" idx="2"/>
-          </p:nvPr>
-        </p:nvSpPr>
-        <p:spPr>
-          <a:xfrm>
-            <a:off x="4648200" y="1600200"/>
-            <a:ext cx="4038600" cy="4525963"/>
-          </a:xfrm>
-        </p:spPr>
-        <p:txBody>
-          <a:bodyPr/>
-          <a:lstStyle>
-            <a:lvl1pPr>
-              <a:defRPr sz="2800"/>
-            </a:lvl1pPr>
-            <a:lvl2pPr>
-              <a:defRPr sz="2400"/>
-            </a:lvl2pPr>
-            <a:lvl3pPr>
-              <a:defRPr sz="2000"/>
-            </a:lvl3pPr>
-            <a:lvl4pPr>
-              <a:defRPr sz="1800"/>
-            </a:lvl4pPr>
-            <a:lvl5pPr>
-              <a:defRPr sz="1800"/>
-            </a:lvl5pPr>
-            <a:lvl6pPr>
-              <a:defRPr sz="1800"/>
-            </a:lvl6pPr>
-            <a:lvl7pPr>
-              <a:defRPr sz="1800"/>
-            </a:lvl7pPr>
-            <a:lvl8pPr>
-              <a:defRPr sz="1800"/>
-            </a:lvl8pPr>
-            <a:lvl9pPr>
-              <a:defRPr sz="1800"/>
-            </a:lvl9pPr>
-          </a:lstStyle>
-          <a:p>
-            <a:pPr lvl="0"/>
-            <a:r>
-              <a:rPr lang="fr-FR" smtClean="0"/>
-              <a:t>Cliquez pour modifier les styles du texte du masque</a:t>
-            </a:r>
-          </a:p>
-          <a:p>
-            <a:pPr lvl="1"/>
-            <a:r>
-              <a:rPr lang="fr-FR" smtClean="0"/>
-              <a:t>Deuxième niveau</a:t>
-            </a:r>
-          </a:p>
-          <a:p>
-            <a:pPr lvl="2"/>
-            <a:r>
-              <a:rPr lang="fr-FR" smtClean="0"/>
-              <a:t>Troisième niveau</a:t>
-            </a:r>
-          </a:p>
-          <a:p>
-            <a:pPr lvl="3"/>
-            <a:r>
-              <a:rPr lang="fr-FR" smtClean="0"/>
-              <a:t>Quatrième niveau</a:t>
-            </a:r>
-          </a:p>
-          <a:p>
-            <a:pPr lvl="4"/>
-            <a:r>
-              <a:rPr lang="fr-FR" smtClean="0"/>
-              <a:t>Cinquième niveau</a:t>
-            </a:r>
-            <a:endParaRPr lang="fr-FR"/>
-          </a:p>
-        </p:txBody>
-      </p:sp>
-      <p:sp>
-        <p:nvSpPr>
-          <p:cNvPr id="5" name="Espace réservé de la date 4"/>
-          <p:cNvSpPr>
-            <a:spLocks noGrp="1"/>
-          </p:cNvSpPr>
-          <p:nvPr>
-            <p:ph type="dt" sz="half" idx="10"/>
-          </p:nvPr>
-        </p:nvSpPr>
-        <p:spPr/>
-        <p:txBody>
-          <a:bodyPr/>
-          <a:lstStyle/>
-          <a:p>
-            <a:fld id="{36258642-65C3-41EF-884A-8F6A386A9351}" type="datetimeFigureOut">
+          <a:lstStyle/>
+          <a:p>
+            <a:fld id="{B1D767F1-309E-4781-B4BB-C1833E5B5858}" type="datetimeFigureOut">
               <a:rPr lang="fr-FR" smtClean="0"/>
               <a:pPr/>
-              <a:t>28/05/2011</a:t>
+              <a:t>07/01/2012</a:t>
             </a:fld>
             <a:endParaRPr lang="fr-FR"/>
           </a:p>
@@ -1368,12 +2534,126 @@
           <a:bodyPr/>
           <a:lstStyle/>
           <a:p>
-            <a:fld id="{C9321179-DB1E-415A-8C3F-F752D573826F}" type="slidenum">
+            <a:fld id="{F7140DD7-9DBB-47E2-84A7-EC4AE225665C}" type="slidenum">
               <a:rPr lang="fr-FR" smtClean="0"/>
               <a:pPr/>
               <a:t>‹N°›</a:t>
             </a:fld>
             <a:endParaRPr lang="fr-FR"/>
+          </a:p>
+        </p:txBody>
+      </p:sp>
+      <p:sp>
+        <p:nvSpPr>
+          <p:cNvPr id="9" name="Espace réservé du contenu 8"/>
+          <p:cNvSpPr>
+            <a:spLocks noGrp="1"/>
+          </p:cNvSpPr>
+          <p:nvPr>
+            <p:ph sz="quarter" idx="1"/>
+          </p:nvPr>
+        </p:nvSpPr>
+        <p:spPr>
+          <a:xfrm>
+            <a:off x="457200" y="1600200"/>
+            <a:ext cx="3657600" cy="4572000"/>
+          </a:xfrm>
+        </p:spPr>
+        <p:txBody>
+          <a:bodyPr/>
+          <a:lstStyle/>
+          <a:p>
+            <a:pPr lvl="0" eaLnBrk="1" latinLnBrk="0" hangingPunct="1"/>
+            <a:r>
+              <a:rPr lang="fr-FR" smtClean="0"/>
+              <a:t>Cliquez pour modifier les styles du texte du masque</a:t>
+            </a:r>
+          </a:p>
+          <a:p>
+            <a:pPr lvl="1" eaLnBrk="1" latinLnBrk="0" hangingPunct="1"/>
+            <a:r>
+              <a:rPr lang="fr-FR" smtClean="0"/>
+              <a:t>Deuxième niveau</a:t>
+            </a:r>
+          </a:p>
+          <a:p>
+            <a:pPr lvl="2" eaLnBrk="1" latinLnBrk="0" hangingPunct="1"/>
+            <a:r>
+              <a:rPr lang="fr-FR" smtClean="0"/>
+              <a:t>Troisième niveau</a:t>
+            </a:r>
+          </a:p>
+          <a:p>
+            <a:pPr lvl="3" eaLnBrk="1" latinLnBrk="0" hangingPunct="1"/>
+            <a:r>
+              <a:rPr lang="fr-FR" smtClean="0"/>
+              <a:t>Quatrième niveau</a:t>
+            </a:r>
+          </a:p>
+          <a:p>
+            <a:pPr lvl="4" eaLnBrk="1" latinLnBrk="0" hangingPunct="1"/>
+            <a:r>
+              <a:rPr lang="fr-FR" smtClean="0"/>
+              <a:t>Cinquième niveau</a:t>
+            </a:r>
+            <a:endParaRPr kumimoji="0" lang="en-US"/>
+          </a:p>
+        </p:txBody>
+      </p:sp>
+      <p:sp>
+        <p:nvSpPr>
+          <p:cNvPr id="11" name="Espace réservé du contenu 10"/>
+          <p:cNvSpPr>
+            <a:spLocks noGrp="1"/>
+          </p:cNvSpPr>
+          <p:nvPr>
+            <p:ph sz="quarter" idx="2"/>
+          </p:nvPr>
+        </p:nvSpPr>
+        <p:spPr>
+          <a:xfrm>
+            <a:off x="4270248" y="1600200"/>
+            <a:ext cx="3657600" cy="4572000"/>
+          </a:xfrm>
+        </p:spPr>
+        <p:txBody>
+          <a:bodyPr/>
+          <a:lstStyle/>
+          <a:p>
+            <a:pPr lvl="0" eaLnBrk="1" latinLnBrk="0" hangingPunct="1"/>
+            <a:r>
+              <a:rPr lang="fr-FR" smtClean="0"/>
+              <a:t>Cliquez pour modifier les styles du texte du masque</a:t>
+            </a:r>
+          </a:p>
+          <a:p>
+            <a:pPr lvl="1" eaLnBrk="1" latinLnBrk="0" hangingPunct="1"/>
+            <a:r>
+              <a:rPr lang="fr-FR" smtClean="0"/>
+              <a:t>Deuxième niveau</a:t>
+            </a:r>
+          </a:p>
+          <a:p>
+            <a:pPr lvl="2" eaLnBrk="1" latinLnBrk="0" hangingPunct="1"/>
+            <a:r>
+              <a:rPr lang="fr-FR" smtClean="0"/>
+              <a:t>Troisième niveau</a:t>
+            </a:r>
+          </a:p>
+          <a:p>
+            <a:pPr lvl="3" eaLnBrk="1" latinLnBrk="0" hangingPunct="1"/>
+            <a:r>
+              <a:rPr lang="fr-FR" smtClean="0"/>
+              <a:t>Quatrième niveau</a:t>
+            </a:r>
+          </a:p>
+          <a:p>
+            <a:pPr lvl="4" eaLnBrk="1" latinLnBrk="0" hangingPunct="1"/>
+            <a:r>
+              <a:rPr lang="fr-FR" smtClean="0"/>
+              <a:t>Cinquième niveau</a:t>
+            </a:r>
+            <a:endParaRPr kumimoji="0" lang="en-US"/>
           </a:p>
         </p:txBody>
       </p:sp>
@@ -1412,9 +2692,14 @@
             <p:ph type="title"/>
           </p:nvPr>
         </p:nvSpPr>
-        <p:spPr/>
-        <p:txBody>
-          <a:bodyPr/>
+        <p:spPr>
+          <a:xfrm>
+            <a:off x="457200" y="273050"/>
+            <a:ext cx="7543800" cy="1143000"/>
+          </a:xfrm>
+        </p:spPr>
+        <p:txBody>
+          <a:bodyPr anchor="b"/>
           <a:lstStyle>
             <a:lvl1pPr>
               <a:defRPr/>
@@ -1422,332 +2707,32 @@
           </a:lstStyle>
           <a:p>
             <a:r>
-              <a:rPr lang="fr-FR" smtClean="0"/>
+              <a:rPr kumimoji="0" lang="fr-FR" smtClean="0"/>
               <a:t>Cliquez pour modifier le style du titre</a:t>
             </a:r>
-            <a:endParaRPr lang="fr-FR"/>
-          </a:p>
-        </p:txBody>
-      </p:sp>
-      <p:sp>
-        <p:nvSpPr>
-          <p:cNvPr id="3" name="Espace réservé du texte 2"/>
-          <p:cNvSpPr>
-            <a:spLocks noGrp="1"/>
-          </p:cNvSpPr>
-          <p:nvPr>
-            <p:ph type="body" idx="1"/>
-          </p:nvPr>
-        </p:nvSpPr>
-        <p:spPr>
-          <a:xfrm>
-            <a:off x="457200" y="1535113"/>
-            <a:ext cx="4040188" cy="639762"/>
-          </a:xfrm>
-        </p:spPr>
-        <p:txBody>
-          <a:bodyPr anchor="b"/>
-          <a:lstStyle>
-            <a:lvl1pPr marL="0" indent="0">
-              <a:buNone/>
-              <a:defRPr sz="2400" b="1"/>
-            </a:lvl1pPr>
-            <a:lvl2pPr marL="457200" indent="0">
-              <a:buNone/>
-              <a:defRPr sz="2000" b="1"/>
-            </a:lvl2pPr>
-            <a:lvl3pPr marL="914400" indent="0">
-              <a:buNone/>
-              <a:defRPr sz="1800" b="1"/>
-            </a:lvl3pPr>
-            <a:lvl4pPr marL="1371600" indent="0">
-              <a:buNone/>
-              <a:defRPr sz="1600" b="1"/>
-            </a:lvl4pPr>
-            <a:lvl5pPr marL="1828800" indent="0">
-              <a:buNone/>
-              <a:defRPr sz="1600" b="1"/>
-            </a:lvl5pPr>
-            <a:lvl6pPr marL="2286000" indent="0">
-              <a:buNone/>
-              <a:defRPr sz="1600" b="1"/>
-            </a:lvl6pPr>
-            <a:lvl7pPr marL="2743200" indent="0">
-              <a:buNone/>
-              <a:defRPr sz="1600" b="1"/>
-            </a:lvl7pPr>
-            <a:lvl8pPr marL="3200400" indent="0">
-              <a:buNone/>
-              <a:defRPr sz="1600" b="1"/>
-            </a:lvl8pPr>
-            <a:lvl9pPr marL="3657600" indent="0">
-              <a:buNone/>
-              <a:defRPr sz="1600" b="1"/>
-            </a:lvl9pPr>
-          </a:lstStyle>
-          <a:p>
-            <a:pPr lvl="0"/>
-            <a:r>
-              <a:rPr lang="fr-FR" smtClean="0"/>
-              <a:t>Cliquez pour modifier les styles du texte du masque</a:t>
-            </a:r>
-          </a:p>
-        </p:txBody>
-      </p:sp>
-      <p:sp>
-        <p:nvSpPr>
-          <p:cNvPr id="4" name="Espace réservé du contenu 3"/>
-          <p:cNvSpPr>
-            <a:spLocks noGrp="1"/>
-          </p:cNvSpPr>
-          <p:nvPr>
-            <p:ph sz="half" idx="2"/>
-          </p:nvPr>
-        </p:nvSpPr>
-        <p:spPr>
-          <a:xfrm>
-            <a:off x="457200" y="2174875"/>
-            <a:ext cx="4040188" cy="3951288"/>
-          </a:xfrm>
-        </p:spPr>
+            <a:endParaRPr kumimoji="0" lang="en-US"/>
+          </a:p>
+        </p:txBody>
+      </p:sp>
+      <p:sp>
+        <p:nvSpPr>
+          <p:cNvPr id="7" name="Espace réservé de la date 6"/>
+          <p:cNvSpPr>
+            <a:spLocks noGrp="1"/>
+          </p:cNvSpPr>
+          <p:nvPr>
+            <p:ph type="dt" sz="half" idx="10"/>
+          </p:nvPr>
+        </p:nvSpPr>
+        <p:spPr/>
         <p:txBody>
           <a:bodyPr/>
-          <a:lstStyle>
-            <a:lvl1pPr>
-              <a:defRPr sz="2400"/>
-            </a:lvl1pPr>
-            <a:lvl2pPr>
-              <a:defRPr sz="2000"/>
-            </a:lvl2pPr>
-            <a:lvl3pPr>
-              <a:defRPr sz="1800"/>
-            </a:lvl3pPr>
-            <a:lvl4pPr>
-              <a:defRPr sz="1600"/>
-            </a:lvl4pPr>
-            <a:lvl5pPr>
-              <a:defRPr sz="1600"/>
-            </a:lvl5pPr>
-            <a:lvl6pPr>
-              <a:defRPr sz="1600"/>
-            </a:lvl6pPr>
-            <a:lvl7pPr>
-              <a:defRPr sz="1600"/>
-            </a:lvl7pPr>
-            <a:lvl8pPr>
-              <a:defRPr sz="1600"/>
-            </a:lvl8pPr>
-            <a:lvl9pPr>
-              <a:defRPr sz="1600"/>
-            </a:lvl9pPr>
-          </a:lstStyle>
-          <a:p>
-            <a:pPr lvl="0"/>
-            <a:r>
-              <a:rPr lang="fr-FR" smtClean="0"/>
-              <a:t>Cliquez pour modifier les styles du texte du masque</a:t>
-            </a:r>
-          </a:p>
-          <a:p>
-            <a:pPr lvl="1"/>
-            <a:r>
-              <a:rPr lang="fr-FR" smtClean="0"/>
-              <a:t>Deuxième niveau</a:t>
-            </a:r>
-          </a:p>
-          <a:p>
-            <a:pPr lvl="2"/>
-            <a:r>
-              <a:rPr lang="fr-FR" smtClean="0"/>
-              <a:t>Troisième niveau</a:t>
-            </a:r>
-          </a:p>
-          <a:p>
-            <a:pPr lvl="3"/>
-            <a:r>
-              <a:rPr lang="fr-FR" smtClean="0"/>
-              <a:t>Quatrième niveau</a:t>
-            </a:r>
-          </a:p>
-          <a:p>
-            <a:pPr lvl="4"/>
-            <a:r>
-              <a:rPr lang="fr-FR" smtClean="0"/>
-              <a:t>Cinquième niveau</a:t>
-            </a:r>
-            <a:endParaRPr lang="fr-FR"/>
-          </a:p>
-        </p:txBody>
-      </p:sp>
-      <p:sp>
-        <p:nvSpPr>
-          <p:cNvPr id="5" name="Espace réservé du texte 4"/>
-          <p:cNvSpPr>
-            <a:spLocks noGrp="1"/>
-          </p:cNvSpPr>
-          <p:nvPr>
-            <p:ph type="body" sz="quarter" idx="3"/>
-          </p:nvPr>
-        </p:nvSpPr>
-        <p:spPr>
-          <a:xfrm>
-            <a:off x="4645025" y="1535113"/>
-            <a:ext cx="4041775" cy="639762"/>
-          </a:xfrm>
-        </p:spPr>
-        <p:txBody>
-          <a:bodyPr anchor="b"/>
-          <a:lstStyle>
-            <a:lvl1pPr marL="0" indent="0">
-              <a:buNone/>
-              <a:defRPr sz="2400" b="1"/>
-            </a:lvl1pPr>
-            <a:lvl2pPr marL="457200" indent="0">
-              <a:buNone/>
-              <a:defRPr sz="2000" b="1"/>
-            </a:lvl2pPr>
-            <a:lvl3pPr marL="914400" indent="0">
-              <a:buNone/>
-              <a:defRPr sz="1800" b="1"/>
-            </a:lvl3pPr>
-            <a:lvl4pPr marL="1371600" indent="0">
-              <a:buNone/>
-              <a:defRPr sz="1600" b="1"/>
-            </a:lvl4pPr>
-            <a:lvl5pPr marL="1828800" indent="0">
-              <a:buNone/>
-              <a:defRPr sz="1600" b="1"/>
-            </a:lvl5pPr>
-            <a:lvl6pPr marL="2286000" indent="0">
-              <a:buNone/>
-              <a:defRPr sz="1600" b="1"/>
-            </a:lvl6pPr>
-            <a:lvl7pPr marL="2743200" indent="0">
-              <a:buNone/>
-              <a:defRPr sz="1600" b="1"/>
-            </a:lvl7pPr>
-            <a:lvl8pPr marL="3200400" indent="0">
-              <a:buNone/>
-              <a:defRPr sz="1600" b="1"/>
-            </a:lvl8pPr>
-            <a:lvl9pPr marL="3657600" indent="0">
-              <a:buNone/>
-              <a:defRPr sz="1600" b="1"/>
-            </a:lvl9pPr>
-          </a:lstStyle>
-          <a:p>
-            <a:pPr lvl="0"/>
-            <a:r>
-              <a:rPr lang="fr-FR" smtClean="0"/>
-              <a:t>Cliquez pour modifier les styles du texte du masque</a:t>
-            </a:r>
-          </a:p>
-        </p:txBody>
-      </p:sp>
-      <p:sp>
-        <p:nvSpPr>
-          <p:cNvPr id="6" name="Espace réservé du contenu 5"/>
-          <p:cNvSpPr>
-            <a:spLocks noGrp="1"/>
-          </p:cNvSpPr>
-          <p:nvPr>
-            <p:ph sz="quarter" idx="4"/>
-          </p:nvPr>
-        </p:nvSpPr>
-        <p:spPr>
-          <a:xfrm>
-            <a:off x="4645025" y="2174875"/>
-            <a:ext cx="4041775" cy="3951288"/>
-          </a:xfrm>
-        </p:spPr>
-        <p:txBody>
-          <a:bodyPr/>
-          <a:lstStyle>
-            <a:lvl1pPr>
-              <a:defRPr sz="2400"/>
-            </a:lvl1pPr>
-            <a:lvl2pPr>
-              <a:defRPr sz="2000"/>
-            </a:lvl2pPr>
-            <a:lvl3pPr>
-              <a:defRPr sz="1800"/>
-            </a:lvl3pPr>
-            <a:lvl4pPr>
-              <a:defRPr sz="1600"/>
-            </a:lvl4pPr>
-            <a:lvl5pPr>
-              <a:defRPr sz="1600"/>
-            </a:lvl5pPr>
-            <a:lvl6pPr>
-              <a:defRPr sz="1600"/>
-            </a:lvl6pPr>
-            <a:lvl7pPr>
-              <a:defRPr sz="1600"/>
-            </a:lvl7pPr>
-            <a:lvl8pPr>
-              <a:defRPr sz="1600"/>
-            </a:lvl8pPr>
-            <a:lvl9pPr>
-              <a:defRPr sz="1600"/>
-            </a:lvl9pPr>
-          </a:lstStyle>
-          <a:p>
-            <a:pPr lvl="0"/>
-            <a:r>
-              <a:rPr lang="fr-FR" smtClean="0"/>
-              <a:t>Cliquez pour modifier les styles du texte du masque</a:t>
-            </a:r>
-          </a:p>
-          <a:p>
-            <a:pPr lvl="1"/>
-            <a:r>
-              <a:rPr lang="fr-FR" smtClean="0"/>
-              <a:t>Deuxième niveau</a:t>
-            </a:r>
-          </a:p>
-          <a:p>
-            <a:pPr lvl="2"/>
-            <a:r>
-              <a:rPr lang="fr-FR" smtClean="0"/>
-              <a:t>Troisième niveau</a:t>
-            </a:r>
-          </a:p>
-          <a:p>
-            <a:pPr lvl="3"/>
-            <a:r>
-              <a:rPr lang="fr-FR" smtClean="0"/>
-              <a:t>Quatrième niveau</a:t>
-            </a:r>
-          </a:p>
-          <a:p>
-            <a:pPr lvl="4"/>
-            <a:r>
-              <a:rPr lang="fr-FR" smtClean="0"/>
-              <a:t>Cinquième niveau</a:t>
-            </a:r>
-            <a:endParaRPr lang="fr-FR"/>
-          </a:p>
-        </p:txBody>
-      </p:sp>
-      <p:sp>
-        <p:nvSpPr>
-          <p:cNvPr id="7" name="Espace réservé de la date 6"/>
-          <p:cNvSpPr>
-            <a:spLocks noGrp="1"/>
-          </p:cNvSpPr>
-          <p:nvPr>
-            <p:ph type="dt" sz="half" idx="10"/>
-          </p:nvPr>
-        </p:nvSpPr>
-        <p:spPr/>
-        <p:txBody>
-          <a:bodyPr/>
-          <a:lstStyle/>
-          <a:p>
-            <a:fld id="{36258642-65C3-41EF-884A-8F6A386A9351}" type="datetimeFigureOut">
+          <a:lstStyle/>
+          <a:p>
+            <a:fld id="{B1D767F1-309E-4781-B4BB-C1833E5B5858}" type="datetimeFigureOut">
               <a:rPr lang="fr-FR" smtClean="0"/>
               <a:pPr/>
-              <a:t>28/05/2011</a:t>
+              <a:t>07/01/2012</a:t>
             </a:fld>
             <a:endParaRPr lang="fr-FR"/>
           </a:p>
@@ -1787,12 +2772,222 @@
           <a:bodyPr/>
           <a:lstStyle/>
           <a:p>
-            <a:fld id="{C9321179-DB1E-415A-8C3F-F752D573826F}" type="slidenum">
+            <a:fld id="{F7140DD7-9DBB-47E2-84A7-EC4AE225665C}" type="slidenum">
               <a:rPr lang="fr-FR" smtClean="0"/>
               <a:pPr/>
               <a:t>‹N°›</a:t>
             </a:fld>
             <a:endParaRPr lang="fr-FR"/>
+          </a:p>
+        </p:txBody>
+      </p:sp>
+      <p:sp>
+        <p:nvSpPr>
+          <p:cNvPr id="11" name="Espace réservé du contenu 10"/>
+          <p:cNvSpPr>
+            <a:spLocks noGrp="1"/>
+          </p:cNvSpPr>
+          <p:nvPr>
+            <p:ph sz="quarter" idx="2"/>
+          </p:nvPr>
+        </p:nvSpPr>
+        <p:spPr>
+          <a:xfrm>
+            <a:off x="457200" y="2362200"/>
+            <a:ext cx="3657600" cy="3886200"/>
+          </a:xfrm>
+        </p:spPr>
+        <p:txBody>
+          <a:bodyPr/>
+          <a:lstStyle/>
+          <a:p>
+            <a:pPr lvl="0" eaLnBrk="1" latinLnBrk="0" hangingPunct="1"/>
+            <a:r>
+              <a:rPr lang="fr-FR" smtClean="0"/>
+              <a:t>Cliquez pour modifier les styles du texte du masque</a:t>
+            </a:r>
+          </a:p>
+          <a:p>
+            <a:pPr lvl="1" eaLnBrk="1" latinLnBrk="0" hangingPunct="1"/>
+            <a:r>
+              <a:rPr lang="fr-FR" smtClean="0"/>
+              <a:t>Deuxième niveau</a:t>
+            </a:r>
+          </a:p>
+          <a:p>
+            <a:pPr lvl="2" eaLnBrk="1" latinLnBrk="0" hangingPunct="1"/>
+            <a:r>
+              <a:rPr lang="fr-FR" smtClean="0"/>
+              <a:t>Troisième niveau</a:t>
+            </a:r>
+          </a:p>
+          <a:p>
+            <a:pPr lvl="3" eaLnBrk="1" latinLnBrk="0" hangingPunct="1"/>
+            <a:r>
+              <a:rPr lang="fr-FR" smtClean="0"/>
+              <a:t>Quatrième niveau</a:t>
+            </a:r>
+          </a:p>
+          <a:p>
+            <a:pPr lvl="4" eaLnBrk="1" latinLnBrk="0" hangingPunct="1"/>
+            <a:r>
+              <a:rPr lang="fr-FR" smtClean="0"/>
+              <a:t>Cinquième niveau</a:t>
+            </a:r>
+            <a:endParaRPr kumimoji="0" lang="en-US"/>
+          </a:p>
+        </p:txBody>
+      </p:sp>
+      <p:sp>
+        <p:nvSpPr>
+          <p:cNvPr id="13" name="Espace réservé du contenu 12"/>
+          <p:cNvSpPr>
+            <a:spLocks noGrp="1"/>
+          </p:cNvSpPr>
+          <p:nvPr>
+            <p:ph sz="quarter" idx="4"/>
+          </p:nvPr>
+        </p:nvSpPr>
+        <p:spPr>
+          <a:xfrm>
+            <a:off x="4371975" y="2362200"/>
+            <a:ext cx="3657600" cy="3886200"/>
+          </a:xfrm>
+        </p:spPr>
+        <p:txBody>
+          <a:bodyPr/>
+          <a:lstStyle/>
+          <a:p>
+            <a:pPr lvl="0" eaLnBrk="1" latinLnBrk="0" hangingPunct="1"/>
+            <a:r>
+              <a:rPr lang="fr-FR" smtClean="0"/>
+              <a:t>Cliquez pour modifier les styles du texte du masque</a:t>
+            </a:r>
+          </a:p>
+          <a:p>
+            <a:pPr lvl="1" eaLnBrk="1" latinLnBrk="0" hangingPunct="1"/>
+            <a:r>
+              <a:rPr lang="fr-FR" smtClean="0"/>
+              <a:t>Deuxième niveau</a:t>
+            </a:r>
+          </a:p>
+          <a:p>
+            <a:pPr lvl="2" eaLnBrk="1" latinLnBrk="0" hangingPunct="1"/>
+            <a:r>
+              <a:rPr lang="fr-FR" smtClean="0"/>
+              <a:t>Troisième niveau</a:t>
+            </a:r>
+          </a:p>
+          <a:p>
+            <a:pPr lvl="3" eaLnBrk="1" latinLnBrk="0" hangingPunct="1"/>
+            <a:r>
+              <a:rPr lang="fr-FR" smtClean="0"/>
+              <a:t>Quatrième niveau</a:t>
+            </a:r>
+          </a:p>
+          <a:p>
+            <a:pPr lvl="4" eaLnBrk="1" latinLnBrk="0" hangingPunct="1"/>
+            <a:r>
+              <a:rPr lang="fr-FR" smtClean="0"/>
+              <a:t>Cinquième niveau</a:t>
+            </a:r>
+            <a:endParaRPr kumimoji="0" lang="en-US"/>
+          </a:p>
+        </p:txBody>
+      </p:sp>
+      <p:sp>
+        <p:nvSpPr>
+          <p:cNvPr id="12" name="Espace réservé du texte 11"/>
+          <p:cNvSpPr>
+            <a:spLocks noGrp="1"/>
+          </p:cNvSpPr>
+          <p:nvPr>
+            <p:ph type="body" sz="quarter" idx="1"/>
+          </p:nvPr>
+        </p:nvSpPr>
+        <p:spPr>
+          <a:xfrm>
+            <a:off x="457200" y="1569720"/>
+            <a:ext cx="3657600" cy="658368"/>
+          </a:xfrm>
+          <a:prstGeom prst="roundRect">
+            <a:avLst>
+              <a:gd name="adj" fmla="val 16667"/>
+            </a:avLst>
+          </a:prstGeom>
+          <a:solidFill>
+            <a:schemeClr val="accent1"/>
+          </a:solidFill>
+        </p:spPr>
+        <p:txBody>
+          <a:bodyPr rtlCol="0" anchor="ctr">
+            <a:noAutofit/>
+          </a:bodyPr>
+          <a:lstStyle>
+            <a:lvl1pPr marL="0" indent="0">
+              <a:buFontTx/>
+              <a:buNone/>
+              <a:defRPr sz="2000" b="1">
+                <a:solidFill>
+                  <a:srgbClr val="FFFFFF"/>
+                </a:solidFill>
+              </a:defRPr>
+            </a:lvl1pPr>
+          </a:lstStyle>
+          <a:p>
+            <a:pPr lvl="0" eaLnBrk="1" latinLnBrk="0" hangingPunct="1"/>
+            <a:r>
+              <a:rPr kumimoji="0" lang="fr-FR" smtClean="0"/>
+              <a:t>Cliquez pour modifier les styles du texte du masque</a:t>
+            </a:r>
+          </a:p>
+        </p:txBody>
+      </p:sp>
+      <p:sp>
+        <p:nvSpPr>
+          <p:cNvPr id="14" name="Espace réservé du texte 13"/>
+          <p:cNvSpPr>
+            <a:spLocks noGrp="1"/>
+          </p:cNvSpPr>
+          <p:nvPr>
+            <p:ph type="body" sz="quarter" idx="3"/>
+          </p:nvPr>
+        </p:nvSpPr>
+        <p:spPr>
+          <a:xfrm>
+            <a:off x="4343400" y="1569720"/>
+            <a:ext cx="3657600" cy="658368"/>
+          </a:xfrm>
+          <a:prstGeom prst="roundRect">
+            <a:avLst>
+              <a:gd name="adj" fmla="val 16667"/>
+            </a:avLst>
+          </a:prstGeom>
+          <a:solidFill>
+            <a:schemeClr val="accent1"/>
+          </a:solidFill>
+        </p:spPr>
+        <p:txBody>
+          <a:bodyPr rtlCol="0" anchor="ctr">
+            <a:noAutofit/>
+          </a:bodyPr>
+          <a:lstStyle>
+            <a:lvl1pPr marL="0" indent="0">
+              <a:buFontTx/>
+              <a:buNone/>
+              <a:defRPr sz="2000" b="1">
+                <a:solidFill>
+                  <a:srgbClr val="FFFFFF"/>
+                </a:solidFill>
+              </a:defRPr>
+            </a:lvl1pPr>
+          </a:lstStyle>
+          <a:p>
+            <a:pPr lvl="0" eaLnBrk="1" latinLnBrk="0" hangingPunct="1"/>
+            <a:r>
+              <a:rPr kumimoji="0" lang="fr-FR" smtClean="0"/>
+              <a:t>Cliquez pour modifier les styles du texte du masque</a:t>
+            </a:r>
           </a:p>
         </p:txBody>
       </p:sp>
@@ -1837,16 +3032,16 @@
           <a:lstStyle/>
           <a:p>
             <a:r>
-              <a:rPr lang="fr-FR" smtClean="0"/>
+              <a:rPr kumimoji="0" lang="fr-FR" smtClean="0"/>
               <a:t>Cliquez pour modifier le style du titre</a:t>
             </a:r>
-            <a:endParaRPr lang="fr-FR"/>
-          </a:p>
-        </p:txBody>
-      </p:sp>
-      <p:sp>
-        <p:nvSpPr>
-          <p:cNvPr id="3" name="Espace réservé de la date 2"/>
+            <a:endParaRPr kumimoji="0" lang="en-US"/>
+          </a:p>
+        </p:txBody>
+      </p:sp>
+      <p:sp>
+        <p:nvSpPr>
+          <p:cNvPr id="6" name="Espace réservé de la date 5"/>
           <p:cNvSpPr>
             <a:spLocks noGrp="1"/>
           </p:cNvSpPr>
@@ -1856,13 +3051,13 @@
         </p:nvSpPr>
         <p:spPr/>
         <p:txBody>
-          <a:bodyPr/>
-          <a:lstStyle/>
-          <a:p>
-            <a:fld id="{36258642-65C3-41EF-884A-8F6A386A9351}" type="datetimeFigureOut">
+          <a:bodyPr rtlCol="0"/>
+          <a:lstStyle/>
+          <a:p>
+            <a:fld id="{B1D767F1-309E-4781-B4BB-C1833E5B5858}" type="datetimeFigureOut">
               <a:rPr lang="fr-FR" smtClean="0"/>
               <a:pPr/>
-              <a:t>28/05/2011</a:t>
+              <a:t>07/01/2012</a:t>
             </a:fld>
             <a:endParaRPr lang="fr-FR"/>
           </a:p>
@@ -1870,43 +3065,43 @@
       </p:sp>
       <p:sp>
         <p:nvSpPr>
-          <p:cNvPr id="4" name="Espace réservé du pied de page 3"/>
-          <p:cNvSpPr>
-            <a:spLocks noGrp="1"/>
-          </p:cNvSpPr>
-          <p:nvPr>
-            <p:ph type="ftr" sz="quarter" idx="11"/>
+          <p:cNvPr id="7" name="Espace réservé du numéro de diapositive 6"/>
+          <p:cNvSpPr>
+            <a:spLocks noGrp="1"/>
+          </p:cNvSpPr>
+          <p:nvPr>
+            <p:ph type="sldNum" sz="quarter" idx="11"/>
           </p:nvPr>
         </p:nvSpPr>
         <p:spPr/>
         <p:txBody>
-          <a:bodyPr/>
-          <a:lstStyle/>
-          <a:p>
-            <a:endParaRPr lang="fr-FR"/>
-          </a:p>
-        </p:txBody>
-      </p:sp>
-      <p:sp>
-        <p:nvSpPr>
-          <p:cNvPr id="5" name="Espace réservé du numéro de diapositive 4"/>
-          <p:cNvSpPr>
-            <a:spLocks noGrp="1"/>
-          </p:cNvSpPr>
-          <p:nvPr>
-            <p:ph type="sldNum" sz="quarter" idx="12"/>
-          </p:nvPr>
-        </p:nvSpPr>
-        <p:spPr/>
-        <p:txBody>
-          <a:bodyPr/>
-          <a:lstStyle/>
-          <a:p>
-            <a:fld id="{C9321179-DB1E-415A-8C3F-F752D573826F}" type="slidenum">
+          <a:bodyPr rtlCol="0"/>
+          <a:lstStyle/>
+          <a:p>
+            <a:fld id="{F7140DD7-9DBB-47E2-84A7-EC4AE225665C}" type="slidenum">
               <a:rPr lang="fr-FR" smtClean="0"/>
               <a:pPr/>
               <a:t>‹N°›</a:t>
             </a:fld>
+            <a:endParaRPr lang="fr-FR"/>
+          </a:p>
+        </p:txBody>
+      </p:sp>
+      <p:sp>
+        <p:nvSpPr>
+          <p:cNvPr id="8" name="Espace réservé du pied de page 7"/>
+          <p:cNvSpPr>
+            <a:spLocks noGrp="1"/>
+          </p:cNvSpPr>
+          <p:nvPr>
+            <p:ph type="ftr" sz="quarter" idx="12"/>
+          </p:nvPr>
+        </p:nvSpPr>
+        <p:spPr/>
+        <p:txBody>
+          <a:bodyPr rtlCol="0"/>
+          <a:lstStyle/>
+          <a:p>
             <a:endParaRPr lang="fr-FR"/>
           </a:p>
         </p:txBody>
@@ -1951,10 +3146,10 @@
           <a:bodyPr/>
           <a:lstStyle/>
           <a:p>
-            <a:fld id="{36258642-65C3-41EF-884A-8F6A386A9351}" type="datetimeFigureOut">
+            <a:fld id="{B1D767F1-309E-4781-B4BB-C1833E5B5858}" type="datetimeFigureOut">
               <a:rPr lang="fr-FR" smtClean="0"/>
               <a:pPr/>
-              <a:t>28/05/2011</a:t>
+              <a:t>07/01/2012</a:t>
             </a:fld>
             <a:endParaRPr lang="fr-FR"/>
           </a:p>
@@ -1994,7 +3189,7 @@
           <a:bodyPr/>
           <a:lstStyle/>
           <a:p>
-            <a:fld id="{C9321179-DB1E-415A-8C3F-F752D573826F}" type="slidenum">
+            <a:fld id="{F7140DD7-9DBB-47E2-84A7-EC4AE225665C}" type="slidenum">
               <a:rPr lang="fr-FR" smtClean="0"/>
               <a:pPr/>
               <a:t>‹N°›</a:t>
@@ -2012,8 +3207,13 @@
 </file>
 
 <file path=ppt/slideLayouts/slideLayout8.xml><?xml version="1.0" encoding="utf-8"?>
-<p:sldLayout xmlns:a="http://schemas.openxmlformats.org/drawingml/2006/main" xmlns:r="http://schemas.openxmlformats.org/officeDocument/2006/relationships" xmlns:p="http://schemas.openxmlformats.org/presentationml/2006/main" type="objTx" preserve="1">
+<p:sldLayout xmlns:a="http://schemas.openxmlformats.org/drawingml/2006/main" xmlns:r="http://schemas.openxmlformats.org/officeDocument/2006/relationships" xmlns:p="http://schemas.openxmlformats.org/presentationml/2006/main" showMasterSp="0" type="objTx" preserve="1">
   <p:cSld name="Contenu avec légende">
+    <p:bg>
+      <p:bgRef idx="1001">
+        <a:schemeClr val="bg1"/>
+      </p:bgRef>
+    </p:bg>
     <p:spTree>
       <p:nvGrpSpPr>
         <p:cNvPr id="1" name=""/>
@@ -2030,6 +3230,45 @@
       </p:grpSpPr>
       <p:sp>
         <p:nvSpPr>
+          <p:cNvPr id="10" name="Connecteur droit 9"/>
+          <p:cNvSpPr>
+            <a:spLocks noChangeShapeType="1"/>
+          </p:cNvSpPr>
+          <p:nvPr/>
+        </p:nvSpPr>
+        <p:spPr bwMode="auto">
+          <a:xfrm>
+            <a:off x="8763000" y="0"/>
+            <a:ext cx="0" cy="6858000"/>
+          </a:xfrm>
+          <a:prstGeom prst="line">
+            <a:avLst/>
+          </a:prstGeom>
+          <a:noFill/>
+          <a:ln w="38100" cap="flat" cmpd="sng" algn="ctr">
+            <a:solidFill>
+              <a:schemeClr val="accent1">
+                <a:tint val="60000"/>
+                <a:alpha val="93000"/>
+              </a:schemeClr>
+            </a:solidFill>
+            <a:prstDash val="solid"/>
+            <a:round/>
+            <a:headEnd type="none" w="med" len="med"/>
+            <a:tailEnd type="none" w="med" len="med"/>
+          </a:ln>
+          <a:effectLst/>
+        </p:spPr>
+        <p:txBody>
+          <a:bodyPr vert="horz" wrap="square" lIns="91440" tIns="45720" rIns="91440" bIns="45720" anchor="t" compatLnSpc="1"/>
+          <a:lstStyle/>
+          <a:p>
+            <a:endParaRPr kumimoji="0" lang="en-US" dirty="0"/>
+          </a:p>
+        </p:txBody>
+      </p:sp>
+      <p:sp>
+        <p:nvSpPr>
           <p:cNvPr id="2" name="Titre 1"/>
           <p:cNvSpPr>
             <a:spLocks noGrp="1"/>
@@ -2039,172 +3278,78 @@
           </p:nvPr>
         </p:nvSpPr>
         <p:spPr>
-          <a:xfrm>
-            <a:off x="457200" y="273050"/>
-            <a:ext cx="3008313" cy="1162050"/>
+          <a:xfrm rot="5400000">
+            <a:off x="3371850" y="3200400"/>
+            <a:ext cx="6309360" cy="457200"/>
           </a:xfrm>
         </p:spPr>
         <p:txBody>
           <a:bodyPr anchor="b"/>
           <a:lstStyle>
             <a:lvl1pPr algn="l">
-              <a:defRPr sz="2000" b="1"/>
+              <a:buNone/>
+              <a:defRPr sz="2000" b="1" cap="small" baseline="0"/>
             </a:lvl1pPr>
           </a:lstStyle>
           <a:p>
             <a:r>
-              <a:rPr lang="fr-FR" smtClean="0"/>
+              <a:rPr kumimoji="0" lang="fr-FR" smtClean="0"/>
               <a:t>Cliquez pour modifier le style du titre</a:t>
             </a:r>
-            <a:endParaRPr lang="fr-FR"/>
-          </a:p>
-        </p:txBody>
-      </p:sp>
-      <p:sp>
-        <p:nvSpPr>
-          <p:cNvPr id="3" name="Espace réservé du contenu 2"/>
-          <p:cNvSpPr>
-            <a:spLocks noGrp="1"/>
-          </p:cNvSpPr>
-          <p:nvPr>
-            <p:ph idx="1"/>
+            <a:endParaRPr kumimoji="0" lang="en-US"/>
+          </a:p>
+        </p:txBody>
+      </p:sp>
+      <p:sp>
+        <p:nvSpPr>
+          <p:cNvPr id="3" name="Espace réservé du texte 2"/>
+          <p:cNvSpPr>
+            <a:spLocks noGrp="1"/>
+          </p:cNvSpPr>
+          <p:nvPr>
+            <p:ph type="body" idx="2"/>
           </p:nvPr>
         </p:nvSpPr>
         <p:spPr>
           <a:xfrm>
-            <a:off x="3575050" y="273050"/>
-            <a:ext cx="5111750" cy="5853113"/>
-          </a:xfrm>
-        </p:spPr>
-        <p:txBody>
-          <a:bodyPr/>
-          <a:lstStyle>
-            <a:lvl1pPr>
-              <a:defRPr sz="3200"/>
-            </a:lvl1pPr>
-            <a:lvl2pPr>
-              <a:defRPr sz="2800"/>
-            </a:lvl2pPr>
-            <a:lvl3pPr>
-              <a:defRPr sz="2400"/>
-            </a:lvl3pPr>
-            <a:lvl4pPr>
-              <a:defRPr sz="2000"/>
-            </a:lvl4pPr>
-            <a:lvl5pPr>
-              <a:defRPr sz="2000"/>
-            </a:lvl5pPr>
-            <a:lvl6pPr>
-              <a:defRPr sz="2000"/>
-            </a:lvl6pPr>
-            <a:lvl7pPr>
-              <a:defRPr sz="2000"/>
-            </a:lvl7pPr>
-            <a:lvl8pPr>
-              <a:defRPr sz="2000"/>
-            </a:lvl8pPr>
-            <a:lvl9pPr>
-              <a:defRPr sz="2000"/>
-            </a:lvl9pPr>
-          </a:lstStyle>
-          <a:p>
-            <a:pPr lvl="0"/>
-            <a:r>
-              <a:rPr lang="fr-FR" smtClean="0"/>
-              <a:t>Cliquez pour modifier les styles du texte du masque</a:t>
-            </a:r>
-          </a:p>
-          <a:p>
-            <a:pPr lvl="1"/>
-            <a:r>
-              <a:rPr lang="fr-FR" smtClean="0"/>
-              <a:t>Deuxième niveau</a:t>
-            </a:r>
-          </a:p>
-          <a:p>
-            <a:pPr lvl="2"/>
-            <a:r>
-              <a:rPr lang="fr-FR" smtClean="0"/>
-              <a:t>Troisième niveau</a:t>
-            </a:r>
-          </a:p>
-          <a:p>
-            <a:pPr lvl="3"/>
-            <a:r>
-              <a:rPr lang="fr-FR" smtClean="0"/>
-              <a:t>Quatrième niveau</a:t>
-            </a:r>
-          </a:p>
-          <a:p>
-            <a:pPr lvl="4"/>
-            <a:r>
-              <a:rPr lang="fr-FR" smtClean="0"/>
-              <a:t>Cinquième niveau</a:t>
-            </a:r>
-            <a:endParaRPr lang="fr-FR"/>
-          </a:p>
-        </p:txBody>
-      </p:sp>
-      <p:sp>
-        <p:nvSpPr>
-          <p:cNvPr id="4" name="Espace réservé du texte 3"/>
-          <p:cNvSpPr>
-            <a:spLocks noGrp="1"/>
-          </p:cNvSpPr>
-          <p:nvPr>
-            <p:ph type="body" sz="half" idx="2"/>
-          </p:nvPr>
-        </p:nvSpPr>
-        <p:spPr>
-          <a:xfrm>
-            <a:off x="457200" y="1435100"/>
-            <a:ext cx="3008313" cy="4691063"/>
+            <a:off x="6812280" y="274320"/>
+            <a:ext cx="1527048" cy="4983480"/>
           </a:xfrm>
         </p:spPr>
         <p:txBody>
           <a:bodyPr/>
           <a:lstStyle>
             <a:lvl1pPr marL="0" indent="0">
+              <a:spcBef>
+                <a:spcPts val="400"/>
+              </a:spcBef>
+              <a:spcAft>
+                <a:spcPts val="1000"/>
+              </a:spcAft>
               <a:buNone/>
-              <a:defRPr sz="1400"/>
+              <a:defRPr sz="1200"/>
             </a:lvl1pPr>
-            <a:lvl2pPr marL="457200" indent="0">
+            <a:lvl2pPr>
               <a:buNone/>
               <a:defRPr sz="1200"/>
             </a:lvl2pPr>
-            <a:lvl3pPr marL="914400" indent="0">
+            <a:lvl3pPr>
               <a:buNone/>
               <a:defRPr sz="1000"/>
             </a:lvl3pPr>
-            <a:lvl4pPr marL="1371600" indent="0">
+            <a:lvl4pPr>
               <a:buNone/>
               <a:defRPr sz="900"/>
             </a:lvl4pPr>
-            <a:lvl5pPr marL="1828800" indent="0">
+            <a:lvl5pPr>
               <a:buNone/>
               <a:defRPr sz="900"/>
             </a:lvl5pPr>
-            <a:lvl6pPr marL="2286000" indent="0">
-              <a:buNone/>
-              <a:defRPr sz="900"/>
-            </a:lvl6pPr>
-            <a:lvl7pPr marL="2743200" indent="0">
-              <a:buNone/>
-              <a:defRPr sz="900"/>
-            </a:lvl7pPr>
-            <a:lvl8pPr marL="3200400" indent="0">
-              <a:buNone/>
-              <a:defRPr sz="900"/>
-            </a:lvl8pPr>
-            <a:lvl9pPr marL="3657600" indent="0">
-              <a:buNone/>
-              <a:defRPr sz="900"/>
-            </a:lvl9pPr>
           </a:lstStyle>
           <a:p>
-            <a:pPr lvl="0"/>
-            <a:r>
-              <a:rPr lang="fr-FR" smtClean="0"/>
+            <a:pPr lvl="0" eaLnBrk="1" latinLnBrk="0" hangingPunct="1"/>
+            <a:r>
+              <a:rPr kumimoji="0" lang="fr-FR" smtClean="0"/>
               <a:t>Cliquez pour modifier les styles du texte du masque</a:t>
             </a:r>
           </a:p>
@@ -2212,23 +3357,318 @@
       </p:sp>
       <p:sp>
         <p:nvSpPr>
-          <p:cNvPr id="5" name="Espace réservé de la date 4"/>
-          <p:cNvSpPr>
-            <a:spLocks noGrp="1"/>
-          </p:cNvSpPr>
-          <p:nvPr>
-            <p:ph type="dt" sz="half" idx="10"/>
+          <p:cNvPr id="8" name="Connecteur droit 7"/>
+          <p:cNvSpPr>
+            <a:spLocks noChangeShapeType="1"/>
+          </p:cNvSpPr>
+          <p:nvPr/>
+        </p:nvSpPr>
+        <p:spPr bwMode="auto">
+          <a:xfrm>
+            <a:off x="6248400" y="0"/>
+            <a:ext cx="0" cy="6858000"/>
+          </a:xfrm>
+          <a:prstGeom prst="line">
+            <a:avLst/>
+          </a:prstGeom>
+          <a:noFill/>
+          <a:ln w="38100" cap="flat" cmpd="sng" algn="ctr">
+            <a:solidFill>
+              <a:schemeClr val="accent1">
+                <a:tint val="60000"/>
+              </a:schemeClr>
+            </a:solidFill>
+            <a:prstDash val="solid"/>
+            <a:round/>
+            <a:headEnd type="none" w="med" len="med"/>
+            <a:tailEnd type="none" w="med" len="med"/>
+          </a:ln>
+          <a:effectLst/>
+        </p:spPr>
+        <p:txBody>
+          <a:bodyPr vert="horz" wrap="square" lIns="91440" tIns="45720" rIns="91440" bIns="45720" anchor="t" compatLnSpc="1"/>
+          <a:lstStyle/>
+          <a:p>
+            <a:endParaRPr kumimoji="0" lang="en-US" dirty="0"/>
+          </a:p>
+        </p:txBody>
+      </p:sp>
+      <p:sp>
+        <p:nvSpPr>
+          <p:cNvPr id="9" name="Connecteur droit 8"/>
+          <p:cNvSpPr>
+            <a:spLocks noChangeShapeType="1"/>
+          </p:cNvSpPr>
+          <p:nvPr/>
+        </p:nvSpPr>
+        <p:spPr bwMode="auto">
+          <a:xfrm>
+            <a:off x="6192296" y="0"/>
+            <a:ext cx="0" cy="6858000"/>
+          </a:xfrm>
+          <a:prstGeom prst="line">
+            <a:avLst/>
+          </a:prstGeom>
+          <a:noFill/>
+          <a:ln w="12700" cap="flat" cmpd="sng" algn="ctr">
+            <a:solidFill>
+              <a:schemeClr val="accent1"/>
+            </a:solidFill>
+            <a:prstDash val="solid"/>
+            <a:round/>
+            <a:headEnd type="none" w="med" len="med"/>
+            <a:tailEnd type="none" w="med" len="med"/>
+          </a:ln>
+          <a:effectLst/>
+        </p:spPr>
+        <p:txBody>
+          <a:bodyPr vert="horz" wrap="square" lIns="91440" tIns="45720" rIns="91440" bIns="45720" anchor="t" compatLnSpc="1"/>
+          <a:lstStyle/>
+          <a:p>
+            <a:endParaRPr kumimoji="0" lang="en-US" dirty="0"/>
+          </a:p>
+        </p:txBody>
+      </p:sp>
+      <p:sp>
+        <p:nvSpPr>
+          <p:cNvPr id="11" name="Connecteur droit 10"/>
+          <p:cNvSpPr>
+            <a:spLocks noChangeShapeType="1"/>
+          </p:cNvSpPr>
+          <p:nvPr/>
+        </p:nvSpPr>
+        <p:spPr bwMode="auto">
+          <a:xfrm>
+            <a:off x="8991600" y="0"/>
+            <a:ext cx="0" cy="6858000"/>
+          </a:xfrm>
+          <a:prstGeom prst="line">
+            <a:avLst/>
+          </a:prstGeom>
+          <a:noFill/>
+          <a:ln w="19050" cap="flat" cmpd="sng" algn="ctr">
+            <a:solidFill>
+              <a:schemeClr val="accent1"/>
+            </a:solidFill>
+            <a:prstDash val="solid"/>
+            <a:round/>
+            <a:headEnd type="none" w="med" len="med"/>
+            <a:tailEnd type="none" w="med" len="med"/>
+          </a:ln>
+          <a:effectLst/>
+        </p:spPr>
+        <p:txBody>
+          <a:bodyPr vert="horz" wrap="square" lIns="91440" tIns="45720" rIns="91440" bIns="45720" anchor="t" compatLnSpc="1"/>
+          <a:lstStyle/>
+          <a:p>
+            <a:endParaRPr kumimoji="0" lang="en-US"/>
+          </a:p>
+        </p:txBody>
+      </p:sp>
+      <p:sp>
+        <p:nvSpPr>
+          <p:cNvPr id="12" name="Rectangle 11"/>
+          <p:cNvSpPr/>
+          <p:nvPr/>
+        </p:nvSpPr>
+        <p:spPr bwMode="auto">
+          <a:xfrm>
+            <a:off x="8839200" y="0"/>
+            <a:ext cx="304800" cy="6858000"/>
+          </a:xfrm>
+          <a:prstGeom prst="rect">
+            <a:avLst/>
+          </a:prstGeom>
+          <a:solidFill>
+            <a:schemeClr val="accent1">
+              <a:tint val="60000"/>
+              <a:alpha val="87000"/>
+            </a:schemeClr>
+          </a:solidFill>
+          <a:ln w="38100" cap="rnd" cmpd="sng" algn="ctr">
+            <a:noFill/>
+            <a:prstDash val="solid"/>
+          </a:ln>
+          <a:effectLst/>
+        </p:spPr>
+        <p:style>
+          <a:lnRef idx="3">
+            <a:schemeClr val="lt1"/>
+          </a:lnRef>
+          <a:fillRef idx="1">
+            <a:schemeClr val="accent1"/>
+          </a:fillRef>
+          <a:effectRef idx="1">
+            <a:schemeClr val="accent1"/>
+          </a:effectRef>
+          <a:fontRef idx="minor">
+            <a:schemeClr val="lt1"/>
+          </a:fontRef>
+        </p:style>
+        <p:txBody>
+          <a:bodyPr anchor="ctr"/>
+          <a:lstStyle/>
+          <a:p>
+            <a:pPr algn="ctr" eaLnBrk="1" latinLnBrk="0" hangingPunct="1"/>
+            <a:endParaRPr kumimoji="0" lang="en-US"/>
+          </a:p>
+        </p:txBody>
+      </p:sp>
+      <p:sp>
+        <p:nvSpPr>
+          <p:cNvPr id="13" name="Connecteur droit 12"/>
+          <p:cNvSpPr>
+            <a:spLocks noChangeShapeType="1"/>
+          </p:cNvSpPr>
+          <p:nvPr/>
+        </p:nvSpPr>
+        <p:spPr bwMode="auto">
+          <a:xfrm>
+            <a:off x="8915400" y="0"/>
+            <a:ext cx="0" cy="6858000"/>
+          </a:xfrm>
+          <a:prstGeom prst="line">
+            <a:avLst/>
+          </a:prstGeom>
+          <a:noFill/>
+          <a:ln w="9525" cap="flat" cmpd="sng" algn="ctr">
+            <a:solidFill>
+              <a:schemeClr val="accent1"/>
+            </a:solidFill>
+            <a:prstDash val="solid"/>
+            <a:round/>
+            <a:headEnd type="none" w="med" len="med"/>
+            <a:tailEnd type="none" w="med" len="med"/>
+          </a:ln>
+          <a:effectLst/>
+        </p:spPr>
+        <p:txBody>
+          <a:bodyPr vert="horz" wrap="square" lIns="91440" tIns="45720" rIns="91440" bIns="45720" anchor="t" compatLnSpc="1"/>
+          <a:lstStyle/>
+          <a:p>
+            <a:endParaRPr kumimoji="0" lang="en-US"/>
+          </a:p>
+        </p:txBody>
+      </p:sp>
+      <p:sp>
+        <p:nvSpPr>
+          <p:cNvPr id="14" name="Ellipse 13"/>
+          <p:cNvSpPr/>
+          <p:nvPr/>
+        </p:nvSpPr>
+        <p:spPr>
+          <a:xfrm>
+            <a:off x="8156448" y="5715000"/>
+            <a:ext cx="548640" cy="548640"/>
+          </a:xfrm>
+          <a:prstGeom prst="ellipse">
+            <a:avLst/>
+          </a:prstGeom>
+          <a:ln w="38100" cap="rnd" cmpd="sng" algn="ctr">
+            <a:noFill/>
+            <a:prstDash val="solid"/>
+          </a:ln>
+          <a:effectLst/>
+        </p:spPr>
+        <p:style>
+          <a:lnRef idx="3">
+            <a:schemeClr val="lt1"/>
+          </a:lnRef>
+          <a:fillRef idx="1">
+            <a:schemeClr val="accent1"/>
+          </a:fillRef>
+          <a:effectRef idx="1">
+            <a:schemeClr val="accent1"/>
+          </a:effectRef>
+          <a:fontRef idx="minor">
+            <a:schemeClr val="lt1"/>
+          </a:fontRef>
+        </p:style>
+        <p:txBody>
+          <a:bodyPr anchor="ctr"/>
+          <a:lstStyle/>
+          <a:p>
+            <a:pPr algn="ctr" eaLnBrk="1" latinLnBrk="0" hangingPunct="1"/>
+            <a:endParaRPr kumimoji="0" lang="en-US" dirty="0"/>
+          </a:p>
+        </p:txBody>
+      </p:sp>
+      <p:sp>
+        <p:nvSpPr>
+          <p:cNvPr id="18" name="Espace réservé du contenu 17"/>
+          <p:cNvSpPr>
+            <a:spLocks noGrp="1"/>
+          </p:cNvSpPr>
+          <p:nvPr>
+            <p:ph sz="quarter" idx="1"/>
+          </p:nvPr>
+        </p:nvSpPr>
+        <p:spPr>
+          <a:xfrm>
+            <a:off x="304800" y="274320"/>
+            <a:ext cx="5638800" cy="6327648"/>
+          </a:xfrm>
+        </p:spPr>
+        <p:txBody>
+          <a:bodyPr/>
+          <a:lstStyle/>
+          <a:p>
+            <a:pPr lvl="0" eaLnBrk="1" latinLnBrk="0" hangingPunct="1"/>
+            <a:r>
+              <a:rPr lang="fr-FR" smtClean="0"/>
+              <a:t>Cliquez pour modifier les styles du texte du masque</a:t>
+            </a:r>
+          </a:p>
+          <a:p>
+            <a:pPr lvl="1" eaLnBrk="1" latinLnBrk="0" hangingPunct="1"/>
+            <a:r>
+              <a:rPr lang="fr-FR" smtClean="0"/>
+              <a:t>Deuxième niveau</a:t>
+            </a:r>
+          </a:p>
+          <a:p>
+            <a:pPr lvl="2" eaLnBrk="1" latinLnBrk="0" hangingPunct="1"/>
+            <a:r>
+              <a:rPr lang="fr-FR" smtClean="0"/>
+              <a:t>Troisième niveau</a:t>
+            </a:r>
+          </a:p>
+          <a:p>
+            <a:pPr lvl="3" eaLnBrk="1" latinLnBrk="0" hangingPunct="1"/>
+            <a:r>
+              <a:rPr lang="fr-FR" smtClean="0"/>
+              <a:t>Quatrième niveau</a:t>
+            </a:r>
+          </a:p>
+          <a:p>
+            <a:pPr lvl="4" eaLnBrk="1" latinLnBrk="0" hangingPunct="1"/>
+            <a:r>
+              <a:rPr lang="fr-FR" smtClean="0"/>
+              <a:t>Cinquième niveau</a:t>
+            </a:r>
+            <a:endParaRPr kumimoji="0" lang="en-US"/>
+          </a:p>
+        </p:txBody>
+      </p:sp>
+      <p:sp>
+        <p:nvSpPr>
+          <p:cNvPr id="21" name="Espace réservé de la date 20"/>
+          <p:cNvSpPr>
+            <a:spLocks noGrp="1"/>
+          </p:cNvSpPr>
+          <p:nvPr>
+            <p:ph type="dt" sz="half" idx="14"/>
           </p:nvPr>
         </p:nvSpPr>
         <p:spPr/>
         <p:txBody>
-          <a:bodyPr/>
-          <a:lstStyle/>
-          <a:p>
-            <a:fld id="{36258642-65C3-41EF-884A-8F6A386A9351}" type="datetimeFigureOut">
+          <a:bodyPr rtlCol="0"/>
+          <a:lstStyle/>
+          <a:p>
+            <a:fld id="{B1D767F1-309E-4781-B4BB-C1833E5B5858}" type="datetimeFigureOut">
               <a:rPr lang="fr-FR" smtClean="0"/>
               <a:pPr/>
-              <a:t>28/05/2011</a:t>
+              <a:t>07/01/2012</a:t>
             </a:fld>
             <a:endParaRPr lang="fr-FR"/>
           </a:p>
@@ -2236,39 +3676,20 @@
       </p:sp>
       <p:sp>
         <p:nvSpPr>
-          <p:cNvPr id="6" name="Espace réservé du pied de page 5"/>
-          <p:cNvSpPr>
-            <a:spLocks noGrp="1"/>
-          </p:cNvSpPr>
-          <p:nvPr>
-            <p:ph type="ftr" sz="quarter" idx="11"/>
+          <p:cNvPr id="22" name="Espace réservé du numéro de diapositive 21"/>
+          <p:cNvSpPr>
+            <a:spLocks noGrp="1"/>
+          </p:cNvSpPr>
+          <p:nvPr>
+            <p:ph type="sldNum" sz="quarter" idx="15"/>
           </p:nvPr>
         </p:nvSpPr>
         <p:spPr/>
         <p:txBody>
-          <a:bodyPr/>
-          <a:lstStyle/>
-          <a:p>
-            <a:endParaRPr lang="fr-FR"/>
-          </a:p>
-        </p:txBody>
-      </p:sp>
-      <p:sp>
-        <p:nvSpPr>
-          <p:cNvPr id="7" name="Espace réservé du numéro de diapositive 6"/>
-          <p:cNvSpPr>
-            <a:spLocks noGrp="1"/>
-          </p:cNvSpPr>
-          <p:nvPr>
-            <p:ph type="sldNum" sz="quarter" idx="12"/>
-          </p:nvPr>
-        </p:nvSpPr>
-        <p:spPr/>
-        <p:txBody>
-          <a:bodyPr/>
-          <a:lstStyle/>
-          <a:p>
-            <a:fld id="{C9321179-DB1E-415A-8C3F-F752D573826F}" type="slidenum">
+          <a:bodyPr rtlCol="0"/>
+          <a:lstStyle/>
+          <a:p>
+            <a:fld id="{F7140DD7-9DBB-47E2-84A7-EC4AE225665C}" type="slidenum">
               <a:rPr lang="fr-FR" smtClean="0"/>
               <a:pPr/>
               <a:t>‹N°›</a:t>
@@ -2277,16 +3698,35 @@
           </a:p>
         </p:txBody>
       </p:sp>
+      <p:sp>
+        <p:nvSpPr>
+          <p:cNvPr id="23" name="Espace réservé du pied de page 22"/>
+          <p:cNvSpPr>
+            <a:spLocks noGrp="1"/>
+          </p:cNvSpPr>
+          <p:nvPr>
+            <p:ph type="ftr" sz="quarter" idx="16"/>
+          </p:nvPr>
+        </p:nvSpPr>
+        <p:spPr/>
+        <p:txBody>
+          <a:bodyPr rtlCol="0"/>
+          <a:lstStyle/>
+          <a:p>
+            <a:endParaRPr lang="fr-FR"/>
+          </a:p>
+        </p:txBody>
+      </p:sp>
     </p:spTree>
   </p:cSld>
   <p:clrMapOvr>
-    <a:masterClrMapping/>
+    <a:overrideClrMapping bg1="lt1" tx1="dk1" bg2="lt2" tx2="dk2" accent1="accent1" accent2="accent2" accent3="accent3" accent4="accent4" accent5="accent5" accent6="accent6" hlink="hlink" folHlink="folHlink"/>
   </p:clrMapOvr>
 </p:sldLayout>
 </file>
 
 <file path=ppt/slideLayouts/slideLayout9.xml><?xml version="1.0" encoding="utf-8"?>
-<p:sldLayout xmlns:a="http://schemas.openxmlformats.org/drawingml/2006/main" xmlns:r="http://schemas.openxmlformats.org/officeDocument/2006/relationships" xmlns:p="http://schemas.openxmlformats.org/presentationml/2006/main" type="picTx" preserve="1">
+<p:sldLayout xmlns:a="http://schemas.openxmlformats.org/drawingml/2006/main" xmlns:r="http://schemas.openxmlformats.org/officeDocument/2006/relationships" xmlns:p="http://schemas.openxmlformats.org/presentationml/2006/main" showMasterSp="0" type="picTx" preserve="1">
   <p:cSld name="Image avec légende">
     <p:spTree>
       <p:nvGrpSpPr>
@@ -2304,6 +3744,87 @@
       </p:grpSpPr>
       <p:sp>
         <p:nvSpPr>
+          <p:cNvPr id="9" name="Connecteur droit 8"/>
+          <p:cNvSpPr>
+            <a:spLocks noChangeShapeType="1"/>
+          </p:cNvSpPr>
+          <p:nvPr/>
+        </p:nvSpPr>
+        <p:spPr bwMode="auto">
+          <a:xfrm>
+            <a:off x="8763000" y="0"/>
+            <a:ext cx="0" cy="6858000"/>
+          </a:xfrm>
+          <a:prstGeom prst="line">
+            <a:avLst/>
+          </a:prstGeom>
+          <a:noFill/>
+          <a:ln w="38100" cap="flat" cmpd="sng" algn="ctr">
+            <a:solidFill>
+              <a:schemeClr val="accent1">
+                <a:tint val="60000"/>
+              </a:schemeClr>
+            </a:solidFill>
+            <a:prstDash val="solid"/>
+            <a:round/>
+            <a:headEnd type="none" w="med" len="med"/>
+            <a:tailEnd type="none" w="med" len="med"/>
+          </a:ln>
+          <a:effectLst/>
+        </p:spPr>
+        <p:txBody>
+          <a:bodyPr vert="horz" wrap="square" lIns="91440" tIns="45720" rIns="91440" bIns="45720" anchor="t" compatLnSpc="1"/>
+          <a:lstStyle/>
+          <a:p>
+            <a:endParaRPr kumimoji="0" lang="en-US"/>
+          </a:p>
+        </p:txBody>
+      </p:sp>
+      <p:sp>
+        <p:nvSpPr>
+          <p:cNvPr id="13" name="Ellipse 12"/>
+          <p:cNvSpPr/>
+          <p:nvPr/>
+        </p:nvSpPr>
+        <p:spPr>
+          <a:xfrm>
+            <a:off x="8156448" y="5715000"/>
+            <a:ext cx="548640" cy="548640"/>
+          </a:xfrm>
+          <a:prstGeom prst="ellipse">
+            <a:avLst/>
+          </a:prstGeom>
+          <a:ln w="38100" cap="rnd" cmpd="sng" algn="ctr">
+            <a:noFill/>
+            <a:prstDash val="solid"/>
+          </a:ln>
+          <a:effectLst/>
+        </p:spPr>
+        <p:style>
+          <a:lnRef idx="3">
+            <a:schemeClr val="lt1"/>
+          </a:lnRef>
+          <a:fillRef idx="1">
+            <a:schemeClr val="accent1"/>
+          </a:fillRef>
+          <a:effectRef idx="1">
+            <a:schemeClr val="accent1"/>
+          </a:effectRef>
+          <a:fontRef idx="minor">
+            <a:schemeClr val="lt1"/>
+          </a:fontRef>
+        </p:style>
+        <p:txBody>
+          <a:bodyPr anchor="ctr"/>
+          <a:lstStyle/>
+          <a:p>
+            <a:pPr algn="ctr" eaLnBrk="1" latinLnBrk="0" hangingPunct="1"/>
+            <a:endParaRPr kumimoji="0" lang="en-US" dirty="0"/>
+          </a:p>
+        </p:txBody>
+      </p:sp>
+      <p:sp>
+        <p:nvSpPr>
           <p:cNvPr id="2" name="Titre 1"/>
           <p:cNvSpPr>
             <a:spLocks noGrp="1"/>
@@ -2313,24 +3834,25 @@
           </p:nvPr>
         </p:nvSpPr>
         <p:spPr>
-          <a:xfrm>
-            <a:off x="1792288" y="4800600"/>
-            <a:ext cx="5486400" cy="566738"/>
+          <a:xfrm rot="5400000">
+            <a:off x="3350133" y="3200400"/>
+            <a:ext cx="6309360" cy="457200"/>
           </a:xfrm>
         </p:spPr>
         <p:txBody>
           <a:bodyPr anchor="b"/>
           <a:lstStyle>
             <a:lvl1pPr algn="l">
+              <a:buNone/>
               <a:defRPr sz="2000" b="1"/>
             </a:lvl1pPr>
           </a:lstStyle>
           <a:p>
             <a:r>
-              <a:rPr lang="fr-FR" smtClean="0"/>
+              <a:rPr kumimoji="0" lang="fr-FR" smtClean="0"/>
               <a:t>Cliquez pour modifier le style du titre</a:t>
             </a:r>
-            <a:endParaRPr lang="fr-FR"/>
+            <a:endParaRPr kumimoji="0" lang="en-US"/>
           </a:p>
         </p:txBody>
       </p:sp>
@@ -2346,10 +3868,32 @@
         </p:nvSpPr>
         <p:spPr>
           <a:xfrm>
-            <a:off x="1792288" y="612775"/>
-            <a:ext cx="5486400" cy="4114800"/>
-          </a:xfrm>
-        </p:spPr>
+            <a:off x="0" y="0"/>
+            <a:ext cx="6172200" cy="6858000"/>
+          </a:xfrm>
+          <a:solidFill>
+            <a:schemeClr val="bg2"/>
+          </a:solidFill>
+          <a:ln w="127000" cap="rnd" cmpd="sng" algn="ctr">
+            <a:noFill/>
+            <a:prstDash val="solid"/>
+          </a:ln>
+          <a:effectLst/>
+        </p:spPr>
+        <p:style>
+          <a:lnRef idx="3">
+            <a:schemeClr val="lt1"/>
+          </a:lnRef>
+          <a:fillRef idx="1">
+            <a:schemeClr val="accent1"/>
+          </a:fillRef>
+          <a:effectRef idx="1">
+            <a:schemeClr val="accent1"/>
+          </a:effectRef>
+          <a:fontRef idx="minor">
+            <a:schemeClr val="lt1"/>
+          </a:fontRef>
+        </p:style>
         <p:txBody>
           <a:bodyPr/>
           <a:lstStyle>
@@ -2357,41 +3901,17 @@
               <a:buNone/>
               <a:defRPr sz="3200"/>
             </a:lvl1pPr>
-            <a:lvl2pPr marL="457200" indent="0">
+          </a:lstStyle>
+          <a:p>
+            <a:pPr algn="ctr" eaLnBrk="1" latinLnBrk="0" hangingPunct="1">
+              <a:buFontTx/>
               <a:buNone/>
-              <a:defRPr sz="2800"/>
-            </a:lvl2pPr>
-            <a:lvl3pPr marL="914400" indent="0">
-              <a:buNone/>
-              <a:defRPr sz="2400"/>
-            </a:lvl3pPr>
-            <a:lvl4pPr marL="1371600" indent="0">
-              <a:buNone/>
-              <a:defRPr sz="2000"/>
-            </a:lvl4pPr>
-            <a:lvl5pPr marL="1828800" indent="0">
-              <a:buNone/>
-              <a:defRPr sz="2000"/>
-            </a:lvl5pPr>
-            <a:lvl6pPr marL="2286000" indent="0">
-              <a:buNone/>
-              <a:defRPr sz="2000"/>
-            </a:lvl6pPr>
-            <a:lvl7pPr marL="2743200" indent="0">
-              <a:buNone/>
-              <a:defRPr sz="2000"/>
-            </a:lvl7pPr>
-            <a:lvl8pPr marL="3200400" indent="0">
-              <a:buNone/>
-              <a:defRPr sz="2000"/>
-            </a:lvl8pPr>
-            <a:lvl9pPr marL="3657600" indent="0">
-              <a:buNone/>
-              <a:defRPr sz="2000"/>
-            </a:lvl9pPr>
-          </a:lstStyle>
-          <a:p>
-            <a:endParaRPr lang="fr-FR"/>
+            </a:pPr>
+            <a:r>
+              <a:rPr kumimoji="0" lang="fr-FR" smtClean="0"/>
+              <a:t>Cliquez sur l'icône pour ajouter une image</a:t>
+            </a:r>
+            <a:endParaRPr kumimoji="0" lang="en-US" dirty="0"/>
           </a:p>
         </p:txBody>
       </p:sp>
@@ -2407,54 +3927,43 @@
         </p:nvSpPr>
         <p:spPr>
           <a:xfrm>
-            <a:off x="1792288" y="5367338"/>
-            <a:ext cx="5486400" cy="804862"/>
-          </a:xfrm>
-        </p:spPr>
-        <p:txBody>
-          <a:bodyPr/>
+            <a:off x="6765798" y="264795"/>
+            <a:ext cx="1524000" cy="4956048"/>
+          </a:xfrm>
+        </p:spPr>
+        <p:txBody>
+          <a:bodyPr rot="0" spcFirstLastPara="0" vertOverflow="overflow" horzOverflow="overflow" vert="horz" wrap="square" lIns="91440" tIns="45720" rIns="91440" bIns="45720" numCol="1" spcCol="274320" rtlCol="0" fromWordArt="0" anchor="t" anchorCtr="0" forceAA="0" compatLnSpc="1">
+            <a:normAutofit/>
+          </a:bodyPr>
           <a:lstStyle>
             <a:lvl1pPr marL="0" indent="0">
-              <a:buNone/>
-              <a:defRPr sz="1400"/>
-            </a:lvl1pPr>
-            <a:lvl2pPr marL="457200" indent="0">
+              <a:spcBef>
+                <a:spcPts val="100"/>
+              </a:spcBef>
+              <a:spcAft>
+                <a:spcPts val="400"/>
+              </a:spcAft>
+              <a:buFontTx/>
               <a:buNone/>
               <a:defRPr sz="1200"/>
+            </a:lvl1pPr>
+            <a:lvl2pPr>
+              <a:defRPr sz="1200"/>
             </a:lvl2pPr>
-            <a:lvl3pPr marL="914400" indent="0">
-              <a:buNone/>
+            <a:lvl3pPr>
               <a:defRPr sz="1000"/>
             </a:lvl3pPr>
-            <a:lvl4pPr marL="1371600" indent="0">
-              <a:buNone/>
+            <a:lvl4pPr>
               <a:defRPr sz="900"/>
             </a:lvl4pPr>
-            <a:lvl5pPr marL="1828800" indent="0">
-              <a:buNone/>
+            <a:lvl5pPr>
               <a:defRPr sz="900"/>
             </a:lvl5pPr>
-            <a:lvl6pPr marL="2286000" indent="0">
-              <a:buNone/>
-              <a:defRPr sz="900"/>
-            </a:lvl6pPr>
-            <a:lvl7pPr marL="2743200" indent="0">
-              <a:buNone/>
-              <a:defRPr sz="900"/>
-            </a:lvl7pPr>
-            <a:lvl8pPr marL="3200400" indent="0">
-              <a:buNone/>
-              <a:defRPr sz="900"/>
-            </a:lvl8pPr>
-            <a:lvl9pPr marL="3657600" indent="0">
-              <a:buNone/>
-              <a:defRPr sz="900"/>
-            </a:lvl9pPr>
           </a:lstStyle>
           <a:p>
-            <a:pPr lvl="0"/>
-            <a:r>
-              <a:rPr lang="fr-FR" smtClean="0"/>
+            <a:pPr lvl="0" eaLnBrk="1" latinLnBrk="0" hangingPunct="1"/>
+            <a:r>
+              <a:rPr kumimoji="0" lang="fr-FR" smtClean="0"/>
               <a:t>Cliquez pour modifier les styles du texte du masque</a:t>
             </a:r>
           </a:p>
@@ -2462,7 +3971,201 @@
       </p:sp>
       <p:sp>
         <p:nvSpPr>
-          <p:cNvPr id="5" name="Espace réservé de la date 4"/>
+          <p:cNvPr id="10" name="Connecteur droit 9"/>
+          <p:cNvSpPr>
+            <a:spLocks noChangeShapeType="1"/>
+          </p:cNvSpPr>
+          <p:nvPr/>
+        </p:nvSpPr>
+        <p:spPr bwMode="auto">
+          <a:xfrm>
+            <a:off x="8991600" y="0"/>
+            <a:ext cx="0" cy="6858000"/>
+          </a:xfrm>
+          <a:prstGeom prst="line">
+            <a:avLst/>
+          </a:prstGeom>
+          <a:noFill/>
+          <a:ln w="9525" cap="flat" cmpd="sng" algn="ctr">
+            <a:solidFill>
+              <a:schemeClr val="tx1"/>
+            </a:solidFill>
+            <a:prstDash val="solid"/>
+            <a:round/>
+            <a:headEnd type="none" w="med" len="med"/>
+            <a:tailEnd type="none" w="med" len="med"/>
+          </a:ln>
+          <a:effectLst/>
+        </p:spPr>
+        <p:txBody>
+          <a:bodyPr vert="horz" wrap="square" lIns="91440" tIns="45720" rIns="91440" bIns="45720" anchor="t" compatLnSpc="1"/>
+          <a:lstStyle/>
+          <a:p>
+            <a:endParaRPr kumimoji="0" lang="en-US"/>
+          </a:p>
+        </p:txBody>
+      </p:sp>
+      <p:sp>
+        <p:nvSpPr>
+          <p:cNvPr id="11" name="Rectangle 10"/>
+          <p:cNvSpPr/>
+          <p:nvPr/>
+        </p:nvSpPr>
+        <p:spPr bwMode="auto">
+          <a:xfrm>
+            <a:off x="8839200" y="0"/>
+            <a:ext cx="304800" cy="6858000"/>
+          </a:xfrm>
+          <a:prstGeom prst="rect">
+            <a:avLst/>
+          </a:prstGeom>
+          <a:solidFill>
+            <a:schemeClr val="accent1">
+              <a:tint val="60000"/>
+            </a:schemeClr>
+          </a:solidFill>
+          <a:ln w="38100" cap="rnd" cmpd="sng" algn="ctr">
+            <a:noFill/>
+            <a:prstDash val="solid"/>
+          </a:ln>
+          <a:effectLst/>
+        </p:spPr>
+        <p:style>
+          <a:lnRef idx="3">
+            <a:schemeClr val="lt1"/>
+          </a:lnRef>
+          <a:fillRef idx="1">
+            <a:schemeClr val="accent1"/>
+          </a:fillRef>
+          <a:effectRef idx="1">
+            <a:schemeClr val="accent1"/>
+          </a:effectRef>
+          <a:fontRef idx="minor">
+            <a:schemeClr val="lt1"/>
+          </a:fontRef>
+        </p:style>
+        <p:txBody>
+          <a:bodyPr anchor="ctr"/>
+          <a:lstStyle/>
+          <a:p>
+            <a:pPr algn="ctr" eaLnBrk="1" latinLnBrk="0" hangingPunct="1"/>
+            <a:endParaRPr kumimoji="0" lang="en-US"/>
+          </a:p>
+        </p:txBody>
+      </p:sp>
+      <p:sp>
+        <p:nvSpPr>
+          <p:cNvPr id="12" name="Connecteur droit 11"/>
+          <p:cNvSpPr>
+            <a:spLocks noChangeShapeType="1"/>
+          </p:cNvSpPr>
+          <p:nvPr/>
+        </p:nvSpPr>
+        <p:spPr bwMode="auto">
+          <a:xfrm>
+            <a:off x="8915400" y="0"/>
+            <a:ext cx="0" cy="6858000"/>
+          </a:xfrm>
+          <a:prstGeom prst="line">
+            <a:avLst/>
+          </a:prstGeom>
+          <a:noFill/>
+          <a:ln w="9525" cap="flat" cmpd="sng" algn="ctr">
+            <a:solidFill>
+              <a:schemeClr val="accent1"/>
+            </a:solidFill>
+            <a:prstDash val="solid"/>
+            <a:round/>
+            <a:headEnd type="none" w="med" len="med"/>
+            <a:tailEnd type="none" w="med" len="med"/>
+          </a:ln>
+          <a:effectLst/>
+        </p:spPr>
+        <p:txBody>
+          <a:bodyPr vert="horz" wrap="square" lIns="91440" tIns="45720" rIns="91440" bIns="45720" anchor="t" compatLnSpc="1"/>
+          <a:lstStyle/>
+          <a:p>
+            <a:endParaRPr kumimoji="0" lang="en-US"/>
+          </a:p>
+        </p:txBody>
+      </p:sp>
+      <p:sp>
+        <p:nvSpPr>
+          <p:cNvPr id="19" name="Connecteur droit 18"/>
+          <p:cNvSpPr>
+            <a:spLocks noChangeShapeType="1"/>
+          </p:cNvSpPr>
+          <p:nvPr/>
+        </p:nvSpPr>
+        <p:spPr bwMode="auto">
+          <a:xfrm>
+            <a:off x="6248400" y="0"/>
+            <a:ext cx="0" cy="6858000"/>
+          </a:xfrm>
+          <a:prstGeom prst="line">
+            <a:avLst/>
+          </a:prstGeom>
+          <a:noFill/>
+          <a:ln w="38100" cap="flat" cmpd="sng" algn="ctr">
+            <a:solidFill>
+              <a:schemeClr val="accent1">
+                <a:tint val="60000"/>
+              </a:schemeClr>
+            </a:solidFill>
+            <a:prstDash val="solid"/>
+            <a:round/>
+            <a:headEnd type="none" w="med" len="med"/>
+            <a:tailEnd type="none" w="med" len="med"/>
+          </a:ln>
+          <a:effectLst/>
+        </p:spPr>
+        <p:txBody>
+          <a:bodyPr vert="horz" wrap="square" lIns="91440" tIns="45720" rIns="91440" bIns="45720" anchor="t" compatLnSpc="1"/>
+          <a:lstStyle/>
+          <a:p>
+            <a:endParaRPr kumimoji="0" lang="en-US" dirty="0"/>
+          </a:p>
+        </p:txBody>
+      </p:sp>
+      <p:sp>
+        <p:nvSpPr>
+          <p:cNvPr id="20" name="Connecteur droit 19"/>
+          <p:cNvSpPr>
+            <a:spLocks noChangeShapeType="1"/>
+          </p:cNvSpPr>
+          <p:nvPr/>
+        </p:nvSpPr>
+        <p:spPr bwMode="auto">
+          <a:xfrm>
+            <a:off x="6192296" y="0"/>
+            <a:ext cx="0" cy="6858000"/>
+          </a:xfrm>
+          <a:prstGeom prst="line">
+            <a:avLst/>
+          </a:prstGeom>
+          <a:noFill/>
+          <a:ln w="12700" cap="flat" cmpd="sng" algn="ctr">
+            <a:solidFill>
+              <a:schemeClr val="accent1"/>
+            </a:solidFill>
+            <a:prstDash val="solid"/>
+            <a:round/>
+            <a:headEnd type="none" w="med" len="med"/>
+            <a:tailEnd type="none" w="med" len="med"/>
+          </a:ln>
+          <a:effectLst/>
+        </p:spPr>
+        <p:txBody>
+          <a:bodyPr vert="horz" wrap="square" lIns="91440" tIns="45720" rIns="91440" bIns="45720" anchor="t" compatLnSpc="1"/>
+          <a:lstStyle/>
+          <a:p>
+            <a:endParaRPr kumimoji="0" lang="en-US" dirty="0"/>
+          </a:p>
+        </p:txBody>
+      </p:sp>
+      <p:sp>
+        <p:nvSpPr>
+          <p:cNvPr id="17" name="Espace réservé de la date 16"/>
           <p:cNvSpPr>
             <a:spLocks noGrp="1"/>
           </p:cNvSpPr>
@@ -2472,13 +4175,13 @@
         </p:nvSpPr>
         <p:spPr/>
         <p:txBody>
-          <a:bodyPr/>
-          <a:lstStyle/>
-          <a:p>
-            <a:fld id="{36258642-65C3-41EF-884A-8F6A386A9351}" type="datetimeFigureOut">
+          <a:bodyPr rtlCol="0"/>
+          <a:lstStyle/>
+          <a:p>
+            <a:fld id="{B1D767F1-309E-4781-B4BB-C1833E5B5858}" type="datetimeFigureOut">
               <a:rPr lang="fr-FR" smtClean="0"/>
               <a:pPr/>
-              <a:t>28/05/2011</a:t>
+              <a:t>07/01/2012</a:t>
             </a:fld>
             <a:endParaRPr lang="fr-FR"/>
           </a:p>
@@ -2486,43 +4189,43 @@
       </p:sp>
       <p:sp>
         <p:nvSpPr>
-          <p:cNvPr id="6" name="Espace réservé du pied de page 5"/>
-          <p:cNvSpPr>
-            <a:spLocks noGrp="1"/>
-          </p:cNvSpPr>
-          <p:nvPr>
-            <p:ph type="ftr" sz="quarter" idx="11"/>
+          <p:cNvPr id="18" name="Espace réservé du numéro de diapositive 17"/>
+          <p:cNvSpPr>
+            <a:spLocks noGrp="1"/>
+          </p:cNvSpPr>
+          <p:nvPr>
+            <p:ph type="sldNum" sz="quarter" idx="11"/>
           </p:nvPr>
         </p:nvSpPr>
         <p:spPr/>
         <p:txBody>
-          <a:bodyPr/>
-          <a:lstStyle/>
-          <a:p>
-            <a:endParaRPr lang="fr-FR"/>
-          </a:p>
-        </p:txBody>
-      </p:sp>
-      <p:sp>
-        <p:nvSpPr>
-          <p:cNvPr id="7" name="Espace réservé du numéro de diapositive 6"/>
-          <p:cNvSpPr>
-            <a:spLocks noGrp="1"/>
-          </p:cNvSpPr>
-          <p:nvPr>
-            <p:ph type="sldNum" sz="quarter" idx="12"/>
-          </p:nvPr>
-        </p:nvSpPr>
-        <p:spPr/>
-        <p:txBody>
-          <a:bodyPr/>
-          <a:lstStyle/>
-          <a:p>
-            <a:fld id="{C9321179-DB1E-415A-8C3F-F752D573826F}" type="slidenum">
+          <a:bodyPr rtlCol="0"/>
+          <a:lstStyle/>
+          <a:p>
+            <a:fld id="{F7140DD7-9DBB-47E2-84A7-EC4AE225665C}" type="slidenum">
               <a:rPr lang="fr-FR" smtClean="0"/>
               <a:pPr/>
               <a:t>‹N°›</a:t>
             </a:fld>
+            <a:endParaRPr lang="fr-FR"/>
+          </a:p>
+        </p:txBody>
+      </p:sp>
+      <p:sp>
+        <p:nvSpPr>
+          <p:cNvPr id="21" name="Espace réservé du pied de page 20"/>
+          <p:cNvSpPr>
+            <a:spLocks noGrp="1"/>
+          </p:cNvSpPr>
+          <p:nvPr>
+            <p:ph type="ftr" sz="quarter" idx="12"/>
+          </p:nvPr>
+        </p:nvSpPr>
+        <p:spPr/>
+        <p:txBody>
+          <a:bodyPr rtlCol="0"/>
+          <a:lstStyle/>
+          <a:p>
             <a:endParaRPr lang="fr-FR"/>
           </a:p>
         </p:txBody>
@@ -2559,7 +4262,46 @@
       </p:grpSpPr>
       <p:sp>
         <p:nvSpPr>
-          <p:cNvPr id="2" name="Espace réservé du titre 1"/>
+          <p:cNvPr id="16" name="Connecteur droit 15"/>
+          <p:cNvSpPr>
+            <a:spLocks noChangeShapeType="1"/>
+          </p:cNvSpPr>
+          <p:nvPr/>
+        </p:nvSpPr>
+        <p:spPr bwMode="auto">
+          <a:xfrm>
+            <a:off x="8763000" y="0"/>
+            <a:ext cx="0" cy="6858000"/>
+          </a:xfrm>
+          <a:prstGeom prst="line">
+            <a:avLst/>
+          </a:prstGeom>
+          <a:noFill/>
+          <a:ln w="38100" cap="flat" cmpd="sng" algn="ctr">
+            <a:solidFill>
+              <a:schemeClr val="accent1">
+                <a:tint val="60000"/>
+                <a:alpha val="93000"/>
+              </a:schemeClr>
+            </a:solidFill>
+            <a:prstDash val="solid"/>
+            <a:round/>
+            <a:headEnd type="none" w="med" len="med"/>
+            <a:tailEnd type="none" w="med" len="med"/>
+          </a:ln>
+          <a:effectLst/>
+        </p:spPr>
+        <p:txBody>
+          <a:bodyPr vert="horz" wrap="square" lIns="91440" tIns="45720" rIns="91440" bIns="45720" anchor="t" compatLnSpc="1"/>
+          <a:lstStyle/>
+          <a:p>
+            <a:endParaRPr kumimoji="0" lang="en-US" dirty="0"/>
+          </a:p>
+        </p:txBody>
+      </p:sp>
+      <p:sp>
+        <p:nvSpPr>
+          <p:cNvPr id="22" name="Espace réservé du titre 21"/>
           <p:cNvSpPr>
             <a:spLocks noGrp="1"/>
           </p:cNvSpPr>
@@ -2570,29 +4312,29 @@
         <p:spPr>
           <a:xfrm>
             <a:off x="457200" y="274638"/>
-            <a:ext cx="8229600" cy="1143000"/>
+            <a:ext cx="7467600" cy="1143000"/>
           </a:xfrm>
           <a:prstGeom prst="rect">
             <a:avLst/>
           </a:prstGeom>
         </p:spPr>
         <p:txBody>
-          <a:bodyPr vert="horz" lIns="91440" tIns="45720" rIns="91440" bIns="45720" rtlCol="0" anchor="ctr">
+          <a:bodyPr vert="horz" anchor="b">
             <a:normAutofit/>
           </a:bodyPr>
           <a:lstStyle/>
           <a:p>
             <a:r>
-              <a:rPr lang="fr-FR" smtClean="0"/>
+              <a:rPr kumimoji="0" lang="fr-FR" smtClean="0"/>
               <a:t>Cliquez pour modifier le style du titre</a:t>
             </a:r>
-            <a:endParaRPr lang="fr-FR"/>
-          </a:p>
-        </p:txBody>
-      </p:sp>
-      <p:sp>
-        <p:nvSpPr>
-          <p:cNvPr id="3" name="Espace réservé du texte 2"/>
+            <a:endParaRPr kumimoji="0" lang="en-US"/>
+          </a:p>
+        </p:txBody>
+      </p:sp>
+      <p:sp>
+        <p:nvSpPr>
+          <p:cNvPr id="13" name="Espace réservé du texte 12"/>
           <p:cNvSpPr>
             <a:spLocks noGrp="1"/>
           </p:cNvSpPr>
@@ -2603,58 +4345,58 @@
         <p:spPr>
           <a:xfrm>
             <a:off x="457200" y="1600200"/>
-            <a:ext cx="8229600" cy="4525963"/>
+            <a:ext cx="7467600" cy="4873752"/>
           </a:xfrm>
           <a:prstGeom prst="rect">
             <a:avLst/>
           </a:prstGeom>
         </p:spPr>
         <p:txBody>
-          <a:bodyPr vert="horz" lIns="91440" tIns="45720" rIns="91440" bIns="45720" rtlCol="0">
+          <a:bodyPr vert="horz">
             <a:normAutofit/>
           </a:bodyPr>
           <a:lstStyle/>
           <a:p>
-            <a:pPr lvl="0"/>
-            <a:r>
-              <a:rPr lang="fr-FR" smtClean="0"/>
+            <a:pPr lvl="0" eaLnBrk="1" latinLnBrk="0" hangingPunct="1"/>
+            <a:r>
+              <a:rPr kumimoji="0" lang="fr-FR" smtClean="0"/>
               <a:t>Cliquez pour modifier les styles du texte du masque</a:t>
             </a:r>
           </a:p>
           <a:p>
-            <a:pPr lvl="1"/>
-            <a:r>
-              <a:rPr lang="fr-FR" smtClean="0"/>
+            <a:pPr lvl="1" eaLnBrk="1" latinLnBrk="0" hangingPunct="1"/>
+            <a:r>
+              <a:rPr kumimoji="0" lang="fr-FR" smtClean="0"/>
               <a:t>Deuxième niveau</a:t>
             </a:r>
           </a:p>
           <a:p>
-            <a:pPr lvl="2"/>
-            <a:r>
-              <a:rPr lang="fr-FR" smtClean="0"/>
+            <a:pPr lvl="2" eaLnBrk="1" latinLnBrk="0" hangingPunct="1"/>
+            <a:r>
+              <a:rPr kumimoji="0" lang="fr-FR" smtClean="0"/>
               <a:t>Troisième niveau</a:t>
             </a:r>
           </a:p>
           <a:p>
-            <a:pPr lvl="3"/>
-            <a:r>
-              <a:rPr lang="fr-FR" smtClean="0"/>
+            <a:pPr lvl="3" eaLnBrk="1" latinLnBrk="0" hangingPunct="1"/>
+            <a:r>
+              <a:rPr kumimoji="0" lang="fr-FR" smtClean="0"/>
               <a:t>Quatrième niveau</a:t>
             </a:r>
           </a:p>
           <a:p>
-            <a:pPr lvl="4"/>
-            <a:r>
-              <a:rPr lang="fr-FR" smtClean="0"/>
+            <a:pPr lvl="4" eaLnBrk="1" latinLnBrk="0" hangingPunct="1"/>
+            <a:r>
+              <a:rPr kumimoji="0" lang="fr-FR" smtClean="0"/>
               <a:t>Cinquième niveau</a:t>
             </a:r>
-            <a:endParaRPr lang="fr-FR"/>
-          </a:p>
-        </p:txBody>
-      </p:sp>
-      <p:sp>
-        <p:nvSpPr>
-          <p:cNvPr id="4" name="Espace réservé de la date 3"/>
+            <a:endParaRPr kumimoji="0" lang="en-US"/>
+          </a:p>
+        </p:txBody>
+      </p:sp>
+      <p:sp>
+        <p:nvSpPr>
+          <p:cNvPr id="14" name="Espace réservé de la date 13"/>
           <p:cNvSpPr>
             <a:spLocks noGrp="1"/>
           </p:cNvSpPr>
@@ -2663,32 +4405,30 @@
           </p:nvPr>
         </p:nvSpPr>
         <p:spPr>
-          <a:xfrm>
-            <a:off x="457200" y="6356350"/>
-            <a:ext cx="2133600" cy="365125"/>
+          <a:xfrm rot="5400000">
+            <a:off x="7589520" y="1081851"/>
+            <a:ext cx="2011680" cy="384048"/>
           </a:xfrm>
           <a:prstGeom prst="rect">
             <a:avLst/>
           </a:prstGeom>
         </p:spPr>
         <p:txBody>
-          <a:bodyPr vert="horz" lIns="91440" tIns="45720" rIns="91440" bIns="45720" rtlCol="0" anchor="ctr"/>
+          <a:bodyPr vert="horz" anchor="ctr" anchorCtr="0"/>
           <a:lstStyle>
-            <a:lvl1pPr algn="l">
-              <a:defRPr sz="1200">
+            <a:lvl1pPr algn="r" eaLnBrk="1" latinLnBrk="0" hangingPunct="1">
+              <a:defRPr kumimoji="0" sz="1200">
                 <a:solidFill>
-                  <a:schemeClr val="tx1">
-                    <a:tint val="75000"/>
-                  </a:schemeClr>
+                  <a:schemeClr val="tx2"/>
                 </a:solidFill>
               </a:defRPr>
             </a:lvl1pPr>
           </a:lstStyle>
           <a:p>
-            <a:fld id="{36258642-65C3-41EF-884A-8F6A386A9351}" type="datetimeFigureOut">
+            <a:fld id="{B1D767F1-309E-4781-B4BB-C1833E5B5858}" type="datetimeFigureOut">
               <a:rPr lang="fr-FR" smtClean="0"/>
               <a:pPr/>
-              <a:t>28/05/2011</a:t>
+              <a:t>07/01/2012</a:t>
             </a:fld>
             <a:endParaRPr lang="fr-FR"/>
           </a:p>
@@ -2696,7 +4436,7 @@
       </p:sp>
       <p:sp>
         <p:nvSpPr>
-          <p:cNvPr id="5" name="Espace réservé du pied de page 4"/>
+          <p:cNvPr id="3" name="Espace réservé du pied de page 2"/>
           <p:cNvSpPr>
             <a:spLocks noGrp="1"/>
           </p:cNvSpPr>
@@ -2705,23 +4445,21 @@
           </p:nvPr>
         </p:nvSpPr>
         <p:spPr>
-          <a:xfrm>
-            <a:off x="3124200" y="6356350"/>
-            <a:ext cx="2895600" cy="365125"/>
+          <a:xfrm rot="5400000">
+            <a:off x="6990186" y="3737240"/>
+            <a:ext cx="3200400" cy="365760"/>
           </a:xfrm>
           <a:prstGeom prst="rect">
             <a:avLst/>
           </a:prstGeom>
         </p:spPr>
         <p:txBody>
-          <a:bodyPr vert="horz" lIns="91440" tIns="45720" rIns="91440" bIns="45720" rtlCol="0" anchor="ctr"/>
+          <a:bodyPr vert="horz" anchor="ctr" anchorCtr="0"/>
           <a:lstStyle>
-            <a:lvl1pPr algn="ctr">
-              <a:defRPr sz="1200">
+            <a:lvl1pPr algn="l" eaLnBrk="1" latinLnBrk="0" hangingPunct="1">
+              <a:defRPr kumimoji="0" sz="1200">
                 <a:solidFill>
-                  <a:schemeClr val="tx1">
-                    <a:tint val="75000"/>
-                  </a:schemeClr>
+                  <a:schemeClr val="tx2"/>
                 </a:solidFill>
               </a:defRPr>
             </a:lvl1pPr>
@@ -2733,7 +4471,209 @@
       </p:sp>
       <p:sp>
         <p:nvSpPr>
-          <p:cNvPr id="6" name="Espace réservé du numéro de diapositive 5"/>
+          <p:cNvPr id="7" name="Connecteur droit 6"/>
+          <p:cNvSpPr>
+            <a:spLocks noChangeShapeType="1"/>
+          </p:cNvSpPr>
+          <p:nvPr/>
+        </p:nvSpPr>
+        <p:spPr bwMode="auto">
+          <a:xfrm>
+            <a:off x="76200" y="0"/>
+            <a:ext cx="0" cy="6858000"/>
+          </a:xfrm>
+          <a:prstGeom prst="line">
+            <a:avLst/>
+          </a:prstGeom>
+          <a:noFill/>
+          <a:ln w="57150" cap="flat" cmpd="thickThin" algn="ctr">
+            <a:solidFill>
+              <a:schemeClr val="accent1">
+                <a:tint val="60000"/>
+              </a:schemeClr>
+            </a:solidFill>
+            <a:prstDash val="solid"/>
+            <a:round/>
+            <a:headEnd type="none" w="med" len="med"/>
+            <a:tailEnd type="none" w="med" len="med"/>
+          </a:ln>
+          <a:effectLst/>
+        </p:spPr>
+        <p:txBody>
+          <a:bodyPr vert="horz" wrap="square" lIns="91440" tIns="45720" rIns="91440" bIns="45720" anchor="t" compatLnSpc="1"/>
+          <a:lstStyle/>
+          <a:p>
+            <a:endParaRPr kumimoji="0" lang="en-US"/>
+          </a:p>
+        </p:txBody>
+      </p:sp>
+      <p:sp>
+        <p:nvSpPr>
+          <p:cNvPr id="9" name="Connecteur droit 8"/>
+          <p:cNvSpPr>
+            <a:spLocks noChangeShapeType="1"/>
+          </p:cNvSpPr>
+          <p:nvPr/>
+        </p:nvSpPr>
+        <p:spPr bwMode="auto">
+          <a:xfrm>
+            <a:off x="8991600" y="0"/>
+            <a:ext cx="0" cy="6858000"/>
+          </a:xfrm>
+          <a:prstGeom prst="line">
+            <a:avLst/>
+          </a:prstGeom>
+          <a:noFill/>
+          <a:ln w="19050" cap="flat" cmpd="sng" algn="ctr">
+            <a:solidFill>
+              <a:schemeClr val="accent1"/>
+            </a:solidFill>
+            <a:prstDash val="solid"/>
+            <a:round/>
+            <a:headEnd type="none" w="med" len="med"/>
+            <a:tailEnd type="none" w="med" len="med"/>
+          </a:ln>
+          <a:effectLst/>
+        </p:spPr>
+        <p:txBody>
+          <a:bodyPr vert="horz" wrap="square" lIns="91440" tIns="45720" rIns="91440" bIns="45720" anchor="t" compatLnSpc="1"/>
+          <a:lstStyle/>
+          <a:p>
+            <a:endParaRPr kumimoji="0" lang="en-US"/>
+          </a:p>
+        </p:txBody>
+      </p:sp>
+      <p:sp>
+        <p:nvSpPr>
+          <p:cNvPr id="10" name="Rectangle 9"/>
+          <p:cNvSpPr/>
+          <p:nvPr/>
+        </p:nvSpPr>
+        <p:spPr bwMode="auto">
+          <a:xfrm>
+            <a:off x="8839200" y="0"/>
+            <a:ext cx="304800" cy="6858000"/>
+          </a:xfrm>
+          <a:prstGeom prst="rect">
+            <a:avLst/>
+          </a:prstGeom>
+          <a:solidFill>
+            <a:schemeClr val="accent1">
+              <a:tint val="60000"/>
+              <a:alpha val="87000"/>
+            </a:schemeClr>
+          </a:solidFill>
+          <a:ln w="38100" cap="rnd" cmpd="sng" algn="ctr">
+            <a:noFill/>
+            <a:prstDash val="solid"/>
+          </a:ln>
+          <a:effectLst/>
+        </p:spPr>
+        <p:style>
+          <a:lnRef idx="3">
+            <a:schemeClr val="lt1"/>
+          </a:lnRef>
+          <a:fillRef idx="1">
+            <a:schemeClr val="accent1"/>
+          </a:fillRef>
+          <a:effectRef idx="1">
+            <a:schemeClr val="accent1"/>
+          </a:effectRef>
+          <a:fontRef idx="minor">
+            <a:schemeClr val="lt1"/>
+          </a:fontRef>
+        </p:style>
+        <p:txBody>
+          <a:bodyPr anchor="ctr"/>
+          <a:lstStyle/>
+          <a:p>
+            <a:pPr algn="ctr" eaLnBrk="1" latinLnBrk="0" hangingPunct="1"/>
+            <a:endParaRPr kumimoji="0" lang="en-US"/>
+          </a:p>
+        </p:txBody>
+      </p:sp>
+      <p:sp>
+        <p:nvSpPr>
+          <p:cNvPr id="11" name="Connecteur droit 10"/>
+          <p:cNvSpPr>
+            <a:spLocks noChangeShapeType="1"/>
+          </p:cNvSpPr>
+          <p:nvPr/>
+        </p:nvSpPr>
+        <p:spPr bwMode="auto">
+          <a:xfrm>
+            <a:off x="8915400" y="0"/>
+            <a:ext cx="0" cy="6858000"/>
+          </a:xfrm>
+          <a:prstGeom prst="line">
+            <a:avLst/>
+          </a:prstGeom>
+          <a:noFill/>
+          <a:ln w="9525" cap="flat" cmpd="sng" algn="ctr">
+            <a:solidFill>
+              <a:schemeClr val="accent1"/>
+            </a:solidFill>
+            <a:prstDash val="solid"/>
+            <a:round/>
+            <a:headEnd type="none" w="med" len="med"/>
+            <a:tailEnd type="none" w="med" len="med"/>
+          </a:ln>
+          <a:effectLst/>
+        </p:spPr>
+        <p:txBody>
+          <a:bodyPr vert="horz" wrap="square" lIns="91440" tIns="45720" rIns="91440" bIns="45720" anchor="t" compatLnSpc="1"/>
+          <a:lstStyle/>
+          <a:p>
+            <a:endParaRPr kumimoji="0" lang="en-US"/>
+          </a:p>
+        </p:txBody>
+      </p:sp>
+      <p:sp>
+        <p:nvSpPr>
+          <p:cNvPr id="12" name="Ellipse 11"/>
+          <p:cNvSpPr/>
+          <p:nvPr/>
+        </p:nvSpPr>
+        <p:spPr>
+          <a:xfrm>
+            <a:off x="8156448" y="5715000"/>
+            <a:ext cx="548640" cy="548640"/>
+          </a:xfrm>
+          <a:prstGeom prst="ellipse">
+            <a:avLst/>
+          </a:prstGeom>
+          <a:ln w="38100" cap="rnd" cmpd="sng" algn="ctr">
+            <a:noFill/>
+            <a:prstDash val="solid"/>
+          </a:ln>
+          <a:effectLst/>
+        </p:spPr>
+        <p:style>
+          <a:lnRef idx="3">
+            <a:schemeClr val="lt1"/>
+          </a:lnRef>
+          <a:fillRef idx="1">
+            <a:schemeClr val="accent1"/>
+          </a:fillRef>
+          <a:effectRef idx="1">
+            <a:schemeClr val="accent1"/>
+          </a:effectRef>
+          <a:fontRef idx="minor">
+            <a:schemeClr val="lt1"/>
+          </a:fontRef>
+        </p:style>
+        <p:txBody>
+          <a:bodyPr anchor="ctr"/>
+          <a:lstStyle/>
+          <a:p>
+            <a:pPr algn="ctr" eaLnBrk="1" latinLnBrk="0" hangingPunct="1"/>
+            <a:endParaRPr kumimoji="0" lang="en-US" dirty="0"/>
+          </a:p>
+        </p:txBody>
+      </p:sp>
+      <p:sp>
+        <p:nvSpPr>
+          <p:cNvPr id="23" name="Espace réservé du numéro de diapositive 22"/>
           <p:cNvSpPr>
             <a:spLocks noGrp="1"/>
           </p:cNvSpPr>
@@ -2743,28 +4683,26 @@
         </p:nvSpPr>
         <p:spPr>
           <a:xfrm>
-            <a:off x="6553200" y="6356350"/>
-            <a:ext cx="2133600" cy="365125"/>
+            <a:off x="8129016" y="5734050"/>
+            <a:ext cx="609600" cy="521208"/>
           </a:xfrm>
           <a:prstGeom prst="rect">
             <a:avLst/>
           </a:prstGeom>
         </p:spPr>
         <p:txBody>
-          <a:bodyPr vert="horz" lIns="91440" tIns="45720" rIns="91440" bIns="45720" rtlCol="0" anchor="ctr"/>
+          <a:bodyPr vert="horz" anchor="ctr"/>
           <a:lstStyle>
-            <a:lvl1pPr algn="r">
-              <a:defRPr sz="1200">
+            <a:lvl1pPr algn="ctr" eaLnBrk="1" latinLnBrk="0" hangingPunct="1">
+              <a:defRPr kumimoji="0" sz="1400" b="1">
                 <a:solidFill>
-                  <a:schemeClr val="tx1">
-                    <a:tint val="75000"/>
-                  </a:schemeClr>
+                  <a:srgbClr val="FFFFFF"/>
                 </a:solidFill>
               </a:defRPr>
             </a:lvl1pPr>
           </a:lstStyle>
           <a:p>
-            <a:fld id="{C9321179-DB1E-415A-8C3F-F752D573826F}" type="slidenum">
+            <a:fld id="{F7140DD7-9DBB-47E2-84A7-EC4AE225665C}" type="slidenum">
               <a:rPr lang="fr-FR" smtClean="0"/>
               <a:pPr/>
               <a:t>‹N°›</a:t>
@@ -2777,28 +4715,28 @@
   </p:cSld>
   <p:clrMap bg1="lt1" tx1="dk1" bg2="lt2" tx2="dk2" accent1="accent1" accent2="accent2" accent3="accent3" accent4="accent4" accent5="accent5" accent6="accent6" hlink="hlink" folHlink="folHlink"/>
   <p:sldLayoutIdLst>
-    <p:sldLayoutId id="2147483649" r:id="rId1"/>
-    <p:sldLayoutId id="2147483650" r:id="rId2"/>
-    <p:sldLayoutId id="2147483651" r:id="rId3"/>
-    <p:sldLayoutId id="2147483652" r:id="rId4"/>
-    <p:sldLayoutId id="2147483653" r:id="rId5"/>
-    <p:sldLayoutId id="2147483654" r:id="rId6"/>
-    <p:sldLayoutId id="2147483655" r:id="rId7"/>
-    <p:sldLayoutId id="2147483656" r:id="rId8"/>
-    <p:sldLayoutId id="2147483657" r:id="rId9"/>
-    <p:sldLayoutId id="2147483658" r:id="rId10"/>
-    <p:sldLayoutId id="2147483659" r:id="rId11"/>
+    <p:sldLayoutId id="2147483721" r:id="rId1"/>
+    <p:sldLayoutId id="2147483722" r:id="rId2"/>
+    <p:sldLayoutId id="2147483723" r:id="rId3"/>
+    <p:sldLayoutId id="2147483724" r:id="rId4"/>
+    <p:sldLayoutId id="2147483725" r:id="rId5"/>
+    <p:sldLayoutId id="2147483726" r:id="rId6"/>
+    <p:sldLayoutId id="2147483727" r:id="rId7"/>
+    <p:sldLayoutId id="2147483728" r:id="rId8"/>
+    <p:sldLayoutId id="2147483729" r:id="rId9"/>
+    <p:sldLayoutId id="2147483730" r:id="rId10"/>
+    <p:sldLayoutId id="2147483731" r:id="rId11"/>
   </p:sldLayoutIdLst>
   <p:txStyles>
     <p:titleStyle>
-      <a:lvl1pPr algn="ctr" defTabSz="914400" rtl="0" eaLnBrk="1" latinLnBrk="0" hangingPunct="1">
+      <a:lvl1pPr algn="l" rtl="0" eaLnBrk="1" latinLnBrk="0" hangingPunct="1">
         <a:spcBef>
           <a:spcPct val="0"/>
         </a:spcBef>
         <a:buNone/>
-        <a:defRPr sz="4400" kern="1200">
+        <a:defRPr kumimoji="0" sz="3000" b="0" kern="1200" cap="small" baseline="0">
           <a:solidFill>
-            <a:schemeClr val="tx1"/>
+            <a:schemeClr val="tx2"/>
           </a:solidFill>
           <a:latin typeface="+mj-lt"/>
           <a:ea typeface="+mj-ea"/>
@@ -2807,13 +4745,17 @@
       </a:lvl1pPr>
     </p:titleStyle>
     <p:bodyStyle>
-      <a:lvl1pPr marL="342900" indent="-342900" algn="l" defTabSz="914400" rtl="0" eaLnBrk="1" latinLnBrk="0" hangingPunct="1">
+      <a:lvl1pPr marL="274320" indent="-274320" algn="l" rtl="0" eaLnBrk="1" latinLnBrk="0" hangingPunct="1">
         <a:spcBef>
-          <a:spcPct val="20000"/>
+          <a:spcPts val="600"/>
         </a:spcBef>
-        <a:buFont typeface="Arial" pitchFamily="34" charset="0"/>
-        <a:buChar char="•"/>
-        <a:defRPr sz="3200" kern="1200">
+        <a:buClr>
+          <a:schemeClr val="accent1"/>
+        </a:buClr>
+        <a:buSzPct val="70000"/>
+        <a:buFont typeface="Wingdings"/>
+        <a:buChar char=""/>
+        <a:defRPr kumimoji="0" sz="2400" kern="1200">
           <a:solidFill>
             <a:schemeClr val="tx1"/>
           </a:solidFill>
@@ -2822,13 +4764,17 @@
           <a:cs typeface="+mn-cs"/>
         </a:defRPr>
       </a:lvl1pPr>
-      <a:lvl2pPr marL="742950" indent="-285750" algn="l" defTabSz="914400" rtl="0" eaLnBrk="1" latinLnBrk="0" hangingPunct="1">
+      <a:lvl2pPr marL="640080" indent="-274320" algn="l" rtl="0" eaLnBrk="1" latinLnBrk="0" hangingPunct="1">
         <a:spcBef>
           <a:spcPct val="20000"/>
         </a:spcBef>
-        <a:buFont typeface="Arial" pitchFamily="34" charset="0"/>
-        <a:buChar char="–"/>
-        <a:defRPr sz="2800" kern="1200">
+        <a:buClr>
+          <a:schemeClr val="accent1"/>
+        </a:buClr>
+        <a:buSzPct val="80000"/>
+        <a:buFont typeface="Wingdings 2"/>
+        <a:buChar char=""/>
+        <a:defRPr kumimoji="0" sz="2100" kern="1200">
           <a:solidFill>
             <a:schemeClr val="tx1"/>
           </a:solidFill>
@@ -2837,13 +4783,19 @@
           <a:cs typeface="+mn-cs"/>
         </a:defRPr>
       </a:lvl2pPr>
-      <a:lvl3pPr marL="1143000" indent="-228600" algn="l" defTabSz="914400" rtl="0" eaLnBrk="1" latinLnBrk="0" hangingPunct="1">
+      <a:lvl3pPr marL="914400" indent="-182880" algn="l" rtl="0" eaLnBrk="1" latinLnBrk="0" hangingPunct="1">
         <a:spcBef>
           <a:spcPct val="20000"/>
         </a:spcBef>
-        <a:buFont typeface="Arial" pitchFamily="34" charset="0"/>
-        <a:buChar char="•"/>
-        <a:defRPr sz="2400" kern="1200">
+        <a:buClr>
+          <a:schemeClr val="accent1">
+            <a:shade val="75000"/>
+          </a:schemeClr>
+        </a:buClr>
+        <a:buSzPct val="60000"/>
+        <a:buFont typeface="Wingdings"/>
+        <a:buChar char=""/>
+        <a:defRPr kumimoji="0" sz="1800" kern="1200">
           <a:solidFill>
             <a:schemeClr val="tx1"/>
           </a:solidFill>
@@ -2852,13 +4804,19 @@
           <a:cs typeface="+mn-cs"/>
         </a:defRPr>
       </a:lvl3pPr>
-      <a:lvl4pPr marL="1600200" indent="-228600" algn="l" defTabSz="914400" rtl="0" eaLnBrk="1" latinLnBrk="0" hangingPunct="1">
+      <a:lvl4pPr marL="1188720" indent="-182880" algn="l" rtl="0" eaLnBrk="1" latinLnBrk="0" hangingPunct="1">
         <a:spcBef>
           <a:spcPct val="20000"/>
         </a:spcBef>
-        <a:buFont typeface="Arial" pitchFamily="34" charset="0"/>
-        <a:buChar char="–"/>
-        <a:defRPr sz="2000" kern="1200">
+        <a:buClr>
+          <a:schemeClr val="accent1">
+            <a:tint val="60000"/>
+          </a:schemeClr>
+        </a:buClr>
+        <a:buSzPct val="60000"/>
+        <a:buFont typeface="Wingdings"/>
+        <a:buChar char=""/>
+        <a:defRPr kumimoji="0" sz="1800" kern="1200">
           <a:solidFill>
             <a:schemeClr val="tx1"/>
           </a:solidFill>
@@ -2867,13 +4825,19 @@
           <a:cs typeface="+mn-cs"/>
         </a:defRPr>
       </a:lvl4pPr>
-      <a:lvl5pPr marL="2057400" indent="-228600" algn="l" defTabSz="914400" rtl="0" eaLnBrk="1" latinLnBrk="0" hangingPunct="1">
+      <a:lvl5pPr marL="1463040" indent="-182880" algn="l" rtl="0" eaLnBrk="1" latinLnBrk="0" hangingPunct="1">
         <a:spcBef>
           <a:spcPct val="20000"/>
         </a:spcBef>
-        <a:buFont typeface="Arial" pitchFamily="34" charset="0"/>
-        <a:buChar char="»"/>
-        <a:defRPr sz="2000" kern="1200">
+        <a:buClr>
+          <a:schemeClr val="accent2">
+            <a:tint val="60000"/>
+          </a:schemeClr>
+        </a:buClr>
+        <a:buSzPct val="68000"/>
+        <a:buFont typeface="Wingdings 2"/>
+        <a:buChar char=""/>
+        <a:defRPr kumimoji="0" sz="1600" kern="1200">
           <a:solidFill>
             <a:schemeClr val="tx1"/>
           </a:solidFill>
@@ -2882,13 +4846,134 @@
           <a:cs typeface="+mn-cs"/>
         </a:defRPr>
       </a:lvl5pPr>
-      <a:lvl6pPr marL="2514600" indent="-228600" algn="l" defTabSz="914400" rtl="0" eaLnBrk="1" latinLnBrk="0" hangingPunct="1">
+      <a:lvl6pPr marL="1737360" indent="-182880" algn="l" rtl="0" eaLnBrk="1" latinLnBrk="0" hangingPunct="1">
         <a:spcBef>
           <a:spcPct val="20000"/>
         </a:spcBef>
-        <a:buFont typeface="Arial" pitchFamily="34" charset="0"/>
+        <a:buClr>
+          <a:schemeClr val="accent1"/>
+        </a:buClr>
         <a:buChar char="•"/>
-        <a:defRPr sz="2000" kern="1200">
+        <a:defRPr kumimoji="0" sz="1600" kern="1200">
+          <a:solidFill>
+            <a:schemeClr val="tx2"/>
+          </a:solidFill>
+          <a:latin typeface="+mn-lt"/>
+          <a:ea typeface="+mn-ea"/>
+          <a:cs typeface="+mn-cs"/>
+        </a:defRPr>
+      </a:lvl6pPr>
+      <a:lvl7pPr marL="2011680" indent="-182880" algn="l" rtl="0" eaLnBrk="1" latinLnBrk="0" hangingPunct="1">
+        <a:spcBef>
+          <a:spcPct val="20000"/>
+        </a:spcBef>
+        <a:buClr>
+          <a:schemeClr val="accent1">
+            <a:tint val="60000"/>
+          </a:schemeClr>
+        </a:buClr>
+        <a:buSzPct val="60000"/>
+        <a:buFont typeface="Wingdings"/>
+        <a:buChar char=""/>
+        <a:defRPr kumimoji="0" sz="1400" kern="1200" baseline="0">
+          <a:solidFill>
+            <a:schemeClr val="tx2"/>
+          </a:solidFill>
+          <a:latin typeface="+mn-lt"/>
+          <a:ea typeface="+mn-ea"/>
+          <a:cs typeface="+mn-cs"/>
+        </a:defRPr>
+      </a:lvl7pPr>
+      <a:lvl8pPr marL="2286000" indent="-182880" algn="l" rtl="0" eaLnBrk="1" latinLnBrk="0" hangingPunct="1">
+        <a:spcBef>
+          <a:spcPct val="20000"/>
+        </a:spcBef>
+        <a:buClr>
+          <a:schemeClr val="accent2"/>
+        </a:buClr>
+        <a:buChar char="•"/>
+        <a:defRPr kumimoji="0" sz="1400" kern="1200" cap="small" baseline="0">
+          <a:solidFill>
+            <a:schemeClr val="tx2"/>
+          </a:solidFill>
+          <a:latin typeface="+mn-lt"/>
+          <a:ea typeface="+mn-ea"/>
+          <a:cs typeface="+mn-cs"/>
+        </a:defRPr>
+      </a:lvl8pPr>
+      <a:lvl9pPr marL="2560320" indent="-182880" algn="l" rtl="0" eaLnBrk="1" latinLnBrk="0" hangingPunct="1">
+        <a:spcBef>
+          <a:spcPct val="20000"/>
+        </a:spcBef>
+        <a:buClr>
+          <a:schemeClr val="accent1">
+            <a:shade val="75000"/>
+          </a:schemeClr>
+        </a:buClr>
+        <a:buChar char="•"/>
+        <a:defRPr kumimoji="0" sz="1400" kern="1200" baseline="0">
+          <a:solidFill>
+            <a:schemeClr val="tx2"/>
+          </a:solidFill>
+          <a:latin typeface="+mn-lt"/>
+          <a:ea typeface="+mn-ea"/>
+          <a:cs typeface="+mn-cs"/>
+        </a:defRPr>
+      </a:lvl9pPr>
+    </p:bodyStyle>
+    <p:otherStyle>
+      <a:lvl1pPr marL="0" algn="l" rtl="0" eaLnBrk="1" latinLnBrk="0" hangingPunct="1">
+        <a:defRPr kumimoji="0" kern="1200">
+          <a:solidFill>
+            <a:schemeClr val="tx1"/>
+          </a:solidFill>
+          <a:latin typeface="+mn-lt"/>
+          <a:ea typeface="+mn-ea"/>
+          <a:cs typeface="+mn-cs"/>
+        </a:defRPr>
+      </a:lvl1pPr>
+      <a:lvl2pPr marL="457200" algn="l" rtl="0" eaLnBrk="1" latinLnBrk="0" hangingPunct="1">
+        <a:defRPr kumimoji="0" kern="1200">
+          <a:solidFill>
+            <a:schemeClr val="tx1"/>
+          </a:solidFill>
+          <a:latin typeface="+mn-lt"/>
+          <a:ea typeface="+mn-ea"/>
+          <a:cs typeface="+mn-cs"/>
+        </a:defRPr>
+      </a:lvl2pPr>
+      <a:lvl3pPr marL="914400" algn="l" rtl="0" eaLnBrk="1" latinLnBrk="0" hangingPunct="1">
+        <a:defRPr kumimoji="0" kern="1200">
+          <a:solidFill>
+            <a:schemeClr val="tx1"/>
+          </a:solidFill>
+          <a:latin typeface="+mn-lt"/>
+          <a:ea typeface="+mn-ea"/>
+          <a:cs typeface="+mn-cs"/>
+        </a:defRPr>
+      </a:lvl3pPr>
+      <a:lvl4pPr marL="1371600" algn="l" rtl="0" eaLnBrk="1" latinLnBrk="0" hangingPunct="1">
+        <a:defRPr kumimoji="0" kern="1200">
+          <a:solidFill>
+            <a:schemeClr val="tx1"/>
+          </a:solidFill>
+          <a:latin typeface="+mn-lt"/>
+          <a:ea typeface="+mn-ea"/>
+          <a:cs typeface="+mn-cs"/>
+        </a:defRPr>
+      </a:lvl4pPr>
+      <a:lvl5pPr marL="1828800" algn="l" rtl="0" eaLnBrk="1" latinLnBrk="0" hangingPunct="1">
+        <a:defRPr kumimoji="0" kern="1200">
+          <a:solidFill>
+            <a:schemeClr val="tx1"/>
+          </a:solidFill>
+          <a:latin typeface="+mn-lt"/>
+          <a:ea typeface="+mn-ea"/>
+          <a:cs typeface="+mn-cs"/>
+        </a:defRPr>
+      </a:lvl5pPr>
+      <a:lvl6pPr marL="2286000" algn="l" rtl="0" eaLnBrk="1" latinLnBrk="0" hangingPunct="1">
+        <a:defRPr kumimoji="0" kern="1200">
           <a:solidFill>
             <a:schemeClr val="tx1"/>
           </a:solidFill>
@@ -2897,13 +4982,8 @@
           <a:cs typeface="+mn-cs"/>
         </a:defRPr>
       </a:lvl6pPr>
-      <a:lvl7pPr marL="2971800" indent="-228600" algn="l" defTabSz="914400" rtl="0" eaLnBrk="1" latinLnBrk="0" hangingPunct="1">
-        <a:spcBef>
-          <a:spcPct val="20000"/>
-        </a:spcBef>
-        <a:buFont typeface="Arial" pitchFamily="34" charset="0"/>
-        <a:buChar char="•"/>
-        <a:defRPr sz="2000" kern="1200">
+      <a:lvl7pPr marL="2743200" algn="l" rtl="0" eaLnBrk="1" latinLnBrk="0" hangingPunct="1">
+        <a:defRPr kumimoji="0" kern="1200">
           <a:solidFill>
             <a:schemeClr val="tx1"/>
           </a:solidFill>
@@ -2912,13 +4992,8 @@
           <a:cs typeface="+mn-cs"/>
         </a:defRPr>
       </a:lvl7pPr>
-      <a:lvl8pPr marL="3429000" indent="-228600" algn="l" defTabSz="914400" rtl="0" eaLnBrk="1" latinLnBrk="0" hangingPunct="1">
-        <a:spcBef>
-          <a:spcPct val="20000"/>
-        </a:spcBef>
-        <a:buFont typeface="Arial" pitchFamily="34" charset="0"/>
-        <a:buChar char="•"/>
-        <a:defRPr sz="2000" kern="1200">
+      <a:lvl8pPr marL="3200400" algn="l" rtl="0" eaLnBrk="1" latinLnBrk="0" hangingPunct="1">
+        <a:defRPr kumimoji="0" kern="1200">
           <a:solidFill>
             <a:schemeClr val="tx1"/>
           </a:solidFill>
@@ -2927,108 +5002,8 @@
           <a:cs typeface="+mn-cs"/>
         </a:defRPr>
       </a:lvl8pPr>
-      <a:lvl9pPr marL="3886200" indent="-228600" algn="l" defTabSz="914400" rtl="0" eaLnBrk="1" latinLnBrk="0" hangingPunct="1">
-        <a:spcBef>
-          <a:spcPct val="20000"/>
-        </a:spcBef>
-        <a:buFont typeface="Arial" pitchFamily="34" charset="0"/>
-        <a:buChar char="•"/>
-        <a:defRPr sz="2000" kern="1200">
-          <a:solidFill>
-            <a:schemeClr val="tx1"/>
-          </a:solidFill>
-          <a:latin typeface="+mn-lt"/>
-          <a:ea typeface="+mn-ea"/>
-          <a:cs typeface="+mn-cs"/>
-        </a:defRPr>
-      </a:lvl9pPr>
-    </p:bodyStyle>
-    <p:otherStyle>
-      <a:defPPr>
-        <a:defRPr lang="fr-FR"/>
-      </a:defPPr>
-      <a:lvl1pPr marL="0" algn="l" defTabSz="914400" rtl="0" eaLnBrk="1" latinLnBrk="0" hangingPunct="1">
-        <a:defRPr sz="1800" kern="1200">
-          <a:solidFill>
-            <a:schemeClr val="tx1"/>
-          </a:solidFill>
-          <a:latin typeface="+mn-lt"/>
-          <a:ea typeface="+mn-ea"/>
-          <a:cs typeface="+mn-cs"/>
-        </a:defRPr>
-      </a:lvl1pPr>
-      <a:lvl2pPr marL="457200" algn="l" defTabSz="914400" rtl="0" eaLnBrk="1" latinLnBrk="0" hangingPunct="1">
-        <a:defRPr sz="1800" kern="1200">
-          <a:solidFill>
-            <a:schemeClr val="tx1"/>
-          </a:solidFill>
-          <a:latin typeface="+mn-lt"/>
-          <a:ea typeface="+mn-ea"/>
-          <a:cs typeface="+mn-cs"/>
-        </a:defRPr>
-      </a:lvl2pPr>
-      <a:lvl3pPr marL="914400" algn="l" defTabSz="914400" rtl="0" eaLnBrk="1" latinLnBrk="0" hangingPunct="1">
-        <a:defRPr sz="1800" kern="1200">
-          <a:solidFill>
-            <a:schemeClr val="tx1"/>
-          </a:solidFill>
-          <a:latin typeface="+mn-lt"/>
-          <a:ea typeface="+mn-ea"/>
-          <a:cs typeface="+mn-cs"/>
-        </a:defRPr>
-      </a:lvl3pPr>
-      <a:lvl4pPr marL="1371600" algn="l" defTabSz="914400" rtl="0" eaLnBrk="1" latinLnBrk="0" hangingPunct="1">
-        <a:defRPr sz="1800" kern="1200">
-          <a:solidFill>
-            <a:schemeClr val="tx1"/>
-          </a:solidFill>
-          <a:latin typeface="+mn-lt"/>
-          <a:ea typeface="+mn-ea"/>
-          <a:cs typeface="+mn-cs"/>
-        </a:defRPr>
-      </a:lvl4pPr>
-      <a:lvl5pPr marL="1828800" algn="l" defTabSz="914400" rtl="0" eaLnBrk="1" latinLnBrk="0" hangingPunct="1">
-        <a:defRPr sz="1800" kern="1200">
-          <a:solidFill>
-            <a:schemeClr val="tx1"/>
-          </a:solidFill>
-          <a:latin typeface="+mn-lt"/>
-          <a:ea typeface="+mn-ea"/>
-          <a:cs typeface="+mn-cs"/>
-        </a:defRPr>
-      </a:lvl5pPr>
-      <a:lvl6pPr marL="2286000" algn="l" defTabSz="914400" rtl="0" eaLnBrk="1" latinLnBrk="0" hangingPunct="1">
-        <a:defRPr sz="1800" kern="1200">
-          <a:solidFill>
-            <a:schemeClr val="tx1"/>
-          </a:solidFill>
-          <a:latin typeface="+mn-lt"/>
-          <a:ea typeface="+mn-ea"/>
-          <a:cs typeface="+mn-cs"/>
-        </a:defRPr>
-      </a:lvl6pPr>
-      <a:lvl7pPr marL="2743200" algn="l" defTabSz="914400" rtl="0" eaLnBrk="1" latinLnBrk="0" hangingPunct="1">
-        <a:defRPr sz="1800" kern="1200">
-          <a:solidFill>
-            <a:schemeClr val="tx1"/>
-          </a:solidFill>
-          <a:latin typeface="+mn-lt"/>
-          <a:ea typeface="+mn-ea"/>
-          <a:cs typeface="+mn-cs"/>
-        </a:defRPr>
-      </a:lvl7pPr>
-      <a:lvl8pPr marL="3200400" algn="l" defTabSz="914400" rtl="0" eaLnBrk="1" latinLnBrk="0" hangingPunct="1">
-        <a:defRPr sz="1800" kern="1200">
-          <a:solidFill>
-            <a:schemeClr val="tx1"/>
-          </a:solidFill>
-          <a:latin typeface="+mn-lt"/>
-          <a:ea typeface="+mn-ea"/>
-          <a:cs typeface="+mn-cs"/>
-        </a:defRPr>
-      </a:lvl8pPr>
-      <a:lvl9pPr marL="3657600" algn="l" defTabSz="914400" rtl="0" eaLnBrk="1" latinLnBrk="0" hangingPunct="1">
-        <a:defRPr sz="1800" kern="1200">
+      <a:lvl9pPr marL="3657600" algn="l" rtl="0" eaLnBrk="1" latinLnBrk="0" hangingPunct="1">
+        <a:defRPr kumimoji="0" kern="1200">
           <a:solidFill>
             <a:schemeClr val="tx1"/>
           </a:solidFill>
@@ -3074,7 +5049,15 @@
           <a:bodyPr/>
           <a:lstStyle/>
           <a:p>
-            <a:endParaRPr lang="fr-FR"/>
+            <a:r>
+              <a:rPr lang="fr-FR" dirty="0" smtClean="0"/>
+              <a:t>$</a:t>
+            </a:r>
+            <a:r>
+              <a:rPr lang="fr-FR" smtClean="0"/>
+              <a:t>project.Name</a:t>
+            </a:r>
+            <a:endParaRPr lang="fr-FR" dirty="0"/>
           </a:p>
         </p:txBody>
       </p:sp>
@@ -3093,48 +5076,7 @@
           <a:bodyPr/>
           <a:lstStyle/>
           <a:p>
-            <a:r>
-              <a:rPr lang="fr-FR" dirty="0" smtClean="0"/>
-              <a:t>Project : </a:t>
-            </a:r>
-            <a:r>
-              <a:rPr lang="fr-FR" b="1" dirty="0" smtClean="0">
-                <a:solidFill>
-                  <a:srgbClr val="C00000"/>
-                </a:solidFill>
-              </a:rPr>
-              <a:t>${project.name}!</a:t>
-            </a:r>
-          </a:p>
-          <a:p>
-            <a:r>
-              <a:rPr lang="fr-FR" dirty="0" smtClean="0"/>
-              <a:t>Project </a:t>
-            </a:r>
-            <a:r>
-              <a:rPr lang="fr-FR" smtClean="0"/>
-              <a:t>: </a:t>
-            </a:r>
-            <a:r>
-              <a:rPr lang="fr-FR" b="1" smtClean="0">
-                <a:solidFill>
-                  <a:srgbClr val="C00000"/>
-                </a:solidFill>
-              </a:rPr>
-              <a:t>$project.name</a:t>
-            </a:r>
-            <a:endParaRPr lang="fr-FR" b="1" dirty="0" smtClean="0">
-              <a:solidFill>
-                <a:srgbClr val="C00000"/>
-              </a:solidFill>
-            </a:endParaRPr>
-          </a:p>
-          <a:p>
-            <a:endParaRPr lang="fr-FR" b="1" dirty="0" smtClean="0">
-              <a:solidFill>
-                <a:srgbClr val="C00000"/>
-              </a:solidFill>
-            </a:endParaRPr>
+            <a:endParaRPr lang="fr-FR" dirty="0"/>
           </a:p>
         </p:txBody>
       </p:sp>
@@ -3143,13 +5085,110 @@
   <p:clrMapOvr>
     <a:masterClrMapping/>
   </p:clrMapOvr>
+  <p:timing>
+    <p:tnLst>
+      <p:par>
+        <p:cTn id="1" dur="indefinite" restart="never" nodeType="tmRoot"/>
+      </p:par>
+    </p:tnLst>
+  </p:timing>
+</p:sld>
+</file>
+
+<file path=ppt/slides/slide2.xml><?xml version="1.0" encoding="utf-8"?>
+<p:sld xmlns:a="http://schemas.openxmlformats.org/drawingml/2006/main" xmlns:r="http://schemas.openxmlformats.org/officeDocument/2006/relationships" xmlns:p="http://schemas.openxmlformats.org/presentationml/2006/main">
+  <p:cSld>
+    <p:spTree>
+      <p:nvGrpSpPr>
+        <p:cNvPr id="1" name=""/>
+        <p:cNvGrpSpPr/>
+        <p:nvPr/>
+      </p:nvGrpSpPr>
+      <p:grpSpPr>
+        <a:xfrm>
+          <a:off x="0" y="0"/>
+          <a:ext cx="0" cy="0"/>
+          <a:chOff x="0" y="0"/>
+          <a:chExt cx="0" cy="0"/>
+        </a:xfrm>
+      </p:grpSpPr>
+      <p:sp>
+        <p:nvSpPr>
+          <p:cNvPr id="2" name="Titre 1"/>
+          <p:cNvSpPr>
+            <a:spLocks noGrp="1"/>
+          </p:cNvSpPr>
+          <p:nvPr>
+            <p:ph type="title"/>
+          </p:nvPr>
+        </p:nvSpPr>
+        <p:spPr/>
+        <p:txBody>
+          <a:bodyPr/>
+          <a:lstStyle/>
+          <a:p>
+            <a:r>
+              <a:rPr lang="fr-FR" dirty="0" err="1" smtClean="0"/>
+              <a:t>Developpers</a:t>
+            </a:r>
+            <a:endParaRPr lang="fr-FR" dirty="0"/>
+          </a:p>
+        </p:txBody>
+      </p:sp>
+      <p:sp>
+        <p:nvSpPr>
+          <p:cNvPr id="3" name="Espace réservé du contenu 2"/>
+          <p:cNvSpPr>
+            <a:spLocks noGrp="1"/>
+          </p:cNvSpPr>
+          <p:nvPr>
+            <p:ph sz="quarter" idx="1"/>
+          </p:nvPr>
+        </p:nvSpPr>
+        <p:spPr/>
+        <p:txBody>
+          <a:bodyPr/>
+          <a:lstStyle/>
+          <a:p>
+            <a:r>
+              <a:rPr lang="fr-FR" dirty="0" smtClean="0"/>
+              <a:t>$</a:t>
+            </a:r>
+            <a:r>
+              <a:rPr lang="fr-FR" dirty="0" err="1" smtClean="0"/>
+              <a:t>developers.Name</a:t>
+            </a:r>
+            <a:r>
+              <a:rPr lang="fr-FR" dirty="0" smtClean="0"/>
+              <a:t> $</a:t>
+            </a:r>
+            <a:r>
+              <a:rPr lang="fr-FR" smtClean="0"/>
+              <a:t>developers.LastName</a:t>
+            </a:r>
+            <a:endParaRPr lang="fr-FR" dirty="0"/>
+          </a:p>
+        </p:txBody>
+      </p:sp>
+    </p:spTree>
+  </p:cSld>
+  <p:clrMapOvr>
+    <a:masterClrMapping/>
+  </p:clrMapOvr>
+  <p:timing>
+    <p:tnLst>
+      <p:par>
+        <p:cTn id="1" dur="indefinite" restart="never" nodeType="tmRoot"/>
+      </p:par>
+    </p:tnLst>
+  </p:timing>
 </p:sld>
 </file>
 
 <file path=ppt/theme/theme1.xml><?xml version="1.0" encoding="utf-8"?>
-<a:theme xmlns:a="http://schemas.openxmlformats.org/drawingml/2006/main" name="Thème Office">
+<a:theme xmlns:a="http://schemas.openxmlformats.org/drawingml/2006/main" name="Oriel">
   <a:themeElements>
-    <a:clrScheme name="Office">
+    <a:clrScheme name="Oriel">
       <a:dk1>
         <a:sysClr val="windowText" lastClr="000000"/>
       </a:dk1>
@@ -3157,48 +5196,48 @@
         <a:sysClr val="window" lastClr="FFFFFF"/>
       </a:lt1>
       <a:dk2>
-        <a:srgbClr val="1F497D"/>
+        <a:srgbClr val="575F6D"/>
       </a:dk2>
       <a:lt2>
-        <a:srgbClr val="EEECE1"/>
+        <a:srgbClr val="FFF39D"/>
       </a:lt2>
       <a:accent1>
-        <a:srgbClr val="4F81BD"/>
+        <a:srgbClr val="FE8637"/>
       </a:accent1>
       <a:accent2>
-        <a:srgbClr val="C0504D"/>
+        <a:srgbClr val="7598D9"/>
       </a:accent2>
       <a:accent3>
-        <a:srgbClr val="9BBB59"/>
+        <a:srgbClr val="B32C16"/>
       </a:accent3>
       <a:accent4>
-        <a:srgbClr val="8064A2"/>
+        <a:srgbClr val="F5CD2D"/>
       </a:accent4>
       <a:accent5>
-        <a:srgbClr val="4BACC6"/>
+        <a:srgbClr val="AEBAD5"/>
       </a:accent5>
       <a:accent6>
-        <a:srgbClr val="F79646"/>
+        <a:srgbClr val="777C84"/>
       </a:accent6>
       <a:hlink>
-        <a:srgbClr val="0000FF"/>
+        <a:srgbClr val="D2611C"/>
       </a:hlink>
       <a:folHlink>
-        <a:srgbClr val="800080"/>
+        <a:srgbClr val="3B435B"/>
       </a:folHlink>
     </a:clrScheme>
-    <a:fontScheme name="Office">
+    <a:fontScheme name="Oriel">
       <a:majorFont>
-        <a:latin typeface="Calibri"/>
+        <a:latin typeface="Century Schoolbook"/>
         <a:ea typeface=""/>
         <a:cs typeface=""/>
-        <a:font script="Jpan" typeface="ＭＳ Ｐゴシック"/>
-        <a:font script="Hang" typeface="맑은 고딕"/>
-        <a:font script="Hans" typeface="宋体"/>
+        <a:font script="Jpan" typeface="ＭＳ Ｐ明朝"/>
+        <a:font script="Hang" typeface="휴먼매직체"/>
+        <a:font script="Hans" typeface="华文楷体"/>
         <a:font script="Hant" typeface="新細明體"/>
         <a:font script="Arab" typeface="Times New Roman"/>
         <a:font script="Hebr" typeface="Times New Roman"/>
-        <a:font script="Thai" typeface="Angsana New"/>
+        <a:font script="Thai" typeface="KodchiangUPC"/>
         <a:font script="Ethi" typeface="Nyala"/>
         <a:font script="Beng" typeface="Vrinda"/>
         <a:font script="Gujr" typeface="Shruti"/>
@@ -3223,20 +5262,20 @@
         <a:font script="Uigh" typeface="Microsoft Uighur"/>
       </a:majorFont>
       <a:minorFont>
-        <a:latin typeface="Calibri"/>
+        <a:latin typeface="Century Schoolbook"/>
         <a:ea typeface=""/>
         <a:cs typeface=""/>
-        <a:font script="Jpan" typeface="ＭＳ Ｐゴシック"/>
-        <a:font script="Hang" typeface="맑은 고딕"/>
+        <a:font script="Jpan" typeface="ＭＳ Ｐ明朝"/>
+        <a:font script="Hang" typeface="휴먼매직체"/>
         <a:font script="Hans" typeface="宋体"/>
         <a:font script="Hant" typeface="新細明體"/>
-        <a:font script="Arab" typeface="Arial"/>
-        <a:font script="Hebr" typeface="Arial"/>
-        <a:font script="Thai" typeface="Cordia New"/>
+        <a:font script="Arab" typeface="Times New Roman"/>
+        <a:font script="Hebr" typeface="Times New Roman"/>
+        <a:font script="Thai" typeface="KodchiangUPC"/>
         <a:font script="Ethi" typeface="Nyala"/>
         <a:font script="Beng" typeface="Vrinda"/>
         <a:font script="Gujr" typeface="Shruti"/>
-        <a:font script="Khmr" typeface="DaunPenh"/>
+        <a:font script="Khmr" typeface="MoolBoran"/>
         <a:font script="Knda" typeface="Tunga"/>
         <a:font script="Guru" typeface="Raavi"/>
         <a:font script="Cans" typeface="Euphemia"/>
@@ -3253,11 +5292,11 @@
         <a:font script="Laoo" typeface="DokChampa"/>
         <a:font script="Sinh" typeface="Iskoola Pota"/>
         <a:font script="Mong" typeface="Mongolian Baiti"/>
-        <a:font script="Viet" typeface="Arial"/>
+        <a:font script="Viet" typeface="Times New Roman"/>
         <a:font script="Uigh" typeface="Microsoft Uighur"/>
       </a:minorFont>
     </a:fontScheme>
-    <a:fmtScheme name="Office">
+    <a:fmtScheme name="Oriel">
       <a:fillStyleLst>
         <a:solidFill>
           <a:schemeClr val="phClr"/>
@@ -3266,55 +5305,71 @@
           <a:gsLst>
             <a:gs pos="0">
               <a:schemeClr val="phClr">
-                <a:tint val="50000"/>
-                <a:satMod val="300000"/>
+                <a:tint val="35000"/>
+                <a:satMod val="260000"/>
               </a:schemeClr>
             </a:gs>
-            <a:gs pos="35000">
+            <a:gs pos="30000">
               <a:schemeClr val="phClr">
-                <a:tint val="37000"/>
-                <a:satMod val="300000"/>
+                <a:tint val="38000"/>
+                <a:satMod val="260000"/>
+              </a:schemeClr>
+            </a:gs>
+            <a:gs pos="75000">
+              <a:schemeClr val="phClr">
+                <a:tint val="55000"/>
+                <a:satMod val="255000"/>
               </a:schemeClr>
             </a:gs>
             <a:gs pos="100000">
               <a:schemeClr val="phClr">
-                <a:tint val="15000"/>
-                <a:satMod val="350000"/>
+                <a:tint val="70000"/>
+                <a:satMod val="255000"/>
               </a:schemeClr>
             </a:gs>
           </a:gsLst>
-          <a:lin ang="16200000" scaled="1"/>
+          <a:path path="circle">
+            <a:fillToRect l="5000" t="100000" r="120000" b="10000"/>
+          </a:path>
         </a:gradFill>
         <a:gradFill rotWithShape="1">
           <a:gsLst>
             <a:gs pos="0">
               <a:schemeClr val="phClr">
-                <a:shade val="51000"/>
-                <a:satMod val="130000"/>
+                <a:shade val="63000"/>
+                <a:satMod val="165000"/>
               </a:schemeClr>
             </a:gs>
-            <a:gs pos="80000">
+            <a:gs pos="30000">
               <a:schemeClr val="phClr">
-                <a:shade val="93000"/>
-                <a:satMod val="130000"/>
+                <a:shade val="58000"/>
+                <a:satMod val="165000"/>
+              </a:schemeClr>
+            </a:gs>
+            <a:gs pos="75000">
+              <a:schemeClr val="phClr">
+                <a:shade val="30000"/>
+                <a:satMod val="175000"/>
               </a:schemeClr>
             </a:gs>
             <a:gs pos="100000">
               <a:schemeClr val="phClr">
-                <a:shade val="94000"/>
-                <a:satMod val="135000"/>
+                <a:shade val="15000"/>
+                <a:satMod val="175000"/>
               </a:schemeClr>
             </a:gs>
           </a:gsLst>
-          <a:lin ang="16200000" scaled="0"/>
+          <a:path path="circle">
+            <a:fillToRect l="5000" t="100000" r="120000" b="10000"/>
+          </a:path>
         </a:gradFill>
       </a:fillStyleLst>
       <a:lnStyleLst>
-        <a:ln w="9525" cap="flat" cmpd="sng" algn="ctr">
+        <a:ln w="12700" cap="flat" cmpd="sng" algn="ctr">
           <a:solidFill>
             <a:schemeClr val="phClr">
-              <a:shade val="95000"/>
-              <a:satMod val="105000"/>
+              <a:shade val="70000"/>
+              <a:satMod val="150000"/>
             </a:schemeClr>
           </a:solidFill>
           <a:prstDash val="solid"/>
@@ -3325,7 +5380,7 @@
           </a:solidFill>
           <a:prstDash val="solid"/>
         </a:ln>
-        <a:ln w="38100" cap="flat" cmpd="sng" algn="ctr">
+        <a:ln w="34925" cap="flat" cmpd="sng" algn="ctr">
           <a:solidFill>
             <a:schemeClr val="phClr"/>
           </a:solidFill>
@@ -3335,27 +5390,27 @@
       <a:effectStyleLst>
         <a:effectStyle>
           <a:effectLst>
-            <a:outerShdw blurRad="40000" dist="20000" dir="5400000" rotWithShape="0">
+            <a:outerShdw blurRad="50800" dist="25000" dir="5400000" rotWithShape="0">
               <a:srgbClr val="000000">
-                <a:alpha val="38000"/>
+                <a:alpha val="40000"/>
               </a:srgbClr>
             </a:outerShdw>
           </a:effectLst>
         </a:effectStyle>
         <a:effectStyle>
           <a:effectLst>
-            <a:outerShdw blurRad="40000" dist="23000" dir="5400000" rotWithShape="0">
+            <a:outerShdw blurRad="50800" dist="20000" dir="5400000" rotWithShape="0">
               <a:srgbClr val="000000">
-                <a:alpha val="35000"/>
+                <a:alpha val="42000"/>
               </a:srgbClr>
             </a:outerShdw>
           </a:effectLst>
         </a:effectStyle>
         <a:effectStyle>
           <a:effectLst>
-            <a:outerShdw blurRad="40000" dist="23000" dir="5400000" rotWithShape="0">
+            <a:outerShdw blurRad="50800" dist="20000" dir="5400000" rotWithShape="0">
               <a:srgbClr val="000000">
-                <a:alpha val="35000"/>
+                <a:alpha val="42000"/>
               </a:srgbClr>
             </a:outerShdw>
           </a:effectLst>
@@ -3363,12 +5418,15 @@
             <a:camera prst="orthographicFront">
               <a:rot lat="0" lon="0" rev="0"/>
             </a:camera>
-            <a:lightRig rig="threePt" dir="t">
-              <a:rot lat="0" lon="0" rev="1200000"/>
+            <a:lightRig rig="balanced" dir="t">
+              <a:rot lat="0" lon="0" rev="0"/>
             </a:lightRig>
           </a:scene3d>
           <a:sp3d>
-            <a:bevelT w="63500" h="25400"/>
+            <a:bevelT w="47625" h="69850"/>
+            <a:contourClr>
+              <a:schemeClr val="lt1"/>
+            </a:contourClr>
           </a:sp3d>
         </a:effectStyle>
       </a:effectStyleLst>
@@ -3380,47 +5438,38 @@
           <a:gsLst>
             <a:gs pos="0">
               <a:schemeClr val="phClr">
-                <a:tint val="40000"/>
-                <a:satMod val="350000"/>
+                <a:shade val="58000"/>
+                <a:satMod val="125000"/>
               </a:schemeClr>
             </a:gs>
             <a:gs pos="40000">
               <a:schemeClr val="phClr">
-                <a:tint val="45000"/>
-                <a:shade val="99000"/>
-                <a:satMod val="350000"/>
+                <a:tint val="90000"/>
+                <a:shade val="90000"/>
+                <a:satMod val="120000"/>
               </a:schemeClr>
             </a:gs>
             <a:gs pos="100000">
               <a:schemeClr val="phClr">
-                <a:shade val="20000"/>
-                <a:satMod val="255000"/>
+                <a:tint val="50000"/>
               </a:schemeClr>
             </a:gs>
           </a:gsLst>
-          <a:path path="circle">
-            <a:fillToRect l="50000" t="-80000" r="50000" b="180000"/>
-          </a:path>
+          <a:lin ang="16200000" scaled="1"/>
         </a:gradFill>
-        <a:gradFill rotWithShape="1">
-          <a:gsLst>
-            <a:gs pos="0">
+        <a:blipFill>
+          <a:blip xmlns:r="http://schemas.openxmlformats.org/officeDocument/2006/relationships" r:embed="rId1">
+            <a:duotone>
               <a:schemeClr val="phClr">
-                <a:tint val="80000"/>
-                <a:satMod val="300000"/>
+                <a:shade val="80000"/>
               </a:schemeClr>
-            </a:gs>
-            <a:gs pos="100000">
               <a:schemeClr val="phClr">
-                <a:shade val="30000"/>
-                <a:satMod val="200000"/>
+                <a:tint val="91000"/>
               </a:schemeClr>
-            </a:gs>
-          </a:gsLst>
-          <a:path path="circle">
-            <a:fillToRect l="50000" t="50000" r="50000" b="50000"/>
-          </a:path>
-        </a:gradFill>
+            </a:duotone>
+          </a:blip>
+          <a:tile tx="0" ty="0" sx="40000" sy="50000" flip="y" algn="tl"/>
+        </a:blipFill>
       </a:bgFillStyleLst>
     </a:fmtScheme>
   </a:themeElements>
